--- a/Paper/MEA Presentation.pptx
+++ b/Paper/MEA Presentation.pptx
@@ -5,10 +5,10 @@
     <p:sldMasterId id="2147483658" r:id="rId1"/>
   </p:sldMasterIdLst>
   <p:notesMasterIdLst>
-    <p:notesMasterId r:id="rId14"/>
+    <p:notesMasterId r:id="rId22"/>
   </p:notesMasterIdLst>
   <p:handoutMasterIdLst>
-    <p:handoutMasterId r:id="rId15"/>
+    <p:handoutMasterId r:id="rId23"/>
   </p:handoutMasterIdLst>
   <p:sldIdLst>
     <p:sldId id="271" r:id="rId2"/>
@@ -19,24 +19,32 @@
     <p:sldId id="276" r:id="rId7"/>
     <p:sldId id="284" r:id="rId8"/>
     <p:sldId id="278" r:id="rId9"/>
-    <p:sldId id="279" r:id="rId10"/>
-    <p:sldId id="280" r:id="rId11"/>
-    <p:sldId id="285" r:id="rId12"/>
-    <p:sldId id="281" r:id="rId13"/>
+    <p:sldId id="280" r:id="rId10"/>
+    <p:sldId id="285" r:id="rId11"/>
+    <p:sldId id="286" r:id="rId12"/>
+    <p:sldId id="289" r:id="rId13"/>
+    <p:sldId id="290" r:id="rId14"/>
+    <p:sldId id="287" r:id="rId15"/>
+    <p:sldId id="291" r:id="rId16"/>
+    <p:sldId id="292" r:id="rId17"/>
+    <p:sldId id="288" r:id="rId18"/>
+    <p:sldId id="293" r:id="rId19"/>
+    <p:sldId id="294" r:id="rId20"/>
+    <p:sldId id="281" r:id="rId21"/>
   </p:sldIdLst>
   <p:sldSz cx="12192000" cy="6858000"/>
   <p:notesSz cx="6858000" cy="9144000"/>
   <p:embeddedFontLst>
     <p:embeddedFont>
       <p:font typeface="Cambria Math" panose="02040503050406030204" pitchFamily="18" charset="0"/>
-      <p:regular r:id="rId16"/>
+      <p:regular r:id="rId24"/>
     </p:embeddedFont>
     <p:embeddedFont>
       <p:font typeface="Segoe UI" panose="020B0502040204020203" pitchFamily="34" charset="0"/>
-      <p:regular r:id="rId17"/>
-      <p:bold r:id="rId18"/>
-      <p:italic r:id="rId19"/>
-      <p:boldItalic r:id="rId20"/>
+      <p:regular r:id="rId25"/>
+      <p:bold r:id="rId26"/>
+      <p:italic r:id="rId27"/>
+      <p:boldItalic r:id="rId28"/>
     </p:embeddedFont>
   </p:embeddedFontLst>
   <p:defaultTextStyle>
@@ -257,7 +265,7 @@
           <a:p>
             <a:fld id="{211A00E0-8A82-468F-9B2B-F8EB4AB6399D}" type="datetimeFigureOut">
               <a:rPr lang="en-US" smtClean="0"/>
-              <a:t>3/21/2024</a:t>
+              <a:t>3/22/2024</a:t>
             </a:fld>
             <a:endParaRPr lang="en-US"/>
           </a:p>
@@ -422,7 +430,7 @@
           <a:p>
             <a:fld id="{6A2F7AD5-1E06-481F-9C05-C3A40CB42C63}" type="datetimeFigureOut">
               <a:rPr lang="en-US" smtClean="0"/>
-              <a:t>3/21/2024</a:t>
+              <a:t>3/22/2024</a:t>
             </a:fld>
             <a:endParaRPr lang="en-US"/>
           </a:p>
@@ -1111,7 +1119,7 @@
           <a:p>
             <a:fld id="{176A6A54-2A6B-4242-B691-C4DE4231F394}" type="datetimeFigureOut">
               <a:rPr lang="en-US" smtClean="0"/>
-              <a:t>3/21/2024</a:t>
+              <a:t>3/22/2024</a:t>
             </a:fld>
             <a:endParaRPr lang="en-US"/>
           </a:p>
@@ -1297,7 +1305,7 @@
           <a:p>
             <a:fld id="{176A6A54-2A6B-4242-B691-C4DE4231F394}" type="datetimeFigureOut">
               <a:rPr lang="en-US" smtClean="0"/>
-              <a:t>3/21/2024</a:t>
+              <a:t>3/22/2024</a:t>
             </a:fld>
             <a:endParaRPr lang="en-US"/>
           </a:p>
@@ -1578,7 +1586,7 @@
           <a:p>
             <a:fld id="{176A6A54-2A6B-4242-B691-C4DE4231F394}" type="datetimeFigureOut">
               <a:rPr lang="en-US" smtClean="0"/>
-              <a:t>3/21/2024</a:t>
+              <a:t>3/22/2024</a:t>
             </a:fld>
             <a:endParaRPr lang="en-US"/>
           </a:p>
@@ -1844,7 +1852,7 @@
           <a:p>
             <a:fld id="{176A6A54-2A6B-4242-B691-C4DE4231F394}" type="datetimeFigureOut">
               <a:rPr lang="en-US" smtClean="0"/>
-              <a:t>3/21/2024</a:t>
+              <a:t>3/22/2024</a:t>
             </a:fld>
             <a:endParaRPr lang="en-US"/>
           </a:p>
@@ -2442,7 +2450,7 @@
           <a:p>
             <a:fld id="{176A6A54-2A6B-4242-B691-C4DE4231F394}" type="datetimeFigureOut">
               <a:rPr lang="en-US" smtClean="0"/>
-              <a:t>3/21/2024</a:t>
+              <a:t>3/22/2024</a:t>
             </a:fld>
             <a:endParaRPr lang="en-US"/>
           </a:p>
@@ -2540,7 +2548,7 @@
           <a:p>
             <a:fld id="{176A6A54-2A6B-4242-B691-C4DE4231F394}" type="datetimeFigureOut">
               <a:rPr lang="en-US" smtClean="0"/>
-              <a:t>3/21/2024</a:t>
+              <a:t>3/22/2024</a:t>
             </a:fld>
             <a:endParaRPr lang="en-US"/>
           </a:p>
@@ -2643,7 +2651,7 @@
           <a:p>
             <a:fld id="{176A6A54-2A6B-4242-B691-C4DE4231F394}" type="datetimeFigureOut">
               <a:rPr lang="en-US" smtClean="0"/>
-              <a:t>3/21/2024</a:t>
+              <a:t>3/22/2024</a:t>
             </a:fld>
             <a:endParaRPr lang="en-US"/>
           </a:p>
@@ -2952,7 +2960,7 @@
             <a:fld id="{176A6A54-2A6B-4242-B691-C4DE4231F394}" type="datetimeFigureOut">
               <a:rPr lang="en-US" smtClean="0"/>
               <a:pPr/>
-              <a:t>3/21/2024</a:t>
+              <a:t>3/22/2024</a:t>
             </a:fld>
             <a:endParaRPr lang="en-US"/>
           </a:p>
@@ -3537,6 +3545,3330 @@
 </file>
 
 <file path=ppt/slides/slide10.xml><?xml version="1.0" encoding="utf-8"?>
+<p:sld xmlns:a="http://schemas.openxmlformats.org/drawingml/2006/main" xmlns:r="http://schemas.openxmlformats.org/officeDocument/2006/relationships" xmlns:p="http://schemas.openxmlformats.org/presentationml/2006/main">
+  <p:cSld>
+    <p:spTree>
+      <p:nvGrpSpPr>
+        <p:cNvPr id="1" name=""/>
+        <p:cNvGrpSpPr/>
+        <p:nvPr/>
+      </p:nvGrpSpPr>
+      <p:grpSpPr>
+        <a:xfrm>
+          <a:off x="0" y="0"/>
+          <a:ext cx="0" cy="0"/>
+          <a:chOff x="0" y="0"/>
+          <a:chExt cx="0" cy="0"/>
+        </a:xfrm>
+      </p:grpSpPr>
+      <p:sp>
+        <p:nvSpPr>
+          <p:cNvPr id="3" name="Title 2"/>
+          <p:cNvSpPr>
+            <a:spLocks noGrp="1"/>
+          </p:cNvSpPr>
+          <p:nvPr>
+            <p:ph type="title"/>
+          </p:nvPr>
+        </p:nvSpPr>
+        <p:spPr/>
+        <p:txBody>
+          <a:bodyPr/>
+          <a:lstStyle/>
+          <a:p>
+            <a:r>
+              <a:rPr lang="en-US" dirty="0"/>
+              <a:t>Methodology</a:t>
+            </a:r>
+          </a:p>
+        </p:txBody>
+      </p:sp>
+      <mc:AlternateContent xmlns:mc="http://schemas.openxmlformats.org/markup-compatibility/2006" xmlns:a14="http://schemas.microsoft.com/office/drawing/2010/main">
+        <mc:Choice Requires="a14">
+          <p:sp>
+            <p:nvSpPr>
+              <p:cNvPr id="2" name="Content Placeholder 1">
+                <a:extLst>
+                  <a:ext uri="{FF2B5EF4-FFF2-40B4-BE49-F238E27FC236}">
+                    <a16:creationId xmlns:a16="http://schemas.microsoft.com/office/drawing/2014/main" id="{87F57B80-B965-3B8F-DFC0-EACBADD3C374}"/>
+                  </a:ext>
+                </a:extLst>
+              </p:cNvPr>
+              <p:cNvSpPr>
+                <a:spLocks noGrp="1"/>
+              </p:cNvSpPr>
+              <p:nvPr>
+                <p:ph idx="1"/>
+              </p:nvPr>
+            </p:nvSpPr>
+            <p:spPr>
+              <a:xfrm>
+                <a:off x="609600" y="1371600"/>
+                <a:ext cx="10464800" cy="4648200"/>
+              </a:xfrm>
+            </p:spPr>
+            <p:txBody>
+              <a:bodyPr/>
+              <a:lstStyle/>
+              <a:p>
+                <a:r>
+                  <a:rPr lang="en-US" dirty="0"/>
+                  <a:t>The extremely large </a:t>
+                </a:r>
+                <a14:m>
+                  <m:oMath xmlns:m="http://schemas.openxmlformats.org/officeDocument/2006/math">
+                    <m:r>
+                      <a:rPr lang="en-US" b="0" i="1" smtClean="0">
+                        <a:latin typeface="Cambria Math" panose="02040503050406030204" pitchFamily="18" charset="0"/>
+                      </a:rPr>
+                      <m:t>𝜌</m:t>
+                    </m:r>
+                  </m:oMath>
+                </a14:m>
+                <a:r>
+                  <a:rPr lang="en-US" dirty="0"/>
+                  <a:t> seems to indicate an over-specification of the spatial weight matrix, mostly like due to ignorance of temporal factors (Pace, et. al.).</a:t>
+                </a:r>
+              </a:p>
+              <a:p>
+                <a:r>
+                  <a:rPr lang="en-US" dirty="0"/>
+                  <a:t>Two approaches:</a:t>
+                </a:r>
+              </a:p>
+              <a:p>
+                <a:pPr lvl="1"/>
+                <a:r>
+                  <a:rPr lang="en-US" sz="2400" dirty="0"/>
+                  <a:t>Pace, et. al. (2000): Decompose the </a:t>
+                </a:r>
+                <a14:m>
+                  <m:oMath xmlns:m="http://schemas.openxmlformats.org/officeDocument/2006/math">
+                    <m:r>
+                      <a:rPr lang="en-US" sz="2400" b="0" i="1" smtClean="0">
+                        <a:latin typeface="Cambria Math" panose="02040503050406030204" pitchFamily="18" charset="0"/>
+                      </a:rPr>
+                      <m:t>𝑊</m:t>
+                    </m:r>
+                  </m:oMath>
+                </a14:m>
+                <a:r>
+                  <a:rPr lang="en-US" sz="2400" dirty="0"/>
+                  <a:t> into </a:t>
+                </a:r>
+                <a14:m>
+                  <m:oMath xmlns:m="http://schemas.openxmlformats.org/officeDocument/2006/math">
+                    <m:r>
+                      <a:rPr lang="en-US" sz="2400" b="0" i="1" smtClean="0">
+                        <a:latin typeface="Cambria Math" panose="02040503050406030204" pitchFamily="18" charset="0"/>
+                      </a:rPr>
+                      <m:t>𝑆</m:t>
+                    </m:r>
+                    <m:r>
+                      <a:rPr lang="en-US" sz="2400" b="0" i="1" smtClean="0">
+                        <a:latin typeface="Cambria Math" panose="02040503050406030204" pitchFamily="18" charset="0"/>
+                      </a:rPr>
+                      <m:t>, </m:t>
+                    </m:r>
+                    <m:r>
+                      <a:rPr lang="en-US" sz="2400" b="0" i="1" smtClean="0">
+                        <a:latin typeface="Cambria Math" panose="02040503050406030204" pitchFamily="18" charset="0"/>
+                      </a:rPr>
+                      <m:t>𝑇</m:t>
+                    </m:r>
+                    <m:r>
+                      <a:rPr lang="en-US" sz="2400" b="0" i="1" smtClean="0">
+                        <a:latin typeface="Cambria Math" panose="02040503050406030204" pitchFamily="18" charset="0"/>
+                      </a:rPr>
+                      <m:t>, </m:t>
+                    </m:r>
+                    <m:r>
+                      <a:rPr lang="en-US" sz="2400" b="0" i="1" smtClean="0">
+                        <a:latin typeface="Cambria Math" panose="02040503050406030204" pitchFamily="18" charset="0"/>
+                      </a:rPr>
+                      <m:t>𝑆𝑇</m:t>
+                    </m:r>
+                    <m:r>
+                      <a:rPr lang="en-US" sz="2400" b="0" i="1" smtClean="0">
+                        <a:latin typeface="Cambria Math" panose="02040503050406030204" pitchFamily="18" charset="0"/>
+                      </a:rPr>
+                      <m:t>, </m:t>
+                    </m:r>
+                    <m:r>
+                      <a:rPr lang="en-US" sz="2400" b="0" i="1" smtClean="0">
+                        <a:latin typeface="Cambria Math" panose="02040503050406030204" pitchFamily="18" charset="0"/>
+                      </a:rPr>
+                      <m:t>𝑎𝑛𝑑</m:t>
+                    </m:r>
+                    <m:r>
+                      <a:rPr lang="en-US" sz="2400" b="0" i="1" smtClean="0">
+                        <a:latin typeface="Cambria Math" panose="02040503050406030204" pitchFamily="18" charset="0"/>
+                      </a:rPr>
+                      <m:t> </m:t>
+                    </m:r>
+                    <m:r>
+                      <a:rPr lang="en-US" sz="2400" b="0" i="1" smtClean="0">
+                        <a:latin typeface="Cambria Math" panose="02040503050406030204" pitchFamily="18" charset="0"/>
+                      </a:rPr>
+                      <m:t>𝑇𝑆</m:t>
+                    </m:r>
+                  </m:oMath>
+                </a14:m>
+                <a:r>
+                  <a:rPr lang="en-US" sz="2400" dirty="0"/>
+                  <a:t> after sorting observations by close date. </a:t>
+                </a:r>
+              </a:p>
+              <a:p>
+                <a:pPr lvl="1"/>
+                <a:r>
+                  <a:rPr lang="en-US" sz="2400" dirty="0"/>
+                  <a:t>Thanos, Dubé, </a:t>
+                </a:r>
+                <a:r>
+                  <a:rPr lang="en-US" sz="2400" dirty="0" err="1"/>
+                  <a:t>Legros</a:t>
+                </a:r>
+                <a:r>
+                  <a:rPr lang="en-US" sz="2400"/>
+                  <a:t> (2016): </a:t>
+                </a:r>
+                <a:r>
+                  <a:rPr lang="en-US" sz="2400" dirty="0"/>
+                  <a:t>Create separate </a:t>
+                </a:r>
+                <a14:m>
+                  <m:oMath xmlns:m="http://schemas.openxmlformats.org/officeDocument/2006/math">
+                    <m:r>
+                      <a:rPr lang="en-US" sz="2400" b="0" i="1" smtClean="0">
+                        <a:latin typeface="Cambria Math" panose="02040503050406030204" pitchFamily="18" charset="0"/>
+                      </a:rPr>
+                      <m:t>𝑆</m:t>
+                    </m:r>
+                    <m:r>
+                      <a:rPr lang="en-US" sz="2400" b="0" i="1" smtClean="0">
+                        <a:latin typeface="Cambria Math" panose="02040503050406030204" pitchFamily="18" charset="0"/>
+                      </a:rPr>
+                      <m:t> </m:t>
+                    </m:r>
+                    <m:r>
+                      <a:rPr lang="en-US" sz="2400" b="0" i="1" smtClean="0">
+                        <a:latin typeface="Cambria Math" panose="02040503050406030204" pitchFamily="18" charset="0"/>
+                      </a:rPr>
+                      <m:t>𝑎𝑛𝑑</m:t>
+                    </m:r>
+                    <m:r>
+                      <a:rPr lang="en-US" sz="2400" b="0" i="1" smtClean="0">
+                        <a:latin typeface="Cambria Math" panose="02040503050406030204" pitchFamily="18" charset="0"/>
+                      </a:rPr>
+                      <m:t> </m:t>
+                    </m:r>
+                    <m:r>
+                      <a:rPr lang="en-US" sz="2400" b="0" i="1" smtClean="0">
+                        <a:latin typeface="Cambria Math" panose="02040503050406030204" pitchFamily="18" charset="0"/>
+                      </a:rPr>
+                      <m:t>𝑇</m:t>
+                    </m:r>
+                  </m:oMath>
+                </a14:m>
+                <a:r>
+                  <a:rPr lang="en-US" sz="2400" dirty="0"/>
+                  <a:t> matrix and then use the </a:t>
+                </a:r>
+                <a:r>
+                  <a:rPr lang="en-US" sz="2400" dirty="0" err="1"/>
+                  <a:t>Haramand</a:t>
+                </a:r>
+                <a:r>
+                  <a:rPr lang="en-US" sz="2400" dirty="0"/>
+                  <a:t> Product to create a usable </a:t>
+                </a:r>
+                <a14:m>
+                  <m:oMath xmlns:m="http://schemas.openxmlformats.org/officeDocument/2006/math">
+                    <m:sSub>
+                      <m:sSubPr>
+                        <m:ctrlPr>
+                          <a:rPr lang="en-US" sz="2400" b="0" i="1" smtClean="0">
+                            <a:latin typeface="Cambria Math" panose="02040503050406030204" pitchFamily="18" charset="0"/>
+                          </a:rPr>
+                        </m:ctrlPr>
+                      </m:sSubPr>
+                      <m:e>
+                        <m:r>
+                          <a:rPr lang="en-US" sz="2400" b="0" i="1" smtClean="0">
+                            <a:latin typeface="Cambria Math" panose="02040503050406030204" pitchFamily="18" charset="0"/>
+                          </a:rPr>
+                          <m:t>𝑊</m:t>
+                        </m:r>
+                      </m:e>
+                      <m:sub>
+                        <m:r>
+                          <a:rPr lang="en-US" sz="2400" b="0" i="1" smtClean="0">
+                            <a:latin typeface="Cambria Math" panose="02040503050406030204" pitchFamily="18" charset="0"/>
+                          </a:rPr>
+                          <m:t>𝐻𝑃</m:t>
+                        </m:r>
+                      </m:sub>
+                    </m:sSub>
+                    <m:r>
+                      <a:rPr lang="en-US" sz="2400" b="0" i="1" smtClean="0">
+                        <a:latin typeface="Cambria Math" panose="02040503050406030204" pitchFamily="18" charset="0"/>
+                      </a:rPr>
+                      <m:t>=</m:t>
+                    </m:r>
+                    <m:r>
+                      <a:rPr lang="en-US" sz="2400" b="0" i="1" smtClean="0">
+                        <a:latin typeface="Cambria Math" panose="02040503050406030204" pitchFamily="18" charset="0"/>
+                      </a:rPr>
+                      <m:t>𝑆</m:t>
+                    </m:r>
+                    <m:r>
+                      <a:rPr lang="en-US" sz="2400" b="0" i="1" smtClean="0">
+                        <a:latin typeface="Cambria Math" panose="02040503050406030204" pitchFamily="18" charset="0"/>
+                        <a:ea typeface="Cambria Math" panose="02040503050406030204" pitchFamily="18" charset="0"/>
+                      </a:rPr>
+                      <m:t>⊙</m:t>
+                    </m:r>
+                    <m:r>
+                      <a:rPr lang="en-US" sz="2400" b="0" i="1" smtClean="0">
+                        <a:latin typeface="Cambria Math" panose="02040503050406030204" pitchFamily="18" charset="0"/>
+                      </a:rPr>
+                      <m:t>𝑇</m:t>
+                    </m:r>
+                  </m:oMath>
+                </a14:m>
+                <a:endParaRPr lang="en-US" sz="2400" dirty="0"/>
+              </a:p>
+              <a:p>
+                <a:endParaRPr lang="en-US" dirty="0"/>
+              </a:p>
+            </p:txBody>
+          </p:sp>
+        </mc:Choice>
+        <mc:Fallback xmlns="">
+          <p:sp>
+            <p:nvSpPr>
+              <p:cNvPr id="2" name="Content Placeholder 1">
+                <a:extLst>
+                  <a:ext uri="{FF2B5EF4-FFF2-40B4-BE49-F238E27FC236}">
+                    <a16:creationId xmlns:a16="http://schemas.microsoft.com/office/drawing/2014/main" id="{87F57B80-B965-3B8F-DFC0-EACBADD3C374}"/>
+                  </a:ext>
+                </a:extLst>
+              </p:cNvPr>
+              <p:cNvSpPr>
+                <a:spLocks noGrp="1" noRot="1" noChangeAspect="1" noMove="1" noResize="1" noEditPoints="1" noAdjustHandles="1" noChangeArrowheads="1" noChangeShapeType="1" noTextEdit="1"/>
+              </p:cNvSpPr>
+              <p:nvPr>
+                <p:ph idx="1"/>
+              </p:nvPr>
+            </p:nvSpPr>
+            <p:spPr>
+              <a:xfrm>
+                <a:off x="609600" y="1371600"/>
+                <a:ext cx="10464800" cy="4648200"/>
+              </a:xfrm>
+              <a:blipFill>
+                <a:blip r:embed="rId2"/>
+                <a:stretch>
+                  <a:fillRect l="-1048" t="-1311"/>
+                </a:stretch>
+              </a:blipFill>
+            </p:spPr>
+            <p:txBody>
+              <a:bodyPr/>
+              <a:lstStyle/>
+              <a:p>
+                <a:r>
+                  <a:rPr lang="en-US">
+                    <a:noFill/>
+                  </a:rPr>
+                  <a:t> </a:t>
+                </a:r>
+              </a:p>
+            </p:txBody>
+          </p:sp>
+        </mc:Fallback>
+      </mc:AlternateContent>
+    </p:spTree>
+    <p:extLst>
+      <p:ext uri="{BB962C8B-B14F-4D97-AF65-F5344CB8AC3E}">
+        <p14:creationId xmlns:p14="http://schemas.microsoft.com/office/powerpoint/2010/main" val="1474635477"/>
+      </p:ext>
+    </p:extLst>
+  </p:cSld>
+  <p:clrMapOvr>
+    <a:masterClrMapping/>
+  </p:clrMapOvr>
+</p:sld>
+</file>
+
+<file path=ppt/slides/slide11.xml><?xml version="1.0" encoding="utf-8"?>
+<p:sld xmlns:a="http://schemas.openxmlformats.org/drawingml/2006/main" xmlns:r="http://schemas.openxmlformats.org/officeDocument/2006/relationships" xmlns:p="http://schemas.openxmlformats.org/presentationml/2006/main">
+  <p:cSld>
+    <p:spTree>
+      <p:nvGrpSpPr>
+        <p:cNvPr id="1" name=""/>
+        <p:cNvGrpSpPr/>
+        <p:nvPr/>
+      </p:nvGrpSpPr>
+      <p:grpSpPr>
+        <a:xfrm>
+          <a:off x="0" y="0"/>
+          <a:ext cx="0" cy="0"/>
+          <a:chOff x="0" y="0"/>
+          <a:chExt cx="0" cy="0"/>
+        </a:xfrm>
+      </p:grpSpPr>
+      <p:sp>
+        <p:nvSpPr>
+          <p:cNvPr id="3" name="Title 2"/>
+          <p:cNvSpPr>
+            <a:spLocks noGrp="1"/>
+          </p:cNvSpPr>
+          <p:nvPr>
+            <p:ph type="title"/>
+          </p:nvPr>
+        </p:nvSpPr>
+        <p:spPr/>
+        <p:txBody>
+          <a:bodyPr/>
+          <a:lstStyle/>
+          <a:p>
+            <a:r>
+              <a:rPr lang="en-US" dirty="0"/>
+              <a:t>Visualizations</a:t>
+            </a:r>
+          </a:p>
+        </p:txBody>
+      </p:sp>
+      <p:pic>
+        <p:nvPicPr>
+          <p:cNvPr id="4" name="Picture 3" descr="A graph showing a number of different colored lines&#10;&#10;Description automatically generated">
+            <a:extLst>
+              <a:ext uri="{FF2B5EF4-FFF2-40B4-BE49-F238E27FC236}">
+                <a16:creationId xmlns:a16="http://schemas.microsoft.com/office/drawing/2014/main" id="{CF62D671-EDFC-0611-B2C0-9EFE4EADE013}"/>
+              </a:ext>
+            </a:extLst>
+          </p:cNvPr>
+          <p:cNvPicPr>
+            <a:picLocks noChangeAspect="1"/>
+          </p:cNvPicPr>
+          <p:nvPr/>
+        </p:nvPicPr>
+        <p:blipFill>
+          <a:blip r:embed="rId2">
+            <a:extLst>
+              <a:ext uri="{28A0092B-C50C-407E-A947-70E740481C1C}">
+                <a14:useLocalDpi xmlns:a14="http://schemas.microsoft.com/office/drawing/2010/main" val="0"/>
+              </a:ext>
+            </a:extLst>
+          </a:blip>
+          <a:stretch>
+            <a:fillRect/>
+          </a:stretch>
+        </p:blipFill>
+        <p:spPr>
+          <a:xfrm>
+            <a:off x="1981200" y="1295400"/>
+            <a:ext cx="7311011" cy="4761052"/>
+          </a:xfrm>
+          <a:prstGeom prst="rect">
+            <a:avLst/>
+          </a:prstGeom>
+        </p:spPr>
+      </p:pic>
+    </p:spTree>
+    <p:extLst>
+      <p:ext uri="{BB962C8B-B14F-4D97-AF65-F5344CB8AC3E}">
+        <p14:creationId xmlns:p14="http://schemas.microsoft.com/office/powerpoint/2010/main" val="1080312998"/>
+      </p:ext>
+    </p:extLst>
+  </p:cSld>
+  <p:clrMapOvr>
+    <a:masterClrMapping/>
+  </p:clrMapOvr>
+</p:sld>
+</file>
+
+<file path=ppt/slides/slide12.xml><?xml version="1.0" encoding="utf-8"?>
+<p:sld xmlns:a="http://schemas.openxmlformats.org/drawingml/2006/main" xmlns:r="http://schemas.openxmlformats.org/officeDocument/2006/relationships" xmlns:p="http://schemas.openxmlformats.org/presentationml/2006/main">
+  <p:cSld>
+    <p:spTree>
+      <p:nvGrpSpPr>
+        <p:cNvPr id="1" name=""/>
+        <p:cNvGrpSpPr/>
+        <p:nvPr/>
+      </p:nvGrpSpPr>
+      <p:grpSpPr>
+        <a:xfrm>
+          <a:off x="0" y="0"/>
+          <a:ext cx="0" cy="0"/>
+          <a:chOff x="0" y="0"/>
+          <a:chExt cx="0" cy="0"/>
+        </a:xfrm>
+      </p:grpSpPr>
+      <p:sp>
+        <p:nvSpPr>
+          <p:cNvPr id="3" name="Title 2"/>
+          <p:cNvSpPr>
+            <a:spLocks noGrp="1"/>
+          </p:cNvSpPr>
+          <p:nvPr>
+            <p:ph type="title"/>
+          </p:nvPr>
+        </p:nvSpPr>
+        <p:spPr/>
+        <p:txBody>
+          <a:bodyPr/>
+          <a:lstStyle/>
+          <a:p>
+            <a:r>
+              <a:rPr lang="en-US" dirty="0"/>
+              <a:t>Results</a:t>
+            </a:r>
+          </a:p>
+        </p:txBody>
+      </p:sp>
+      <p:pic>
+        <p:nvPicPr>
+          <p:cNvPr id="5" name="Picture 4">
+            <a:extLst>
+              <a:ext uri="{FF2B5EF4-FFF2-40B4-BE49-F238E27FC236}">
+                <a16:creationId xmlns:a16="http://schemas.microsoft.com/office/drawing/2014/main" id="{F0BF4641-ECA7-7939-1958-089668C42B2F}"/>
+              </a:ext>
+            </a:extLst>
+          </p:cNvPr>
+          <p:cNvPicPr>
+            <a:picLocks noChangeAspect="1"/>
+          </p:cNvPicPr>
+          <p:nvPr/>
+        </p:nvPicPr>
+        <p:blipFill>
+          <a:blip r:embed="rId2"/>
+          <a:stretch>
+            <a:fillRect/>
+          </a:stretch>
+        </p:blipFill>
+        <p:spPr>
+          <a:xfrm>
+            <a:off x="1046988" y="1219200"/>
+            <a:ext cx="10098024" cy="4844796"/>
+          </a:xfrm>
+          <a:prstGeom prst="rect">
+            <a:avLst/>
+          </a:prstGeom>
+        </p:spPr>
+      </p:pic>
+    </p:spTree>
+    <p:extLst>
+      <p:ext uri="{BB962C8B-B14F-4D97-AF65-F5344CB8AC3E}">
+        <p14:creationId xmlns:p14="http://schemas.microsoft.com/office/powerpoint/2010/main" val="2722972366"/>
+      </p:ext>
+    </p:extLst>
+  </p:cSld>
+  <p:clrMapOvr>
+    <a:masterClrMapping/>
+  </p:clrMapOvr>
+</p:sld>
+</file>
+
+<file path=ppt/slides/slide13.xml><?xml version="1.0" encoding="utf-8"?>
+<p:sld xmlns:a="http://schemas.openxmlformats.org/drawingml/2006/main" xmlns:r="http://schemas.openxmlformats.org/officeDocument/2006/relationships" xmlns:p="http://schemas.openxmlformats.org/presentationml/2006/main">
+  <p:cSld>
+    <p:spTree>
+      <p:nvGrpSpPr>
+        <p:cNvPr id="1" name=""/>
+        <p:cNvGrpSpPr/>
+        <p:nvPr/>
+      </p:nvGrpSpPr>
+      <p:grpSpPr>
+        <a:xfrm>
+          <a:off x="0" y="0"/>
+          <a:ext cx="0" cy="0"/>
+          <a:chOff x="0" y="0"/>
+          <a:chExt cx="0" cy="0"/>
+        </a:xfrm>
+      </p:grpSpPr>
+      <p:pic>
+        <p:nvPicPr>
+          <p:cNvPr id="4" name="Picture 3">
+            <a:extLst>
+              <a:ext uri="{FF2B5EF4-FFF2-40B4-BE49-F238E27FC236}">
+                <a16:creationId xmlns:a16="http://schemas.microsoft.com/office/drawing/2014/main" id="{C8981D9A-C9DE-0B7B-2D8C-2F2F3EAAD9BE}"/>
+              </a:ext>
+            </a:extLst>
+          </p:cNvPr>
+          <p:cNvPicPr>
+            <a:picLocks noChangeAspect="1"/>
+          </p:cNvPicPr>
+          <p:nvPr/>
+        </p:nvPicPr>
+        <p:blipFill>
+          <a:blip r:embed="rId2"/>
+          <a:stretch>
+            <a:fillRect/>
+          </a:stretch>
+        </p:blipFill>
+        <p:spPr>
+          <a:xfrm>
+            <a:off x="1046988" y="1219200"/>
+            <a:ext cx="10098024" cy="4844796"/>
+          </a:xfrm>
+          <a:prstGeom prst="rect">
+            <a:avLst/>
+          </a:prstGeom>
+        </p:spPr>
+      </p:pic>
+      <p:sp>
+        <p:nvSpPr>
+          <p:cNvPr id="3" name="Title 2"/>
+          <p:cNvSpPr>
+            <a:spLocks noGrp="1"/>
+          </p:cNvSpPr>
+          <p:nvPr>
+            <p:ph type="title"/>
+          </p:nvPr>
+        </p:nvSpPr>
+        <p:spPr/>
+        <p:txBody>
+          <a:bodyPr/>
+          <a:lstStyle/>
+          <a:p>
+            <a:r>
+              <a:rPr lang="en-US" dirty="0"/>
+              <a:t>Results</a:t>
+            </a:r>
+          </a:p>
+        </p:txBody>
+      </p:sp>
+    </p:spTree>
+    <p:extLst>
+      <p:ext uri="{BB962C8B-B14F-4D97-AF65-F5344CB8AC3E}">
+        <p14:creationId xmlns:p14="http://schemas.microsoft.com/office/powerpoint/2010/main" val="2354348428"/>
+      </p:ext>
+    </p:extLst>
+  </p:cSld>
+  <p:clrMapOvr>
+    <a:masterClrMapping/>
+  </p:clrMapOvr>
+</p:sld>
+</file>
+
+<file path=ppt/slides/slide14.xml><?xml version="1.0" encoding="utf-8"?>
+<p:sld xmlns:a="http://schemas.openxmlformats.org/drawingml/2006/main" xmlns:r="http://schemas.openxmlformats.org/officeDocument/2006/relationships" xmlns:p="http://schemas.openxmlformats.org/presentationml/2006/main">
+  <p:cSld>
+    <p:spTree>
+      <p:nvGrpSpPr>
+        <p:cNvPr id="1" name=""/>
+        <p:cNvGrpSpPr/>
+        <p:nvPr/>
+      </p:nvGrpSpPr>
+      <p:grpSpPr>
+        <a:xfrm>
+          <a:off x="0" y="0"/>
+          <a:ext cx="0" cy="0"/>
+          <a:chOff x="0" y="0"/>
+          <a:chExt cx="0" cy="0"/>
+        </a:xfrm>
+      </p:grpSpPr>
+      <p:sp>
+        <p:nvSpPr>
+          <p:cNvPr id="3" name="Title 2"/>
+          <p:cNvSpPr>
+            <a:spLocks noGrp="1"/>
+          </p:cNvSpPr>
+          <p:nvPr>
+            <p:ph type="title"/>
+          </p:nvPr>
+        </p:nvSpPr>
+        <p:spPr/>
+        <p:txBody>
+          <a:bodyPr/>
+          <a:lstStyle/>
+          <a:p>
+            <a:r>
+              <a:rPr lang="en-US" dirty="0"/>
+              <a:t>Visualizations</a:t>
+            </a:r>
+          </a:p>
+        </p:txBody>
+      </p:sp>
+      <p:pic>
+        <p:nvPicPr>
+          <p:cNvPr id="5" name="Picture 4" descr="A graph of a real estate price&#10;&#10;Description automatically generated">
+            <a:extLst>
+              <a:ext uri="{FF2B5EF4-FFF2-40B4-BE49-F238E27FC236}">
+                <a16:creationId xmlns:a16="http://schemas.microsoft.com/office/drawing/2014/main" id="{76F2B5FE-6F99-0612-F7E6-EBB39F92EEB5}"/>
+              </a:ext>
+            </a:extLst>
+          </p:cNvPr>
+          <p:cNvPicPr>
+            <a:picLocks noChangeAspect="1"/>
+          </p:cNvPicPr>
+          <p:nvPr/>
+        </p:nvPicPr>
+        <p:blipFill>
+          <a:blip r:embed="rId2">
+            <a:extLst>
+              <a:ext uri="{28A0092B-C50C-407E-A947-70E740481C1C}">
+                <a14:useLocalDpi xmlns:a14="http://schemas.microsoft.com/office/drawing/2010/main" val="0"/>
+              </a:ext>
+            </a:extLst>
+          </a:blip>
+          <a:stretch>
+            <a:fillRect/>
+          </a:stretch>
+        </p:blipFill>
+        <p:spPr>
+          <a:xfrm>
+            <a:off x="1981200" y="1371600"/>
+            <a:ext cx="7301533" cy="4754880"/>
+          </a:xfrm>
+          <a:prstGeom prst="rect">
+            <a:avLst/>
+          </a:prstGeom>
+        </p:spPr>
+      </p:pic>
+    </p:spTree>
+    <p:extLst>
+      <p:ext uri="{BB962C8B-B14F-4D97-AF65-F5344CB8AC3E}">
+        <p14:creationId xmlns:p14="http://schemas.microsoft.com/office/powerpoint/2010/main" val="1554794186"/>
+      </p:ext>
+    </p:extLst>
+  </p:cSld>
+  <p:clrMapOvr>
+    <a:masterClrMapping/>
+  </p:clrMapOvr>
+</p:sld>
+</file>
+
+<file path=ppt/slides/slide15.xml><?xml version="1.0" encoding="utf-8"?>
+<p:sld xmlns:a="http://schemas.openxmlformats.org/drawingml/2006/main" xmlns:r="http://schemas.openxmlformats.org/officeDocument/2006/relationships" xmlns:p="http://schemas.openxmlformats.org/presentationml/2006/main">
+  <p:cSld>
+    <p:spTree>
+      <p:nvGrpSpPr>
+        <p:cNvPr id="1" name=""/>
+        <p:cNvGrpSpPr/>
+        <p:nvPr/>
+      </p:nvGrpSpPr>
+      <p:grpSpPr>
+        <a:xfrm>
+          <a:off x="0" y="0"/>
+          <a:ext cx="0" cy="0"/>
+          <a:chOff x="0" y="0"/>
+          <a:chExt cx="0" cy="0"/>
+        </a:xfrm>
+      </p:grpSpPr>
+      <p:sp>
+        <p:nvSpPr>
+          <p:cNvPr id="3" name="Title 2"/>
+          <p:cNvSpPr>
+            <a:spLocks noGrp="1"/>
+          </p:cNvSpPr>
+          <p:nvPr>
+            <p:ph type="title"/>
+          </p:nvPr>
+        </p:nvSpPr>
+        <p:spPr/>
+        <p:txBody>
+          <a:bodyPr/>
+          <a:lstStyle/>
+          <a:p>
+            <a:r>
+              <a:rPr lang="en-US" dirty="0"/>
+              <a:t>Results</a:t>
+            </a:r>
+          </a:p>
+        </p:txBody>
+      </p:sp>
+      <p:pic>
+        <p:nvPicPr>
+          <p:cNvPr id="7" name="Picture 6">
+            <a:extLst>
+              <a:ext uri="{FF2B5EF4-FFF2-40B4-BE49-F238E27FC236}">
+                <a16:creationId xmlns:a16="http://schemas.microsoft.com/office/drawing/2014/main" id="{C47A9C13-757B-5A67-2426-EAE76B02538C}"/>
+              </a:ext>
+            </a:extLst>
+          </p:cNvPr>
+          <p:cNvPicPr>
+            <a:picLocks noChangeAspect="1"/>
+          </p:cNvPicPr>
+          <p:nvPr/>
+        </p:nvPicPr>
+        <p:blipFill>
+          <a:blip r:embed="rId2"/>
+          <a:stretch>
+            <a:fillRect/>
+          </a:stretch>
+        </p:blipFill>
+        <p:spPr>
+          <a:xfrm>
+            <a:off x="1046988" y="1295400"/>
+            <a:ext cx="10098024" cy="4844796"/>
+          </a:xfrm>
+          <a:prstGeom prst="rect">
+            <a:avLst/>
+          </a:prstGeom>
+        </p:spPr>
+      </p:pic>
+    </p:spTree>
+    <p:extLst>
+      <p:ext uri="{BB962C8B-B14F-4D97-AF65-F5344CB8AC3E}">
+        <p14:creationId xmlns:p14="http://schemas.microsoft.com/office/powerpoint/2010/main" val="3184407490"/>
+      </p:ext>
+    </p:extLst>
+  </p:cSld>
+  <p:clrMapOvr>
+    <a:masterClrMapping/>
+  </p:clrMapOvr>
+</p:sld>
+</file>
+
+<file path=ppt/slides/slide16.xml><?xml version="1.0" encoding="utf-8"?>
+<p:sld xmlns:a="http://schemas.openxmlformats.org/drawingml/2006/main" xmlns:r="http://schemas.openxmlformats.org/officeDocument/2006/relationships" xmlns:p="http://schemas.openxmlformats.org/presentationml/2006/main">
+  <p:cSld>
+    <p:spTree>
+      <p:nvGrpSpPr>
+        <p:cNvPr id="1" name=""/>
+        <p:cNvGrpSpPr/>
+        <p:nvPr/>
+      </p:nvGrpSpPr>
+      <p:grpSpPr>
+        <a:xfrm>
+          <a:off x="0" y="0"/>
+          <a:ext cx="0" cy="0"/>
+          <a:chOff x="0" y="0"/>
+          <a:chExt cx="0" cy="0"/>
+        </a:xfrm>
+      </p:grpSpPr>
+      <p:pic>
+        <p:nvPicPr>
+          <p:cNvPr id="4" name="Picture 3">
+            <a:extLst>
+              <a:ext uri="{FF2B5EF4-FFF2-40B4-BE49-F238E27FC236}">
+                <a16:creationId xmlns:a16="http://schemas.microsoft.com/office/drawing/2014/main" id="{3B3F4A68-9CE2-680C-33E0-7B7D4463F580}"/>
+              </a:ext>
+            </a:extLst>
+          </p:cNvPr>
+          <p:cNvPicPr>
+            <a:picLocks noChangeAspect="1"/>
+          </p:cNvPicPr>
+          <p:nvPr/>
+        </p:nvPicPr>
+        <p:blipFill>
+          <a:blip r:embed="rId2"/>
+          <a:stretch>
+            <a:fillRect/>
+          </a:stretch>
+        </p:blipFill>
+        <p:spPr>
+          <a:xfrm>
+            <a:off x="1046988" y="1295400"/>
+            <a:ext cx="10098024" cy="4882896"/>
+          </a:xfrm>
+          <a:prstGeom prst="rect">
+            <a:avLst/>
+          </a:prstGeom>
+        </p:spPr>
+      </p:pic>
+      <p:sp>
+        <p:nvSpPr>
+          <p:cNvPr id="3" name="Title 2"/>
+          <p:cNvSpPr>
+            <a:spLocks noGrp="1"/>
+          </p:cNvSpPr>
+          <p:nvPr>
+            <p:ph type="title"/>
+          </p:nvPr>
+        </p:nvSpPr>
+        <p:spPr/>
+        <p:txBody>
+          <a:bodyPr/>
+          <a:lstStyle/>
+          <a:p>
+            <a:r>
+              <a:rPr lang="en-US" dirty="0"/>
+              <a:t>Results</a:t>
+            </a:r>
+          </a:p>
+        </p:txBody>
+      </p:sp>
+    </p:spTree>
+    <p:extLst>
+      <p:ext uri="{BB962C8B-B14F-4D97-AF65-F5344CB8AC3E}">
+        <p14:creationId xmlns:p14="http://schemas.microsoft.com/office/powerpoint/2010/main" val="3377508427"/>
+      </p:ext>
+    </p:extLst>
+  </p:cSld>
+  <p:clrMapOvr>
+    <a:masterClrMapping/>
+  </p:clrMapOvr>
+</p:sld>
+</file>
+
+<file path=ppt/slides/slide17.xml><?xml version="1.0" encoding="utf-8"?>
+<p:sld xmlns:a="http://schemas.openxmlformats.org/drawingml/2006/main" xmlns:r="http://schemas.openxmlformats.org/officeDocument/2006/relationships" xmlns:p="http://schemas.openxmlformats.org/presentationml/2006/main">
+  <p:cSld>
+    <p:spTree>
+      <p:nvGrpSpPr>
+        <p:cNvPr id="1" name=""/>
+        <p:cNvGrpSpPr/>
+        <p:nvPr/>
+      </p:nvGrpSpPr>
+      <p:grpSpPr>
+        <a:xfrm>
+          <a:off x="0" y="0"/>
+          <a:ext cx="0" cy="0"/>
+          <a:chOff x="0" y="0"/>
+          <a:chExt cx="0" cy="0"/>
+        </a:xfrm>
+      </p:grpSpPr>
+      <p:sp>
+        <p:nvSpPr>
+          <p:cNvPr id="3" name="Title 2"/>
+          <p:cNvSpPr>
+            <a:spLocks noGrp="1"/>
+          </p:cNvSpPr>
+          <p:nvPr>
+            <p:ph type="title"/>
+          </p:nvPr>
+        </p:nvSpPr>
+        <p:spPr/>
+        <p:txBody>
+          <a:bodyPr/>
+          <a:lstStyle/>
+          <a:p>
+            <a:r>
+              <a:rPr lang="en-US" dirty="0"/>
+              <a:t>Visualizations</a:t>
+            </a:r>
+          </a:p>
+        </p:txBody>
+      </p:sp>
+      <p:pic>
+        <p:nvPicPr>
+          <p:cNvPr id="4" name="Picture 3" descr="A graph of a real estate price&#10;&#10;Description automatically generated">
+            <a:extLst>
+              <a:ext uri="{FF2B5EF4-FFF2-40B4-BE49-F238E27FC236}">
+                <a16:creationId xmlns:a16="http://schemas.microsoft.com/office/drawing/2014/main" id="{FDF6581F-4808-131F-6543-789A47BC4B87}"/>
+              </a:ext>
+            </a:extLst>
+          </p:cNvPr>
+          <p:cNvPicPr>
+            <a:picLocks noChangeAspect="1"/>
+          </p:cNvPicPr>
+          <p:nvPr/>
+        </p:nvPicPr>
+        <p:blipFill>
+          <a:blip r:embed="rId2">
+            <a:extLst>
+              <a:ext uri="{28A0092B-C50C-407E-A947-70E740481C1C}">
+                <a14:useLocalDpi xmlns:a14="http://schemas.microsoft.com/office/drawing/2010/main" val="0"/>
+              </a:ext>
+            </a:extLst>
+          </a:blip>
+          <a:stretch>
+            <a:fillRect/>
+          </a:stretch>
+        </p:blipFill>
+        <p:spPr>
+          <a:xfrm>
+            <a:off x="1988033" y="1371600"/>
+            <a:ext cx="7301533" cy="4754880"/>
+          </a:xfrm>
+          <a:prstGeom prst="rect">
+            <a:avLst/>
+          </a:prstGeom>
+        </p:spPr>
+      </p:pic>
+    </p:spTree>
+    <p:extLst>
+      <p:ext uri="{BB962C8B-B14F-4D97-AF65-F5344CB8AC3E}">
+        <p14:creationId xmlns:p14="http://schemas.microsoft.com/office/powerpoint/2010/main" val="328836287"/>
+      </p:ext>
+    </p:extLst>
+  </p:cSld>
+  <p:clrMapOvr>
+    <a:masterClrMapping/>
+  </p:clrMapOvr>
+</p:sld>
+</file>
+
+<file path=ppt/slides/slide18.xml><?xml version="1.0" encoding="utf-8"?>
+<p:sld xmlns:a="http://schemas.openxmlformats.org/drawingml/2006/main" xmlns:r="http://schemas.openxmlformats.org/officeDocument/2006/relationships" xmlns:p="http://schemas.openxmlformats.org/presentationml/2006/main">
+  <p:cSld>
+    <p:spTree>
+      <p:nvGrpSpPr>
+        <p:cNvPr id="1" name=""/>
+        <p:cNvGrpSpPr/>
+        <p:nvPr/>
+      </p:nvGrpSpPr>
+      <p:grpSpPr>
+        <a:xfrm>
+          <a:off x="0" y="0"/>
+          <a:ext cx="0" cy="0"/>
+          <a:chOff x="0" y="0"/>
+          <a:chExt cx="0" cy="0"/>
+        </a:xfrm>
+      </p:grpSpPr>
+      <p:sp>
+        <p:nvSpPr>
+          <p:cNvPr id="3" name="Title 2"/>
+          <p:cNvSpPr>
+            <a:spLocks noGrp="1"/>
+          </p:cNvSpPr>
+          <p:nvPr>
+            <p:ph type="title"/>
+          </p:nvPr>
+        </p:nvSpPr>
+        <p:spPr/>
+        <p:txBody>
+          <a:bodyPr/>
+          <a:lstStyle/>
+          <a:p>
+            <a:r>
+              <a:rPr lang="en-US" dirty="0"/>
+              <a:t>Results</a:t>
+            </a:r>
+          </a:p>
+        </p:txBody>
+      </p:sp>
+      <p:pic>
+        <p:nvPicPr>
+          <p:cNvPr id="5" name="Picture 4">
+            <a:extLst>
+              <a:ext uri="{FF2B5EF4-FFF2-40B4-BE49-F238E27FC236}">
+                <a16:creationId xmlns:a16="http://schemas.microsoft.com/office/drawing/2014/main" id="{467F55B8-A3BD-CCA3-D0D2-E0196252E6FA}"/>
+              </a:ext>
+            </a:extLst>
+          </p:cNvPr>
+          <p:cNvPicPr>
+            <a:picLocks noChangeAspect="1"/>
+          </p:cNvPicPr>
+          <p:nvPr/>
+        </p:nvPicPr>
+        <p:blipFill>
+          <a:blip r:embed="rId2"/>
+          <a:stretch>
+            <a:fillRect/>
+          </a:stretch>
+        </p:blipFill>
+        <p:spPr>
+          <a:xfrm>
+            <a:off x="1046988" y="1256211"/>
+            <a:ext cx="10098024" cy="4844796"/>
+          </a:xfrm>
+          <a:prstGeom prst="rect">
+            <a:avLst/>
+          </a:prstGeom>
+        </p:spPr>
+      </p:pic>
+    </p:spTree>
+    <p:extLst>
+      <p:ext uri="{BB962C8B-B14F-4D97-AF65-F5344CB8AC3E}">
+        <p14:creationId xmlns:p14="http://schemas.microsoft.com/office/powerpoint/2010/main" val="3355434236"/>
+      </p:ext>
+    </p:extLst>
+  </p:cSld>
+  <p:clrMapOvr>
+    <a:masterClrMapping/>
+  </p:clrMapOvr>
+</p:sld>
+</file>
+
+<file path=ppt/slides/slide19.xml><?xml version="1.0" encoding="utf-8"?>
+<p:sld xmlns:a="http://schemas.openxmlformats.org/drawingml/2006/main" xmlns:r="http://schemas.openxmlformats.org/officeDocument/2006/relationships" xmlns:p="http://schemas.openxmlformats.org/presentationml/2006/main">
+  <p:cSld>
+    <p:spTree>
+      <p:nvGrpSpPr>
+        <p:cNvPr id="1" name=""/>
+        <p:cNvGrpSpPr/>
+        <p:nvPr/>
+      </p:nvGrpSpPr>
+      <p:grpSpPr>
+        <a:xfrm>
+          <a:off x="0" y="0"/>
+          <a:ext cx="0" cy="0"/>
+          <a:chOff x="0" y="0"/>
+          <a:chExt cx="0" cy="0"/>
+        </a:xfrm>
+      </p:grpSpPr>
+      <p:pic>
+        <p:nvPicPr>
+          <p:cNvPr id="4" name="Picture 3">
+            <a:extLst>
+              <a:ext uri="{FF2B5EF4-FFF2-40B4-BE49-F238E27FC236}">
+                <a16:creationId xmlns:a16="http://schemas.microsoft.com/office/drawing/2014/main" id="{901D0776-E42D-6181-D75D-C59A031126D3}"/>
+              </a:ext>
+            </a:extLst>
+          </p:cNvPr>
+          <p:cNvPicPr>
+            <a:picLocks noChangeAspect="1"/>
+          </p:cNvPicPr>
+          <p:nvPr/>
+        </p:nvPicPr>
+        <p:blipFill>
+          <a:blip r:embed="rId2"/>
+          <a:stretch>
+            <a:fillRect/>
+          </a:stretch>
+        </p:blipFill>
+        <p:spPr>
+          <a:xfrm>
+            <a:off x="1046988" y="1256211"/>
+            <a:ext cx="10098024" cy="4882896"/>
+          </a:xfrm>
+          <a:prstGeom prst="rect">
+            <a:avLst/>
+          </a:prstGeom>
+        </p:spPr>
+      </p:pic>
+      <p:sp>
+        <p:nvSpPr>
+          <p:cNvPr id="3" name="Title 2"/>
+          <p:cNvSpPr>
+            <a:spLocks noGrp="1"/>
+          </p:cNvSpPr>
+          <p:nvPr>
+            <p:ph type="title"/>
+          </p:nvPr>
+        </p:nvSpPr>
+        <p:spPr/>
+        <p:txBody>
+          <a:bodyPr/>
+          <a:lstStyle/>
+          <a:p>
+            <a:r>
+              <a:rPr lang="en-US" dirty="0"/>
+              <a:t>Results</a:t>
+            </a:r>
+          </a:p>
+        </p:txBody>
+      </p:sp>
+    </p:spTree>
+    <p:extLst>
+      <p:ext uri="{BB962C8B-B14F-4D97-AF65-F5344CB8AC3E}">
+        <p14:creationId xmlns:p14="http://schemas.microsoft.com/office/powerpoint/2010/main" val="4112726215"/>
+      </p:ext>
+    </p:extLst>
+  </p:cSld>
+  <p:clrMapOvr>
+    <a:masterClrMapping/>
+  </p:clrMapOvr>
+</p:sld>
+</file>
+
+<file path=ppt/slides/slide2.xml><?xml version="1.0" encoding="utf-8"?>
+<p:sld xmlns:a="http://schemas.openxmlformats.org/drawingml/2006/main" xmlns:r="http://schemas.openxmlformats.org/officeDocument/2006/relationships" xmlns:p="http://schemas.openxmlformats.org/presentationml/2006/main">
+  <p:cSld>
+    <p:spTree>
+      <p:nvGrpSpPr>
+        <p:cNvPr id="1" name=""/>
+        <p:cNvGrpSpPr/>
+        <p:nvPr/>
+      </p:nvGrpSpPr>
+      <p:grpSpPr>
+        <a:xfrm>
+          <a:off x="0" y="0"/>
+          <a:ext cx="0" cy="0"/>
+          <a:chOff x="0" y="0"/>
+          <a:chExt cx="0" cy="0"/>
+        </a:xfrm>
+      </p:grpSpPr>
+      <p:sp>
+        <p:nvSpPr>
+          <p:cNvPr id="2" name="Content Placeholder 1"/>
+          <p:cNvSpPr>
+            <a:spLocks noGrp="1"/>
+          </p:cNvSpPr>
+          <p:nvPr>
+            <p:ph idx="1"/>
+          </p:nvPr>
+        </p:nvSpPr>
+        <p:spPr/>
+        <p:txBody>
+          <a:bodyPr>
+            <a:normAutofit/>
+          </a:bodyPr>
+          <a:lstStyle/>
+          <a:p>
+            <a:r>
+              <a:rPr lang="en-US" dirty="0"/>
+              <a:t>How did the government response to the Covid-19 Pandemic impact the value of residential property?</a:t>
+            </a:r>
+          </a:p>
+          <a:p>
+            <a:pPr lvl="1"/>
+            <a:r>
+              <a:rPr lang="en-US" sz="2400" dirty="0"/>
+              <a:t>Interest rate changes</a:t>
+            </a:r>
+          </a:p>
+          <a:p>
+            <a:pPr lvl="1"/>
+            <a:r>
+              <a:rPr lang="en-US" sz="2400" dirty="0"/>
+              <a:t>“Free” money</a:t>
+            </a:r>
+          </a:p>
+          <a:p>
+            <a:r>
+              <a:rPr lang="en-US" dirty="0"/>
+              <a:t>How did any change in housing consumer preferences in response to the Covid-19 Pandemic impact the value of residential property?</a:t>
+            </a:r>
+          </a:p>
+          <a:p>
+            <a:pPr lvl="1"/>
+            <a:r>
+              <a:rPr lang="en-US" sz="2400" dirty="0"/>
+              <a:t>Working from home</a:t>
+            </a:r>
+          </a:p>
+          <a:p>
+            <a:pPr lvl="1"/>
+            <a:r>
+              <a:rPr lang="en-US" sz="2400" dirty="0"/>
+              <a:t>Having neighbors</a:t>
+            </a:r>
+          </a:p>
+          <a:p>
+            <a:endParaRPr lang="en-US" dirty="0"/>
+          </a:p>
+        </p:txBody>
+      </p:sp>
+      <p:sp>
+        <p:nvSpPr>
+          <p:cNvPr id="3" name="Title 2"/>
+          <p:cNvSpPr>
+            <a:spLocks noGrp="1"/>
+          </p:cNvSpPr>
+          <p:nvPr>
+            <p:ph type="title"/>
+          </p:nvPr>
+        </p:nvSpPr>
+        <p:spPr/>
+        <p:txBody>
+          <a:bodyPr/>
+          <a:lstStyle/>
+          <a:p>
+            <a:r>
+              <a:rPr lang="en-US" dirty="0"/>
+              <a:t>Key Questions</a:t>
+            </a:r>
+          </a:p>
+        </p:txBody>
+      </p:sp>
+    </p:spTree>
+    <p:extLst>
+      <p:ext uri="{BB962C8B-B14F-4D97-AF65-F5344CB8AC3E}">
+        <p14:creationId xmlns:p14="http://schemas.microsoft.com/office/powerpoint/2010/main" val="397412603"/>
+      </p:ext>
+    </p:extLst>
+  </p:cSld>
+  <p:clrMapOvr>
+    <a:masterClrMapping/>
+  </p:clrMapOvr>
+</p:sld>
+</file>
+
+<file path=ppt/slides/slide20.xml><?xml version="1.0" encoding="utf-8"?>
+<p:sld xmlns:a="http://schemas.openxmlformats.org/drawingml/2006/main" xmlns:r="http://schemas.openxmlformats.org/officeDocument/2006/relationships" xmlns:p="http://schemas.openxmlformats.org/presentationml/2006/main">
+  <p:cSld>
+    <p:spTree>
+      <p:nvGrpSpPr>
+        <p:cNvPr id="1" name=""/>
+        <p:cNvGrpSpPr/>
+        <p:nvPr/>
+      </p:nvGrpSpPr>
+      <p:grpSpPr>
+        <a:xfrm>
+          <a:off x="0" y="0"/>
+          <a:ext cx="0" cy="0"/>
+          <a:chOff x="0" y="0"/>
+          <a:chExt cx="0" cy="0"/>
+        </a:xfrm>
+      </p:grpSpPr>
+      <p:sp>
+        <p:nvSpPr>
+          <p:cNvPr id="2" name="Content Placeholder 1"/>
+          <p:cNvSpPr>
+            <a:spLocks noGrp="1"/>
+          </p:cNvSpPr>
+          <p:nvPr>
+            <p:ph idx="1"/>
+          </p:nvPr>
+        </p:nvSpPr>
+        <p:spPr/>
+        <p:txBody>
+          <a:bodyPr>
+            <a:normAutofit/>
+          </a:bodyPr>
+          <a:lstStyle/>
+          <a:p>
+            <a:r>
+              <a:rPr lang="en-US" sz="2000" b="1" dirty="0"/>
+              <a:t>Single Family</a:t>
+            </a:r>
+          </a:p>
+          <a:p>
+            <a:pPr lvl="1"/>
+            <a:r>
+              <a:rPr lang="en-US" sz="2000" dirty="0"/>
+              <a:t>The Pace, et.al. decomposition shows essentially zero COVID-19 impact among single family housing except a larger impact with the TS part – but what does this mean?</a:t>
+            </a:r>
+          </a:p>
+          <a:p>
+            <a:pPr lvl="1"/>
+            <a:r>
+              <a:rPr lang="en-US" sz="2000" dirty="0"/>
+              <a:t>The Thanos, et.al. decomposition shows a clear direct impact from Covid-19 sales and, depending on when Covid-19 “ends” an indirect impact as well.</a:t>
+            </a:r>
+          </a:p>
+          <a:p>
+            <a:r>
+              <a:rPr lang="en-US" sz="2000" b="1" dirty="0"/>
+              <a:t>Condo/Townhome</a:t>
+            </a:r>
+          </a:p>
+          <a:p>
+            <a:pPr lvl="1"/>
+            <a:r>
+              <a:rPr lang="en-US" sz="2000" dirty="0"/>
+              <a:t>The Pace, et.al. decomposition shows a significant positive spatial impact (S) that is larger within the same building, a significant negative impact (T) that is also slightly larger in the same building, no impact from ST and a very large positive impact from TS.</a:t>
+            </a:r>
+          </a:p>
+          <a:p>
+            <a:pPr lvl="1"/>
+            <a:r>
+              <a:rPr lang="en-US" sz="2000" dirty="0"/>
+              <a:t>The Thanos, et.al. shows no statistically significant direct or indirect impact from a Covid-19 sale without regards to location (same or different building)</a:t>
+            </a:r>
+          </a:p>
+          <a:p>
+            <a:endParaRPr lang="en-US" sz="2000" dirty="0"/>
+          </a:p>
+        </p:txBody>
+      </p:sp>
+      <p:sp>
+        <p:nvSpPr>
+          <p:cNvPr id="3" name="Title 2"/>
+          <p:cNvSpPr>
+            <a:spLocks noGrp="1"/>
+          </p:cNvSpPr>
+          <p:nvPr>
+            <p:ph type="title"/>
+          </p:nvPr>
+        </p:nvSpPr>
+        <p:spPr/>
+        <p:txBody>
+          <a:bodyPr/>
+          <a:lstStyle/>
+          <a:p>
+            <a:r>
+              <a:rPr lang="en-US" dirty="0"/>
+              <a:t>Conclusions</a:t>
+            </a:r>
+          </a:p>
+        </p:txBody>
+      </p:sp>
+    </p:spTree>
+    <p:extLst>
+      <p:ext uri="{BB962C8B-B14F-4D97-AF65-F5344CB8AC3E}">
+        <p14:creationId xmlns:p14="http://schemas.microsoft.com/office/powerpoint/2010/main" val="2233658571"/>
+      </p:ext>
+    </p:extLst>
+  </p:cSld>
+  <p:clrMapOvr>
+    <a:masterClrMapping/>
+  </p:clrMapOvr>
+</p:sld>
+</file>
+
+<file path=ppt/slides/slide3.xml><?xml version="1.0" encoding="utf-8"?>
+<p:sld xmlns:a="http://schemas.openxmlformats.org/drawingml/2006/main" xmlns:r="http://schemas.openxmlformats.org/officeDocument/2006/relationships" xmlns:p="http://schemas.openxmlformats.org/presentationml/2006/main">
+  <p:cSld>
+    <p:spTree>
+      <p:nvGrpSpPr>
+        <p:cNvPr id="1" name=""/>
+        <p:cNvGrpSpPr/>
+        <p:nvPr/>
+      </p:nvGrpSpPr>
+      <p:grpSpPr>
+        <a:xfrm>
+          <a:off x="0" y="0"/>
+          <a:ext cx="0" cy="0"/>
+          <a:chOff x="0" y="0"/>
+          <a:chExt cx="0" cy="0"/>
+        </a:xfrm>
+      </p:grpSpPr>
+      <p:sp>
+        <p:nvSpPr>
+          <p:cNvPr id="6" name="TextBox 5">
+            <a:extLst>
+              <a:ext uri="{FF2B5EF4-FFF2-40B4-BE49-F238E27FC236}">
+                <a16:creationId xmlns:a16="http://schemas.microsoft.com/office/drawing/2014/main" id="{2DEFF975-3C08-E0FD-6D64-71139E26177E}"/>
+              </a:ext>
+            </a:extLst>
+          </p:cNvPr>
+          <p:cNvSpPr txBox="1"/>
+          <p:nvPr/>
+        </p:nvSpPr>
+        <p:spPr>
+          <a:xfrm>
+            <a:off x="6121400" y="2572315"/>
+            <a:ext cx="2971800" cy="3662541"/>
+          </a:xfrm>
+          <a:prstGeom prst="rect">
+            <a:avLst/>
+          </a:prstGeom>
+          <a:noFill/>
+        </p:spPr>
+        <p:txBody>
+          <a:bodyPr wrap="square" rtlCol="0">
+            <a:spAutoFit/>
+          </a:bodyPr>
+          <a:lstStyle/>
+          <a:p>
+            <a:pPr algn="ctr"/>
+            <a:r>
+              <a:rPr lang="en-US" sz="2400" b="1" dirty="0">
+                <a:effectLst>
+                  <a:outerShdw blurRad="38100" dist="38100" dir="2700000" algn="tl">
+                    <a:srgbClr val="000000">
+                      <a:alpha val="43137"/>
+                    </a:srgbClr>
+                  </a:outerShdw>
+                </a:effectLst>
+              </a:rPr>
+              <a:t>Positive Impact</a:t>
+            </a:r>
+          </a:p>
+          <a:p>
+            <a:pPr marL="457200" indent="-457200"/>
+            <a:r>
+              <a:rPr lang="en-US" sz="1600" dirty="0"/>
+              <a:t>Kadi, et. al. (2020): Austria (B&amp;B to Rental)</a:t>
+            </a:r>
+          </a:p>
+          <a:p>
+            <a:pPr marL="457200" indent="-457200"/>
+            <a:r>
+              <a:rPr lang="en-US" sz="1600" dirty="0"/>
+              <a:t>Verma &amp; Husain (2020): Canada</a:t>
+            </a:r>
+          </a:p>
+          <a:p>
+            <a:pPr marL="457200" indent="-457200"/>
+            <a:r>
+              <a:rPr lang="en-US" sz="1600" dirty="0" err="1"/>
+              <a:t>Arcaya</a:t>
+            </a:r>
+            <a:r>
+              <a:rPr lang="en-US" sz="1600" dirty="0"/>
+              <a:t>, et. al. (2020)</a:t>
+            </a:r>
+          </a:p>
+          <a:p>
+            <a:pPr marL="457200" indent="-457200"/>
+            <a:r>
+              <a:rPr lang="en-US" sz="1600" dirty="0"/>
+              <a:t>Yang &amp; Zhou (2021): China</a:t>
+            </a:r>
+          </a:p>
+          <a:p>
+            <a:pPr marL="457200" indent="-457200"/>
+            <a:endParaRPr lang="en-US" sz="1600" dirty="0"/>
+          </a:p>
+          <a:p>
+            <a:pPr marL="457200" indent="-457200"/>
+            <a:endParaRPr lang="en-US" sz="1600" dirty="0"/>
+          </a:p>
+          <a:p>
+            <a:pPr marL="457200" indent="-457200"/>
+            <a:endParaRPr lang="en-US" sz="1600" dirty="0"/>
+          </a:p>
+          <a:p>
+            <a:pPr marL="457200" indent="-457200"/>
+            <a:endParaRPr lang="en-US" sz="1600" dirty="0"/>
+          </a:p>
+          <a:p>
+            <a:pPr marL="457200" indent="-457200"/>
+            <a:endParaRPr lang="en-US" sz="1600" dirty="0"/>
+          </a:p>
+          <a:p>
+            <a:pPr marL="457200" indent="-457200"/>
+            <a:endParaRPr lang="en-US" sz="1600" dirty="0"/>
+          </a:p>
+          <a:p>
+            <a:pPr marL="457200" indent="-457200"/>
+            <a:endParaRPr lang="en-US" sz="1600" dirty="0"/>
+          </a:p>
+        </p:txBody>
+      </p:sp>
+      <p:sp>
+        <p:nvSpPr>
+          <p:cNvPr id="7" name="TextBox 6">
+            <a:extLst>
+              <a:ext uri="{FF2B5EF4-FFF2-40B4-BE49-F238E27FC236}">
+                <a16:creationId xmlns:a16="http://schemas.microsoft.com/office/drawing/2014/main" id="{7DBA8EA8-08D4-29A6-5B52-9C01D62EF540}"/>
+              </a:ext>
+            </a:extLst>
+          </p:cNvPr>
+          <p:cNvSpPr txBox="1"/>
+          <p:nvPr/>
+        </p:nvSpPr>
+        <p:spPr>
+          <a:xfrm>
+            <a:off x="9144000" y="2572315"/>
+            <a:ext cx="2971800" cy="3662541"/>
+          </a:xfrm>
+          <a:prstGeom prst="rect">
+            <a:avLst/>
+          </a:prstGeom>
+          <a:noFill/>
+        </p:spPr>
+        <p:txBody>
+          <a:bodyPr wrap="square" rtlCol="0">
+            <a:spAutoFit/>
+          </a:bodyPr>
+          <a:lstStyle/>
+          <a:p>
+            <a:pPr algn="ctr"/>
+            <a:r>
+              <a:rPr lang="en-US" sz="2400" b="1" dirty="0">
+                <a:effectLst>
+                  <a:outerShdw blurRad="38100" dist="38100" dir="2700000" algn="tl">
+                    <a:srgbClr val="000000">
+                      <a:alpha val="43137"/>
+                    </a:srgbClr>
+                  </a:outerShdw>
+                </a:effectLst>
+              </a:rPr>
+              <a:t>Mixed Impact</a:t>
+            </a:r>
+          </a:p>
+          <a:p>
+            <a:pPr marL="457200" indent="-457200"/>
+            <a:r>
+              <a:rPr lang="en-US" sz="1600" dirty="0"/>
+              <a:t>Li &amp; Zhang (2021): US (population density)</a:t>
+            </a:r>
+          </a:p>
+          <a:p>
+            <a:pPr marL="457200" indent="-457200"/>
+            <a:r>
+              <a:rPr lang="en-US" sz="1600" dirty="0"/>
+              <a:t>Wang (2021): US Metro (Houston, Santa Clara, Irvine, Des Moines increase; Honolulu decrease)</a:t>
+            </a:r>
+          </a:p>
+          <a:p>
+            <a:pPr marL="457200" indent="-457200"/>
+            <a:r>
+              <a:rPr lang="en-US" sz="1600" dirty="0"/>
+              <a:t>Gupta, et. al. (2022): US (city vs. suburban)</a:t>
+            </a:r>
+          </a:p>
+          <a:p>
+            <a:pPr marL="457200" indent="-457200"/>
+            <a:r>
+              <a:rPr lang="en-US" sz="1600" dirty="0" err="1"/>
+              <a:t>D’Lima</a:t>
+            </a:r>
+            <a:r>
+              <a:rPr lang="en-US" sz="1600" dirty="0"/>
+              <a:t>, et. al. (2022): US (population density)</a:t>
+            </a:r>
+          </a:p>
+          <a:p>
+            <a:pPr marL="457200" indent="-457200"/>
+            <a:r>
+              <a:rPr lang="en-US" sz="1600" dirty="0"/>
+              <a:t>Yang, et. al. (2023): China (low vs. high income housing)</a:t>
+            </a:r>
+          </a:p>
+        </p:txBody>
+      </p:sp>
+      <p:sp>
+        <p:nvSpPr>
+          <p:cNvPr id="2" name="Content Placeholder 1"/>
+          <p:cNvSpPr>
+            <a:spLocks noGrp="1"/>
+          </p:cNvSpPr>
+          <p:nvPr>
+            <p:ph idx="1"/>
+          </p:nvPr>
+        </p:nvSpPr>
+        <p:spPr/>
+        <p:txBody>
+          <a:bodyPr/>
+          <a:lstStyle/>
+          <a:p>
+            <a:r>
+              <a:rPr lang="en-US" dirty="0"/>
+              <a:t>Overall results are mixed, primarily due to the small window from which the data is drawn.</a:t>
+            </a:r>
+          </a:p>
+          <a:p>
+            <a:endParaRPr lang="en-US" dirty="0"/>
+          </a:p>
+        </p:txBody>
+      </p:sp>
+      <p:sp>
+        <p:nvSpPr>
+          <p:cNvPr id="3" name="Title 2"/>
+          <p:cNvSpPr>
+            <a:spLocks noGrp="1"/>
+          </p:cNvSpPr>
+          <p:nvPr>
+            <p:ph type="title"/>
+          </p:nvPr>
+        </p:nvSpPr>
+        <p:spPr/>
+        <p:txBody>
+          <a:bodyPr/>
+          <a:lstStyle/>
+          <a:p>
+            <a:r>
+              <a:rPr lang="en-US" dirty="0"/>
+              <a:t>Literature Review</a:t>
+            </a:r>
+          </a:p>
+        </p:txBody>
+      </p:sp>
+      <p:sp>
+        <p:nvSpPr>
+          <p:cNvPr id="4" name="TextBox 3">
+            <a:extLst>
+              <a:ext uri="{FF2B5EF4-FFF2-40B4-BE49-F238E27FC236}">
+                <a16:creationId xmlns:a16="http://schemas.microsoft.com/office/drawing/2014/main" id="{62563F27-CFD4-F67E-5B9B-D749C279EA4E}"/>
+              </a:ext>
+            </a:extLst>
+          </p:cNvPr>
+          <p:cNvSpPr txBox="1"/>
+          <p:nvPr/>
+        </p:nvSpPr>
+        <p:spPr>
+          <a:xfrm>
+            <a:off x="76200" y="2541537"/>
+            <a:ext cx="2971800" cy="3724096"/>
+          </a:xfrm>
+          <a:prstGeom prst="rect">
+            <a:avLst/>
+          </a:prstGeom>
+          <a:noFill/>
+        </p:spPr>
+        <p:txBody>
+          <a:bodyPr wrap="square" rtlCol="0">
+            <a:spAutoFit/>
+          </a:bodyPr>
+          <a:lstStyle/>
+          <a:p>
+            <a:pPr algn="ctr"/>
+            <a:r>
+              <a:rPr lang="en-US" sz="2400" b="1" dirty="0">
+                <a:effectLst>
+                  <a:outerShdw blurRad="38100" dist="38100" dir="2700000" algn="tl">
+                    <a:srgbClr val="000000">
+                      <a:alpha val="43137"/>
+                    </a:srgbClr>
+                  </a:outerShdw>
+                </a:effectLst>
+              </a:rPr>
+              <a:t>No Impact</a:t>
+            </a:r>
+          </a:p>
+          <a:p>
+            <a:pPr marL="457200" indent="-457200"/>
+            <a:r>
+              <a:rPr lang="en-US" sz="1600" dirty="0"/>
+              <a:t>Delgado &amp; </a:t>
+            </a:r>
+            <a:r>
+              <a:rPr lang="en-US" sz="1600" dirty="0" err="1"/>
+              <a:t>Katafuchi</a:t>
+            </a:r>
+            <a:r>
+              <a:rPr lang="en-US" sz="1600" dirty="0"/>
+              <a:t> (2020) - Japan</a:t>
+            </a:r>
+          </a:p>
+          <a:p>
+            <a:pPr marL="457200" indent="-457200"/>
+            <a:r>
+              <a:rPr lang="en-US" sz="1600" dirty="0" err="1"/>
+              <a:t>Yoruk</a:t>
+            </a:r>
+            <a:r>
+              <a:rPr lang="en-US" sz="1600" dirty="0"/>
+              <a:t>, B. K. (2022) – Metro Areas</a:t>
+            </a:r>
+          </a:p>
+          <a:p>
+            <a:pPr marL="457200" indent="-457200"/>
+            <a:r>
+              <a:rPr lang="en-US" sz="1600" dirty="0"/>
+              <a:t>Zeng &amp; Yi (2022) – Wuhan area</a:t>
+            </a:r>
+          </a:p>
+          <a:p>
+            <a:endParaRPr lang="en-US" sz="1600" dirty="0"/>
+          </a:p>
+          <a:p>
+            <a:r>
+              <a:rPr lang="en-US" dirty="0"/>
+              <a:t>Generally found decreases in volume but no discernable impact on price.</a:t>
+            </a:r>
+          </a:p>
+          <a:p>
+            <a:endParaRPr lang="en-US" sz="2000" dirty="0"/>
+          </a:p>
+        </p:txBody>
+      </p:sp>
+      <p:sp>
+        <p:nvSpPr>
+          <p:cNvPr id="5" name="TextBox 4">
+            <a:extLst>
+              <a:ext uri="{FF2B5EF4-FFF2-40B4-BE49-F238E27FC236}">
+                <a16:creationId xmlns:a16="http://schemas.microsoft.com/office/drawing/2014/main" id="{1C733D04-8BFF-EBBC-7A29-C9EACC10F9C9}"/>
+              </a:ext>
+            </a:extLst>
+          </p:cNvPr>
+          <p:cNvSpPr txBox="1"/>
+          <p:nvPr/>
+        </p:nvSpPr>
+        <p:spPr>
+          <a:xfrm>
+            <a:off x="3098800" y="2572315"/>
+            <a:ext cx="2971800" cy="3662541"/>
+          </a:xfrm>
+          <a:prstGeom prst="rect">
+            <a:avLst/>
+          </a:prstGeom>
+          <a:noFill/>
+        </p:spPr>
+        <p:txBody>
+          <a:bodyPr wrap="square" rtlCol="0">
+            <a:spAutoFit/>
+          </a:bodyPr>
+          <a:lstStyle/>
+          <a:p>
+            <a:pPr algn="ctr"/>
+            <a:r>
+              <a:rPr lang="en-US" sz="2400" b="1" dirty="0">
+                <a:effectLst>
+                  <a:outerShdw blurRad="38100" dist="38100" dir="2700000" algn="tl">
+                    <a:srgbClr val="000000">
+                      <a:alpha val="43137"/>
+                    </a:srgbClr>
+                  </a:outerShdw>
+                </a:effectLst>
+              </a:rPr>
+              <a:t>Negative Impact</a:t>
+            </a:r>
+          </a:p>
+          <a:p>
+            <a:pPr marL="457200" indent="-457200"/>
+            <a:r>
+              <a:rPr lang="en-US" sz="1600" dirty="0"/>
+              <a:t>Del Giudice, et. al. (2020): Italy (4.16%)</a:t>
+            </a:r>
+          </a:p>
+          <a:p>
+            <a:pPr marL="457200" indent="-457200"/>
+            <a:r>
+              <a:rPr lang="en-US" sz="1600" dirty="0"/>
+              <a:t>Hu, et. al. (2021) – Austrian (0.35 – 1.26%)</a:t>
+            </a:r>
+          </a:p>
+          <a:p>
+            <a:pPr marL="457200" indent="-457200"/>
+            <a:r>
+              <a:rPr lang="en-US" sz="1600" dirty="0"/>
+              <a:t>Qian, et. al. (2021): Ireland (2.47%)</a:t>
+            </a:r>
+          </a:p>
+          <a:p>
+            <a:pPr marL="457200" indent="-457200"/>
+            <a:r>
+              <a:rPr lang="en-US" sz="1600" dirty="0" err="1"/>
+              <a:t>Francke</a:t>
+            </a:r>
+            <a:r>
+              <a:rPr lang="en-US" sz="1600" dirty="0"/>
+              <a:t> &amp; </a:t>
+            </a:r>
+            <a:r>
+              <a:rPr lang="en-US" sz="1600" dirty="0" err="1"/>
+              <a:t>Korevaar</a:t>
+            </a:r>
+            <a:r>
+              <a:rPr lang="en-US" sz="1600" dirty="0"/>
+              <a:t> (2021): Amsterdam and Paris (risk premium </a:t>
+            </a:r>
+            <a:r>
+              <a:rPr lang="en-US" sz="1600" dirty="0">
+                <a:sym typeface="Symbol" panose="05050102010706020507" pitchFamily="18" charset="2"/>
+              </a:rPr>
+              <a:t></a:t>
+            </a:r>
+            <a:r>
+              <a:rPr lang="en-US" sz="1600" dirty="0"/>
+              <a:t>)</a:t>
+            </a:r>
+          </a:p>
+          <a:p>
+            <a:pPr marL="457200" indent="-457200"/>
+            <a:r>
+              <a:rPr lang="en-US" sz="1600" dirty="0"/>
+              <a:t>Liu &amp; Su (2021):  (shift by density)</a:t>
+            </a:r>
+          </a:p>
+          <a:p>
+            <a:pPr marL="457200" indent="-457200"/>
+            <a:endParaRPr lang="en-US" sz="1600" dirty="0"/>
+          </a:p>
+          <a:p>
+            <a:pPr marL="457200" indent="-457200"/>
+            <a:endParaRPr lang="en-US" sz="1600" dirty="0"/>
+          </a:p>
+        </p:txBody>
+      </p:sp>
+      <p:cxnSp>
+        <p:nvCxnSpPr>
+          <p:cNvPr id="9" name="Straight Connector 8">
+            <a:extLst>
+              <a:ext uri="{FF2B5EF4-FFF2-40B4-BE49-F238E27FC236}">
+                <a16:creationId xmlns:a16="http://schemas.microsoft.com/office/drawing/2014/main" id="{E972B0B3-B83F-2636-D6A1-7499915030FD}"/>
+              </a:ext>
+            </a:extLst>
+          </p:cNvPr>
+          <p:cNvCxnSpPr>
+            <a:cxnSpLocks/>
+          </p:cNvCxnSpPr>
+          <p:nvPr/>
+        </p:nvCxnSpPr>
+        <p:spPr>
+          <a:xfrm>
+            <a:off x="6096000" y="3184385"/>
+            <a:ext cx="0" cy="2438400"/>
+          </a:xfrm>
+          <a:prstGeom prst="line">
+            <a:avLst/>
+          </a:prstGeom>
+          <a:ln w="38100">
+            <a:solidFill>
+              <a:srgbClr val="C00000"/>
+            </a:solidFill>
+          </a:ln>
+        </p:spPr>
+        <p:style>
+          <a:lnRef idx="1">
+            <a:schemeClr val="accent1"/>
+          </a:lnRef>
+          <a:fillRef idx="0">
+            <a:schemeClr val="accent1"/>
+          </a:fillRef>
+          <a:effectRef idx="0">
+            <a:schemeClr val="accent1"/>
+          </a:effectRef>
+          <a:fontRef idx="minor">
+            <a:schemeClr val="tx1"/>
+          </a:fontRef>
+        </p:style>
+      </p:cxnSp>
+      <p:cxnSp>
+        <p:nvCxnSpPr>
+          <p:cNvPr id="10" name="Straight Connector 9">
+            <a:extLst>
+              <a:ext uri="{FF2B5EF4-FFF2-40B4-BE49-F238E27FC236}">
+                <a16:creationId xmlns:a16="http://schemas.microsoft.com/office/drawing/2014/main" id="{58B62021-8B83-DF9B-453A-F64840B25745}"/>
+              </a:ext>
+            </a:extLst>
+          </p:cNvPr>
+          <p:cNvCxnSpPr>
+            <a:cxnSpLocks/>
+          </p:cNvCxnSpPr>
+          <p:nvPr/>
+        </p:nvCxnSpPr>
+        <p:spPr>
+          <a:xfrm>
+            <a:off x="3073400" y="3184385"/>
+            <a:ext cx="0" cy="2438400"/>
+          </a:xfrm>
+          <a:prstGeom prst="line">
+            <a:avLst/>
+          </a:prstGeom>
+          <a:ln w="38100">
+            <a:solidFill>
+              <a:srgbClr val="C00000"/>
+            </a:solidFill>
+          </a:ln>
+        </p:spPr>
+        <p:style>
+          <a:lnRef idx="1">
+            <a:schemeClr val="accent1"/>
+          </a:lnRef>
+          <a:fillRef idx="0">
+            <a:schemeClr val="accent1"/>
+          </a:fillRef>
+          <a:effectRef idx="0">
+            <a:schemeClr val="accent1"/>
+          </a:effectRef>
+          <a:fontRef idx="minor">
+            <a:schemeClr val="tx1"/>
+          </a:fontRef>
+        </p:style>
+      </p:cxnSp>
+      <p:cxnSp>
+        <p:nvCxnSpPr>
+          <p:cNvPr id="11" name="Straight Connector 10">
+            <a:extLst>
+              <a:ext uri="{FF2B5EF4-FFF2-40B4-BE49-F238E27FC236}">
+                <a16:creationId xmlns:a16="http://schemas.microsoft.com/office/drawing/2014/main" id="{74C07D30-F776-BE65-BBBF-DCAD23E33F89}"/>
+              </a:ext>
+            </a:extLst>
+          </p:cNvPr>
+          <p:cNvCxnSpPr>
+            <a:cxnSpLocks/>
+          </p:cNvCxnSpPr>
+          <p:nvPr/>
+        </p:nvCxnSpPr>
+        <p:spPr>
+          <a:xfrm>
+            <a:off x="9118600" y="3184385"/>
+            <a:ext cx="0" cy="2438400"/>
+          </a:xfrm>
+          <a:prstGeom prst="line">
+            <a:avLst/>
+          </a:prstGeom>
+          <a:ln w="38100">
+            <a:solidFill>
+              <a:srgbClr val="C00000"/>
+            </a:solidFill>
+          </a:ln>
+        </p:spPr>
+        <p:style>
+          <a:lnRef idx="1">
+            <a:schemeClr val="accent1"/>
+          </a:lnRef>
+          <a:fillRef idx="0">
+            <a:schemeClr val="accent1"/>
+          </a:fillRef>
+          <a:effectRef idx="0">
+            <a:schemeClr val="accent1"/>
+          </a:effectRef>
+          <a:fontRef idx="minor">
+            <a:schemeClr val="tx1"/>
+          </a:fontRef>
+        </p:style>
+      </p:cxnSp>
+    </p:spTree>
+    <p:extLst>
+      <p:ext uri="{BB962C8B-B14F-4D97-AF65-F5344CB8AC3E}">
+        <p14:creationId xmlns:p14="http://schemas.microsoft.com/office/powerpoint/2010/main" val="711169945"/>
+      </p:ext>
+    </p:extLst>
+  </p:cSld>
+  <p:clrMapOvr>
+    <a:masterClrMapping/>
+  </p:clrMapOvr>
+  <p:timing>
+    <p:tnLst>
+      <p:par>
+        <p:cTn id="1" dur="indefinite" restart="never" nodeType="tmRoot">
+          <p:childTnLst>
+            <p:seq concurrent="1" nextAc="seek">
+              <p:cTn id="2" dur="indefinite" nodeType="mainSeq">
+                <p:childTnLst>
+                  <p:par>
+                    <p:cTn id="3" fill="hold">
+                      <p:stCondLst>
+                        <p:cond delay="indefinite"/>
+                      </p:stCondLst>
+                      <p:childTnLst>
+                        <p:par>
+                          <p:cTn id="4" fill="hold">
+                            <p:stCondLst>
+                              <p:cond delay="0"/>
+                            </p:stCondLst>
+                            <p:childTnLst>
+                              <p:par>
+                                <p:cTn id="5" presetID="15" presetClass="emph" presetSubtype="0" nodeType="clickEffect">
+                                  <p:stCondLst>
+                                    <p:cond delay="0"/>
+                                  </p:stCondLst>
+                                  <p:childTnLst>
+                                    <p:set>
+                                      <p:cBhvr override="childStyle">
+                                        <p:cTn id="6" dur="indefinite"/>
+                                        <p:tgtEl>
+                                          <p:spTgt spid="7">
+                                            <p:txEl>
+                                              <p:pRg st="2" end="2"/>
+                                            </p:txEl>
+                                          </p:spTgt>
+                                        </p:tgtEl>
+                                        <p:attrNameLst>
+                                          <p:attrName>style.fontWeight</p:attrName>
+                                        </p:attrNameLst>
+                                      </p:cBhvr>
+                                      <p:to>
+                                        <p:strVal val="bold"/>
+                                      </p:to>
+                                    </p:set>
+                                  </p:childTnLst>
+                                </p:cTn>
+                              </p:par>
+                            </p:childTnLst>
+                          </p:cTn>
+                        </p:par>
+                      </p:childTnLst>
+                    </p:cTn>
+                  </p:par>
+                  <p:par>
+                    <p:cTn id="7" fill="hold">
+                      <p:stCondLst>
+                        <p:cond delay="indefinite"/>
+                      </p:stCondLst>
+                      <p:childTnLst>
+                        <p:par>
+                          <p:cTn id="8" fill="hold">
+                            <p:stCondLst>
+                              <p:cond delay="0"/>
+                            </p:stCondLst>
+                            <p:childTnLst>
+                              <p:par>
+                                <p:cTn id="9" presetID="18" presetClass="emph" presetSubtype="0" fill="hold" nodeType="clickEffect">
+                                  <p:stCondLst>
+                                    <p:cond delay="0"/>
+                                  </p:stCondLst>
+                                  <p:childTnLst>
+                                    <p:set>
+                                      <p:cBhvr override="childStyle">
+                                        <p:cTn id="10" dur="500" fill="hold"/>
+                                        <p:tgtEl>
+                                          <p:spTgt spid="5">
+                                            <p:txEl>
+                                              <p:pRg st="5" end="5"/>
+                                            </p:txEl>
+                                          </p:spTgt>
+                                        </p:tgtEl>
+                                        <p:attrNameLst>
+                                          <p:attrName>style.textDecorationUnderline</p:attrName>
+                                        </p:attrNameLst>
+                                      </p:cBhvr>
+                                      <p:to>
+                                        <p:strVal val="true"/>
+                                      </p:to>
+                                    </p:set>
+                                  </p:childTnLst>
+                                </p:cTn>
+                              </p:par>
+                            </p:childTnLst>
+                          </p:cTn>
+                        </p:par>
+                        <p:par>
+                          <p:cTn id="11" fill="hold">
+                            <p:stCondLst>
+                              <p:cond delay="500"/>
+                            </p:stCondLst>
+                            <p:childTnLst>
+                              <p:par>
+                                <p:cTn id="12" presetID="18" presetClass="emph" presetSubtype="0" fill="hold" nodeType="afterEffect">
+                                  <p:stCondLst>
+                                    <p:cond delay="0"/>
+                                  </p:stCondLst>
+                                  <p:childTnLst>
+                                    <p:set>
+                                      <p:cBhvr override="childStyle">
+                                        <p:cTn id="13" dur="500" fill="hold"/>
+                                        <p:tgtEl>
+                                          <p:spTgt spid="7">
+                                            <p:txEl>
+                                              <p:pRg st="1" end="1"/>
+                                            </p:txEl>
+                                          </p:spTgt>
+                                        </p:tgtEl>
+                                        <p:attrNameLst>
+                                          <p:attrName>style.textDecorationUnderline</p:attrName>
+                                        </p:attrNameLst>
+                                      </p:cBhvr>
+                                      <p:to>
+                                        <p:strVal val="true"/>
+                                      </p:to>
+                                    </p:set>
+                                  </p:childTnLst>
+                                </p:cTn>
+                              </p:par>
+                            </p:childTnLst>
+                          </p:cTn>
+                        </p:par>
+                        <p:par>
+                          <p:cTn id="14" fill="hold">
+                            <p:stCondLst>
+                              <p:cond delay="1000"/>
+                            </p:stCondLst>
+                            <p:childTnLst>
+                              <p:par>
+                                <p:cTn id="15" presetID="18" presetClass="emph" presetSubtype="0" fill="hold" nodeType="afterEffect">
+                                  <p:stCondLst>
+                                    <p:cond delay="0"/>
+                                  </p:stCondLst>
+                                  <p:childTnLst>
+                                    <p:set>
+                                      <p:cBhvr override="childStyle">
+                                        <p:cTn id="16" dur="500" fill="hold"/>
+                                        <p:tgtEl>
+                                          <p:spTgt spid="7">
+                                            <p:txEl>
+                                              <p:pRg st="4" end="4"/>
+                                            </p:txEl>
+                                          </p:spTgt>
+                                        </p:tgtEl>
+                                        <p:attrNameLst>
+                                          <p:attrName>style.textDecorationUnderline</p:attrName>
+                                        </p:attrNameLst>
+                                      </p:cBhvr>
+                                      <p:to>
+                                        <p:strVal val="true"/>
+                                      </p:to>
+                                    </p:set>
+                                  </p:childTnLst>
+                                </p:cTn>
+                              </p:par>
+                            </p:childTnLst>
+                          </p:cTn>
+                        </p:par>
+                      </p:childTnLst>
+                    </p:cTn>
+                  </p:par>
+                </p:childTnLst>
+              </p:cTn>
+              <p:prevCondLst>
+                <p:cond evt="onPrev" delay="0">
+                  <p:tgtEl>
+                    <p:sldTgt/>
+                  </p:tgtEl>
+                </p:cond>
+              </p:prevCondLst>
+              <p:nextCondLst>
+                <p:cond evt="onNext" delay="0">
+                  <p:tgtEl>
+                    <p:sldTgt/>
+                  </p:tgtEl>
+                </p:cond>
+              </p:nextCondLst>
+            </p:seq>
+          </p:childTnLst>
+        </p:cTn>
+      </p:par>
+    </p:tnLst>
+  </p:timing>
+</p:sld>
+</file>
+
+<file path=ppt/slides/slide4.xml><?xml version="1.0" encoding="utf-8"?>
+<p:sld xmlns:a="http://schemas.openxmlformats.org/drawingml/2006/main" xmlns:r="http://schemas.openxmlformats.org/officeDocument/2006/relationships" xmlns:p="http://schemas.openxmlformats.org/presentationml/2006/main">
+  <p:cSld>
+    <p:spTree>
+      <p:nvGrpSpPr>
+        <p:cNvPr id="1" name=""/>
+        <p:cNvGrpSpPr/>
+        <p:nvPr/>
+      </p:nvGrpSpPr>
+      <p:grpSpPr>
+        <a:xfrm>
+          <a:off x="0" y="0"/>
+          <a:ext cx="0" cy="0"/>
+          <a:chOff x="0" y="0"/>
+          <a:chExt cx="0" cy="0"/>
+        </a:xfrm>
+      </p:grpSpPr>
+      <p:sp>
+        <p:nvSpPr>
+          <p:cNvPr id="3" name="Title 2"/>
+          <p:cNvSpPr>
+            <a:spLocks noGrp="1"/>
+          </p:cNvSpPr>
+          <p:nvPr>
+            <p:ph type="title"/>
+          </p:nvPr>
+        </p:nvSpPr>
+        <p:spPr/>
+        <p:txBody>
+          <a:bodyPr/>
+          <a:lstStyle/>
+          <a:p>
+            <a:r>
+              <a:rPr lang="en-US" dirty="0"/>
+              <a:t>Data</a:t>
+            </a:r>
+          </a:p>
+        </p:txBody>
+      </p:sp>
+      <p:pic>
+        <p:nvPicPr>
+          <p:cNvPr id="4" name="Picture 3" descr="A map of the state of hawaii&#10;&#10;Description automatically generated">
+            <a:extLst>
+              <a:ext uri="{FF2B5EF4-FFF2-40B4-BE49-F238E27FC236}">
+                <a16:creationId xmlns:a16="http://schemas.microsoft.com/office/drawing/2014/main" id="{4FB24684-EE92-F9A9-56FD-8FE0AAC40D03}"/>
+              </a:ext>
+            </a:extLst>
+          </p:cNvPr>
+          <p:cNvPicPr>
+            <a:picLocks noChangeAspect="1"/>
+          </p:cNvPicPr>
+          <p:nvPr/>
+        </p:nvPicPr>
+        <p:blipFill>
+          <a:blip r:embed="rId2">
+            <a:clrChange>
+              <a:clrFrom>
+                <a:srgbClr val="FFFFFF"/>
+              </a:clrFrom>
+              <a:clrTo>
+                <a:srgbClr val="FFFFFF">
+                  <a:alpha val="0"/>
+                </a:srgbClr>
+              </a:clrTo>
+            </a:clrChange>
+            <a:extLst>
+              <a:ext uri="{28A0092B-C50C-407E-A947-70E740481C1C}">
+                <a14:useLocalDpi xmlns:a14="http://schemas.microsoft.com/office/drawing/2010/main" val="0"/>
+              </a:ext>
+            </a:extLst>
+          </a:blip>
+          <a:stretch>
+            <a:fillRect/>
+          </a:stretch>
+        </p:blipFill>
+        <p:spPr>
+          <a:xfrm>
+            <a:off x="-762000" y="1066800"/>
+            <a:ext cx="7830643" cy="5353797"/>
+          </a:xfrm>
+          <a:prstGeom prst="rect">
+            <a:avLst/>
+          </a:prstGeom>
+        </p:spPr>
+      </p:pic>
+      <p:sp>
+        <p:nvSpPr>
+          <p:cNvPr id="5" name="Content Placeholder 1">
+            <a:extLst>
+              <a:ext uri="{FF2B5EF4-FFF2-40B4-BE49-F238E27FC236}">
+                <a16:creationId xmlns:a16="http://schemas.microsoft.com/office/drawing/2014/main" id="{E240644D-D762-9EA0-53A1-C661DAADE6F5}"/>
+              </a:ext>
+            </a:extLst>
+          </p:cNvPr>
+          <p:cNvSpPr>
+            <a:spLocks noGrp="1"/>
+          </p:cNvSpPr>
+          <p:nvPr>
+            <p:ph idx="1"/>
+          </p:nvPr>
+        </p:nvSpPr>
+        <p:spPr>
+          <a:xfrm>
+            <a:off x="6248400" y="1371600"/>
+            <a:ext cx="5715000" cy="4648200"/>
+          </a:xfrm>
+        </p:spPr>
+        <p:txBody>
+          <a:bodyPr>
+            <a:normAutofit/>
+          </a:bodyPr>
+          <a:lstStyle/>
+          <a:p>
+            <a:r>
+              <a:rPr lang="en-US" sz="2000" dirty="0"/>
+              <a:t>All arms-length transactions from Multiple Listing Service of HiCentral MLS, Ltd. (thank you Honolulu Board of REALTORS®)</a:t>
+            </a:r>
+          </a:p>
+          <a:p>
+            <a:r>
+              <a:rPr lang="en-US" sz="2000" dirty="0"/>
+              <a:t>Original data held 57,217 transactions for 51,239 unique units.</a:t>
+            </a:r>
+          </a:p>
+          <a:p>
+            <a:r>
+              <a:rPr lang="en-US" sz="2000" dirty="0"/>
+              <a:t>After cleaning data, we are left with 50,394 observations over 43,057 unique units.</a:t>
+            </a:r>
+          </a:p>
+          <a:p>
+            <a:endParaRPr lang="en-US" sz="2000" dirty="0"/>
+          </a:p>
+        </p:txBody>
+      </p:sp>
+      <p:graphicFrame>
+        <p:nvGraphicFramePr>
+          <p:cNvPr id="6" name="Table 6">
+            <a:extLst>
+              <a:ext uri="{FF2B5EF4-FFF2-40B4-BE49-F238E27FC236}">
+                <a16:creationId xmlns:a16="http://schemas.microsoft.com/office/drawing/2014/main" id="{D6DDF733-BABD-C2C2-F2D7-1E0ACB77F368}"/>
+              </a:ext>
+            </a:extLst>
+          </p:cNvPr>
+          <p:cNvGraphicFramePr>
+            <a:graphicFrameLocks noGrp="1"/>
+          </p:cNvGraphicFramePr>
+          <p:nvPr>
+            <p:extLst>
+              <p:ext uri="{D42A27DB-BD31-4B8C-83A1-F6EECF244321}">
+                <p14:modId xmlns:p14="http://schemas.microsoft.com/office/powerpoint/2010/main" val="1926649293"/>
+              </p:ext>
+            </p:extLst>
+          </p:nvPr>
+        </p:nvGraphicFramePr>
+        <p:xfrm>
+          <a:off x="6858000" y="4003040"/>
+          <a:ext cx="4953000" cy="1483360"/>
+        </p:xfrm>
+        <a:graphic>
+          <a:graphicData uri="http://schemas.openxmlformats.org/drawingml/2006/table">
+            <a:tbl>
+              <a:tblPr firstRow="1" bandRow="1">
+                <a:tableStyleId>{2D5ABB26-0587-4C30-8999-92F81FD0307C}</a:tableStyleId>
+              </a:tblPr>
+              <a:tblGrid>
+                <a:gridCol w="2971800">
+                  <a:extLst>
+                    <a:ext uri="{9D8B030D-6E8A-4147-A177-3AD203B41FA5}">
+                      <a16:colId xmlns:a16="http://schemas.microsoft.com/office/drawing/2014/main" val="3668304178"/>
+                    </a:ext>
+                  </a:extLst>
+                </a:gridCol>
+                <a:gridCol w="1981200">
+                  <a:extLst>
+                    <a:ext uri="{9D8B030D-6E8A-4147-A177-3AD203B41FA5}">
+                      <a16:colId xmlns:a16="http://schemas.microsoft.com/office/drawing/2014/main" val="2049066296"/>
+                    </a:ext>
+                  </a:extLst>
+                </a:gridCol>
+              </a:tblGrid>
+              <a:tr h="370840">
+                <a:tc>
+                  <a:txBody>
+                    <a:bodyPr/>
+                    <a:lstStyle/>
+                    <a:p>
+                      <a:r>
+                        <a:rPr lang="en-US" dirty="0"/>
+                        <a:t>Sold Once</a:t>
+                      </a:r>
+                    </a:p>
+                  </a:txBody>
+                  <a:tcPr/>
+                </a:tc>
+                <a:tc>
+                  <a:txBody>
+                    <a:bodyPr/>
+                    <a:lstStyle/>
+                    <a:p>
+                      <a:pPr algn="r"/>
+                      <a:r>
+                        <a:rPr lang="en-US" dirty="0"/>
+                        <a:t>36,367 units</a:t>
+                      </a:r>
+                    </a:p>
+                  </a:txBody>
+                  <a:tcPr/>
+                </a:tc>
+                <a:extLst>
+                  <a:ext uri="{0D108BD9-81ED-4DB2-BD59-A6C34878D82A}">
+                    <a16:rowId xmlns:a16="http://schemas.microsoft.com/office/drawing/2014/main" val="1041580620"/>
+                  </a:ext>
+                </a:extLst>
+              </a:tr>
+              <a:tr h="370840">
+                <a:tc>
+                  <a:txBody>
+                    <a:bodyPr/>
+                    <a:lstStyle/>
+                    <a:p>
+                      <a:r>
+                        <a:rPr lang="en-US" dirty="0"/>
+                        <a:t>Sold Twice</a:t>
+                      </a:r>
+                    </a:p>
+                  </a:txBody>
+                  <a:tcPr/>
+                </a:tc>
+                <a:tc>
+                  <a:txBody>
+                    <a:bodyPr/>
+                    <a:lstStyle/>
+                    <a:p>
+                      <a:pPr algn="r"/>
+                      <a:r>
+                        <a:rPr lang="en-US" dirty="0"/>
+                        <a:t>6,075 units</a:t>
+                      </a:r>
+                    </a:p>
+                  </a:txBody>
+                  <a:tcPr/>
+                </a:tc>
+                <a:extLst>
+                  <a:ext uri="{0D108BD9-81ED-4DB2-BD59-A6C34878D82A}">
+                    <a16:rowId xmlns:a16="http://schemas.microsoft.com/office/drawing/2014/main" val="1559968309"/>
+                  </a:ext>
+                </a:extLst>
+              </a:tr>
+              <a:tr h="370840">
+                <a:tc>
+                  <a:txBody>
+                    <a:bodyPr/>
+                    <a:lstStyle/>
+                    <a:p>
+                      <a:r>
+                        <a:rPr lang="en-US" dirty="0"/>
+                        <a:t>Sold Three Time</a:t>
+                      </a:r>
+                    </a:p>
+                  </a:txBody>
+                  <a:tcPr/>
+                </a:tc>
+                <a:tc>
+                  <a:txBody>
+                    <a:bodyPr/>
+                    <a:lstStyle/>
+                    <a:p>
+                      <a:pPr algn="r"/>
+                      <a:r>
+                        <a:rPr lang="en-US" dirty="0"/>
+                        <a:t>586 units</a:t>
+                      </a:r>
+                    </a:p>
+                  </a:txBody>
+                  <a:tcPr/>
+                </a:tc>
+                <a:extLst>
+                  <a:ext uri="{0D108BD9-81ED-4DB2-BD59-A6C34878D82A}">
+                    <a16:rowId xmlns:a16="http://schemas.microsoft.com/office/drawing/2014/main" val="3023302832"/>
+                  </a:ext>
+                </a:extLst>
+              </a:tr>
+              <a:tr h="370840">
+                <a:tc>
+                  <a:txBody>
+                    <a:bodyPr/>
+                    <a:lstStyle/>
+                    <a:p>
+                      <a:r>
+                        <a:rPr lang="en-US" dirty="0"/>
+                        <a:t>Sold Four or Five Times</a:t>
+                      </a:r>
+                    </a:p>
+                  </a:txBody>
+                  <a:tcPr/>
+                </a:tc>
+                <a:tc>
+                  <a:txBody>
+                    <a:bodyPr/>
+                    <a:lstStyle/>
+                    <a:p>
+                      <a:pPr algn="r"/>
+                      <a:r>
+                        <a:rPr lang="en-US" dirty="0"/>
+                        <a:t>29 units</a:t>
+                      </a:r>
+                    </a:p>
+                  </a:txBody>
+                  <a:tcPr/>
+                </a:tc>
+                <a:extLst>
+                  <a:ext uri="{0D108BD9-81ED-4DB2-BD59-A6C34878D82A}">
+                    <a16:rowId xmlns:a16="http://schemas.microsoft.com/office/drawing/2014/main" val="2161655977"/>
+                  </a:ext>
+                </a:extLst>
+              </a:tr>
+            </a:tbl>
+          </a:graphicData>
+        </a:graphic>
+      </p:graphicFrame>
+    </p:spTree>
+    <p:extLst>
+      <p:ext uri="{BB962C8B-B14F-4D97-AF65-F5344CB8AC3E}">
+        <p14:creationId xmlns:p14="http://schemas.microsoft.com/office/powerpoint/2010/main" val="4160459358"/>
+      </p:ext>
+    </p:extLst>
+  </p:cSld>
+  <p:clrMapOvr>
+    <a:masterClrMapping/>
+  </p:clrMapOvr>
+</p:sld>
+</file>
+
+<file path=ppt/slides/slide5.xml><?xml version="1.0" encoding="utf-8"?>
+<p:sld xmlns:a="http://schemas.openxmlformats.org/drawingml/2006/main" xmlns:r="http://schemas.openxmlformats.org/officeDocument/2006/relationships" xmlns:p="http://schemas.openxmlformats.org/presentationml/2006/main">
+  <p:cSld>
+    <p:spTree>
+      <p:nvGrpSpPr>
+        <p:cNvPr id="1" name=""/>
+        <p:cNvGrpSpPr/>
+        <p:nvPr/>
+      </p:nvGrpSpPr>
+      <p:grpSpPr>
+        <a:xfrm>
+          <a:off x="0" y="0"/>
+          <a:ext cx="0" cy="0"/>
+          <a:chOff x="0" y="0"/>
+          <a:chExt cx="0" cy="0"/>
+        </a:xfrm>
+      </p:grpSpPr>
+      <p:sp>
+        <p:nvSpPr>
+          <p:cNvPr id="3" name="Title 2"/>
+          <p:cNvSpPr>
+            <a:spLocks noGrp="1"/>
+          </p:cNvSpPr>
+          <p:nvPr>
+            <p:ph type="title"/>
+          </p:nvPr>
+        </p:nvSpPr>
+        <p:spPr/>
+        <p:txBody>
+          <a:bodyPr/>
+          <a:lstStyle/>
+          <a:p>
+            <a:r>
+              <a:rPr lang="en-US" dirty="0"/>
+              <a:t>Data</a:t>
+            </a:r>
+          </a:p>
+        </p:txBody>
+      </p:sp>
+      <p:pic>
+        <p:nvPicPr>
+          <p:cNvPr id="16" name="Picture 15">
+            <a:extLst>
+              <a:ext uri="{FF2B5EF4-FFF2-40B4-BE49-F238E27FC236}">
+                <a16:creationId xmlns:a16="http://schemas.microsoft.com/office/drawing/2014/main" id="{3BD76E3C-EA83-2E7C-1BD1-C1ED7A7F1503}"/>
+              </a:ext>
+            </a:extLst>
+          </p:cNvPr>
+          <p:cNvPicPr>
+            <a:picLocks noChangeAspect="1"/>
+          </p:cNvPicPr>
+          <p:nvPr/>
+        </p:nvPicPr>
+        <p:blipFill>
+          <a:blip r:embed="rId2"/>
+          <a:stretch>
+            <a:fillRect/>
+          </a:stretch>
+        </p:blipFill>
+        <p:spPr>
+          <a:xfrm>
+            <a:off x="76200" y="1524000"/>
+            <a:ext cx="11811000" cy="2218410"/>
+          </a:xfrm>
+          <a:prstGeom prst="rect">
+            <a:avLst/>
+          </a:prstGeom>
+        </p:spPr>
+      </p:pic>
+    </p:spTree>
+    <p:extLst>
+      <p:ext uri="{BB962C8B-B14F-4D97-AF65-F5344CB8AC3E}">
+        <p14:creationId xmlns:p14="http://schemas.microsoft.com/office/powerpoint/2010/main" val="39726009"/>
+      </p:ext>
+    </p:extLst>
+  </p:cSld>
+  <p:clrMapOvr>
+    <a:masterClrMapping/>
+  </p:clrMapOvr>
+</p:sld>
+</file>
+
+<file path=ppt/slides/slide6.xml><?xml version="1.0" encoding="utf-8"?>
+<p:sld xmlns:a="http://schemas.openxmlformats.org/drawingml/2006/main" xmlns:r="http://schemas.openxmlformats.org/officeDocument/2006/relationships" xmlns:p="http://schemas.openxmlformats.org/presentationml/2006/main">
+  <p:cSld>
+    <p:spTree>
+      <p:nvGrpSpPr>
+        <p:cNvPr id="1" name=""/>
+        <p:cNvGrpSpPr/>
+        <p:nvPr/>
+      </p:nvGrpSpPr>
+      <p:grpSpPr>
+        <a:xfrm>
+          <a:off x="0" y="0"/>
+          <a:ext cx="0" cy="0"/>
+          <a:chOff x="0" y="0"/>
+          <a:chExt cx="0" cy="0"/>
+        </a:xfrm>
+      </p:grpSpPr>
+      <p:sp>
+        <p:nvSpPr>
+          <p:cNvPr id="3" name="Title 2"/>
+          <p:cNvSpPr>
+            <a:spLocks noGrp="1"/>
+          </p:cNvSpPr>
+          <p:nvPr>
+            <p:ph type="title"/>
+          </p:nvPr>
+        </p:nvSpPr>
+        <p:spPr/>
+        <p:txBody>
+          <a:bodyPr/>
+          <a:lstStyle/>
+          <a:p>
+            <a:r>
+              <a:rPr lang="en-US" dirty="0"/>
+              <a:t>Data</a:t>
+            </a:r>
+          </a:p>
+        </p:txBody>
+      </p:sp>
+      <p:pic>
+        <p:nvPicPr>
+          <p:cNvPr id="20" name="Picture 19" descr="A graph of a number of blue and red lines&#10;&#10;Description automatically generated">
+            <a:extLst>
+              <a:ext uri="{FF2B5EF4-FFF2-40B4-BE49-F238E27FC236}">
+                <a16:creationId xmlns:a16="http://schemas.microsoft.com/office/drawing/2014/main" id="{76C9F6F2-C070-7734-57B9-5E9D30BA7AC7}"/>
+              </a:ext>
+            </a:extLst>
+          </p:cNvPr>
+          <p:cNvPicPr>
+            <a:picLocks noChangeAspect="1"/>
+          </p:cNvPicPr>
+          <p:nvPr/>
+        </p:nvPicPr>
+        <p:blipFill>
+          <a:blip r:embed="rId2">
+            <a:clrChange>
+              <a:clrFrom>
+                <a:srgbClr val="FFFFFF"/>
+              </a:clrFrom>
+              <a:clrTo>
+                <a:srgbClr val="FFFFFF">
+                  <a:alpha val="0"/>
+                </a:srgbClr>
+              </a:clrTo>
+            </a:clrChange>
+            <a:extLst>
+              <a:ext uri="{28A0092B-C50C-407E-A947-70E740481C1C}">
+                <a14:useLocalDpi xmlns:a14="http://schemas.microsoft.com/office/drawing/2010/main" val="0"/>
+              </a:ext>
+            </a:extLst>
+          </a:blip>
+          <a:stretch>
+            <a:fillRect/>
+          </a:stretch>
+        </p:blipFill>
+        <p:spPr>
+          <a:xfrm>
+            <a:off x="2057400" y="1264122"/>
+            <a:ext cx="8307129" cy="4984278"/>
+          </a:xfrm>
+          <a:prstGeom prst="rect">
+            <a:avLst/>
+          </a:prstGeom>
+        </p:spPr>
+      </p:pic>
+    </p:spTree>
+    <p:extLst>
+      <p:ext uri="{BB962C8B-B14F-4D97-AF65-F5344CB8AC3E}">
+        <p14:creationId xmlns:p14="http://schemas.microsoft.com/office/powerpoint/2010/main" val="3532298153"/>
+      </p:ext>
+    </p:extLst>
+  </p:cSld>
+  <p:clrMapOvr>
+    <a:masterClrMapping/>
+  </p:clrMapOvr>
+</p:sld>
+</file>
+
+<file path=ppt/slides/slide7.xml><?xml version="1.0" encoding="utf-8"?>
+<p:sld xmlns:a="http://schemas.openxmlformats.org/drawingml/2006/main" xmlns:r="http://schemas.openxmlformats.org/officeDocument/2006/relationships" xmlns:p="http://schemas.openxmlformats.org/presentationml/2006/main">
+  <p:cSld>
+    <p:spTree>
+      <p:nvGrpSpPr>
+        <p:cNvPr id="1" name=""/>
+        <p:cNvGrpSpPr/>
+        <p:nvPr/>
+      </p:nvGrpSpPr>
+      <p:grpSpPr>
+        <a:xfrm>
+          <a:off x="0" y="0"/>
+          <a:ext cx="0" cy="0"/>
+          <a:chOff x="0" y="0"/>
+          <a:chExt cx="0" cy="0"/>
+        </a:xfrm>
+      </p:grpSpPr>
+      <p:sp>
+        <p:nvSpPr>
+          <p:cNvPr id="3" name="Title 2"/>
+          <p:cNvSpPr>
+            <a:spLocks noGrp="1"/>
+          </p:cNvSpPr>
+          <p:nvPr>
+            <p:ph type="title"/>
+          </p:nvPr>
+        </p:nvSpPr>
+        <p:spPr/>
+        <p:txBody>
+          <a:bodyPr/>
+          <a:lstStyle/>
+          <a:p>
+            <a:r>
+              <a:rPr lang="en-US" dirty="0"/>
+              <a:t>Data</a:t>
+            </a:r>
+          </a:p>
+        </p:txBody>
+      </p:sp>
+      <p:pic>
+        <p:nvPicPr>
+          <p:cNvPr id="4" name="Picture 3" descr="A graph of sales&#10;&#10;Description automatically generated">
+            <a:extLst>
+              <a:ext uri="{FF2B5EF4-FFF2-40B4-BE49-F238E27FC236}">
+                <a16:creationId xmlns:a16="http://schemas.microsoft.com/office/drawing/2014/main" id="{306FF314-B743-D156-A905-A1D3F1DCEB3C}"/>
+              </a:ext>
+            </a:extLst>
+          </p:cNvPr>
+          <p:cNvPicPr>
+            <a:picLocks noChangeAspect="1"/>
+          </p:cNvPicPr>
+          <p:nvPr/>
+        </p:nvPicPr>
+        <p:blipFill>
+          <a:blip r:embed="rId2">
+            <a:clrChange>
+              <a:clrFrom>
+                <a:srgbClr val="FFFFFF"/>
+              </a:clrFrom>
+              <a:clrTo>
+                <a:srgbClr val="FFFFFF">
+                  <a:alpha val="0"/>
+                </a:srgbClr>
+              </a:clrTo>
+            </a:clrChange>
+            <a:extLst>
+              <a:ext uri="{28A0092B-C50C-407E-A947-70E740481C1C}">
+                <a14:useLocalDpi xmlns:a14="http://schemas.microsoft.com/office/drawing/2010/main" val="0"/>
+              </a:ext>
+            </a:extLst>
+          </a:blip>
+          <a:stretch>
+            <a:fillRect/>
+          </a:stretch>
+        </p:blipFill>
+        <p:spPr>
+          <a:xfrm>
+            <a:off x="1981201" y="1219200"/>
+            <a:ext cx="8305799" cy="4983480"/>
+          </a:xfrm>
+          <a:prstGeom prst="rect">
+            <a:avLst/>
+          </a:prstGeom>
+        </p:spPr>
+      </p:pic>
+    </p:spTree>
+    <p:extLst>
+      <p:ext uri="{BB962C8B-B14F-4D97-AF65-F5344CB8AC3E}">
+        <p14:creationId xmlns:p14="http://schemas.microsoft.com/office/powerpoint/2010/main" val="441155326"/>
+      </p:ext>
+    </p:extLst>
+  </p:cSld>
+  <p:clrMapOvr>
+    <a:masterClrMapping/>
+  </p:clrMapOvr>
+</p:sld>
+</file>
+
+<file path=ppt/slides/slide8.xml><?xml version="1.0" encoding="utf-8"?>
+<p:sld xmlns:a="http://schemas.openxmlformats.org/drawingml/2006/main" xmlns:r="http://schemas.openxmlformats.org/officeDocument/2006/relationships" xmlns:p="http://schemas.openxmlformats.org/presentationml/2006/main">
+  <p:cSld>
+    <p:spTree>
+      <p:nvGrpSpPr>
+        <p:cNvPr id="1" name=""/>
+        <p:cNvGrpSpPr/>
+        <p:nvPr/>
+      </p:nvGrpSpPr>
+      <p:grpSpPr>
+        <a:xfrm>
+          <a:off x="0" y="0"/>
+          <a:ext cx="0" cy="0"/>
+          <a:chOff x="0" y="0"/>
+          <a:chExt cx="0" cy="0"/>
+        </a:xfrm>
+      </p:grpSpPr>
+      <p:sp>
+        <p:nvSpPr>
+          <p:cNvPr id="3" name="Title 2"/>
+          <p:cNvSpPr>
+            <a:spLocks noGrp="1"/>
+          </p:cNvSpPr>
+          <p:nvPr>
+            <p:ph type="title"/>
+          </p:nvPr>
+        </p:nvSpPr>
+        <p:spPr/>
+        <p:txBody>
+          <a:bodyPr/>
+          <a:lstStyle/>
+          <a:p>
+            <a:r>
+              <a:rPr lang="en-US" dirty="0"/>
+              <a:t>Methodology</a:t>
+            </a:r>
+          </a:p>
+        </p:txBody>
+      </p:sp>
+      <mc:AlternateContent xmlns:mc="http://schemas.openxmlformats.org/markup-compatibility/2006" xmlns:a14="http://schemas.microsoft.com/office/drawing/2010/main">
+        <mc:Choice Requires="a14">
+          <p:sp>
+            <p:nvSpPr>
+              <p:cNvPr id="2" name="Content Placeholder 1">
+                <a:extLst>
+                  <a:ext uri="{FF2B5EF4-FFF2-40B4-BE49-F238E27FC236}">
+                    <a16:creationId xmlns:a16="http://schemas.microsoft.com/office/drawing/2014/main" id="{87F57B80-B965-3B8F-DFC0-EACBADD3C374}"/>
+                  </a:ext>
+                </a:extLst>
+              </p:cNvPr>
+              <p:cNvSpPr>
+                <a:spLocks noGrp="1"/>
+              </p:cNvSpPr>
+              <p:nvPr>
+                <p:ph idx="1"/>
+              </p:nvPr>
+            </p:nvSpPr>
+            <p:spPr>
+              <a:xfrm>
+                <a:off x="609600" y="1371600"/>
+                <a:ext cx="10464800" cy="4648200"/>
+              </a:xfrm>
+            </p:spPr>
+            <p:txBody>
+              <a:bodyPr/>
+              <a:lstStyle/>
+              <a:p>
+                <a:r>
+                  <a:rPr lang="en-US" dirty="0"/>
+                  <a:t>Estimate a Hedonic Regressions using both OLS and Spatial Techniques</a:t>
+                </a:r>
+              </a:p>
+              <a:p>
+                <a:r>
+                  <a:rPr lang="en-US" dirty="0"/>
+                  <a:t>Spatially we estimate a Spatial Durbin Model</a:t>
+                </a:r>
+              </a:p>
+              <a:p>
+                <a:endParaRPr lang="en-US" dirty="0"/>
+              </a:p>
+              <a:p>
+                <a:endParaRPr lang="en-US" dirty="0"/>
+              </a:p>
+              <a:p>
+                <a:r>
+                  <a:rPr lang="en-US" dirty="0"/>
+                  <a:t>We assume that </a:t>
+                </a:r>
+                <a14:m>
+                  <m:oMath xmlns:m="http://schemas.openxmlformats.org/officeDocument/2006/math">
+                    <m:sSub>
+                      <m:sSubPr>
+                        <m:ctrlPr>
+                          <a:rPr lang="en-US" b="0" i="1" smtClean="0">
+                            <a:latin typeface="Cambria Math" panose="02040503050406030204" pitchFamily="18" charset="0"/>
+                          </a:rPr>
+                        </m:ctrlPr>
+                      </m:sSubPr>
+                      <m:e>
+                        <m:r>
+                          <a:rPr lang="en-US" b="0" i="1" smtClean="0">
+                            <a:latin typeface="Cambria Math" panose="02040503050406030204" pitchFamily="18" charset="0"/>
+                          </a:rPr>
+                          <m:t>𝑊</m:t>
+                        </m:r>
+                      </m:e>
+                      <m:sub>
+                        <m:r>
+                          <a:rPr lang="en-US" b="0" i="1" smtClean="0">
+                            <a:latin typeface="Cambria Math" panose="02040503050406030204" pitchFamily="18" charset="0"/>
+                          </a:rPr>
+                          <m:t>1</m:t>
+                        </m:r>
+                      </m:sub>
+                    </m:sSub>
+                    <m:r>
+                      <a:rPr lang="en-US" b="0" i="1" smtClean="0">
+                        <a:latin typeface="Cambria Math" panose="02040503050406030204" pitchFamily="18" charset="0"/>
+                      </a:rPr>
+                      <m:t>=</m:t>
+                    </m:r>
+                    <m:sSub>
+                      <m:sSubPr>
+                        <m:ctrlPr>
+                          <a:rPr lang="en-US" b="0" i="1" smtClean="0">
+                            <a:latin typeface="Cambria Math" panose="02040503050406030204" pitchFamily="18" charset="0"/>
+                          </a:rPr>
+                        </m:ctrlPr>
+                      </m:sSubPr>
+                      <m:e>
+                        <m:r>
+                          <a:rPr lang="en-US" b="0" i="1" smtClean="0">
+                            <a:latin typeface="Cambria Math" panose="02040503050406030204" pitchFamily="18" charset="0"/>
+                          </a:rPr>
+                          <m:t>𝑊</m:t>
+                        </m:r>
+                      </m:e>
+                      <m:sub>
+                        <m:r>
+                          <a:rPr lang="en-US" b="0" i="1" smtClean="0">
+                            <a:latin typeface="Cambria Math" panose="02040503050406030204" pitchFamily="18" charset="0"/>
+                          </a:rPr>
+                          <m:t>2</m:t>
+                        </m:r>
+                      </m:sub>
+                    </m:sSub>
+                  </m:oMath>
+                </a14:m>
+                <a:r>
+                  <a:rPr lang="en-US" dirty="0"/>
+                  <a:t> and is row normalized</a:t>
+                </a:r>
+              </a:p>
+              <a:p>
+                <a:r>
+                  <a:rPr lang="en-US" dirty="0"/>
+                  <a:t>Originally, </a:t>
+                </a:r>
+                <a14:m>
+                  <m:oMath xmlns:m="http://schemas.openxmlformats.org/officeDocument/2006/math">
+                    <m:r>
+                      <a:rPr lang="en-US" b="0" i="1" smtClean="0">
+                        <a:latin typeface="Cambria Math" panose="02040503050406030204" pitchFamily="18" charset="0"/>
+                      </a:rPr>
+                      <m:t>𝑊</m:t>
+                    </m:r>
+                  </m:oMath>
+                </a14:m>
+                <a:r>
+                  <a:rPr lang="en-US" dirty="0"/>
+                  <a:t> is created without respect to temporal factors except that we remove repeated sales keeping either first or most recent sale.</a:t>
+                </a:r>
+              </a:p>
+              <a:p>
+                <a:endParaRPr lang="en-US" dirty="0"/>
+              </a:p>
+            </p:txBody>
+          </p:sp>
+        </mc:Choice>
+        <mc:Fallback xmlns="">
+          <p:sp>
+            <p:nvSpPr>
+              <p:cNvPr id="2" name="Content Placeholder 1">
+                <a:extLst>
+                  <a:ext uri="{FF2B5EF4-FFF2-40B4-BE49-F238E27FC236}">
+                    <a16:creationId xmlns:a16="http://schemas.microsoft.com/office/drawing/2014/main" id="{87F57B80-B965-3B8F-DFC0-EACBADD3C374}"/>
+                  </a:ext>
+                </a:extLst>
+              </p:cNvPr>
+              <p:cNvSpPr>
+                <a:spLocks noGrp="1" noRot="1" noChangeAspect="1" noMove="1" noResize="1" noEditPoints="1" noAdjustHandles="1" noChangeArrowheads="1" noChangeShapeType="1" noTextEdit="1"/>
+              </p:cNvSpPr>
+              <p:nvPr>
+                <p:ph idx="1"/>
+              </p:nvPr>
+            </p:nvSpPr>
+            <p:spPr>
+              <a:xfrm>
+                <a:off x="609600" y="1371600"/>
+                <a:ext cx="10464800" cy="4648200"/>
+              </a:xfrm>
+              <a:blipFill>
+                <a:blip r:embed="rId2"/>
+                <a:stretch>
+                  <a:fillRect l="-1048" t="-1311"/>
+                </a:stretch>
+              </a:blipFill>
+            </p:spPr>
+            <p:txBody>
+              <a:bodyPr/>
+              <a:lstStyle/>
+              <a:p>
+                <a:r>
+                  <a:rPr lang="en-US">
+                    <a:noFill/>
+                  </a:rPr>
+                  <a:t> </a:t>
+                </a:r>
+              </a:p>
+            </p:txBody>
+          </p:sp>
+        </mc:Fallback>
+      </mc:AlternateContent>
+      <mc:AlternateContent xmlns:mc="http://schemas.openxmlformats.org/markup-compatibility/2006" xmlns:a14="http://schemas.microsoft.com/office/drawing/2010/main">
+        <mc:Choice Requires="a14">
+          <p:sp>
+            <p:nvSpPr>
+              <p:cNvPr id="4" name="TextBox 3">
+                <a:extLst>
+                  <a:ext uri="{FF2B5EF4-FFF2-40B4-BE49-F238E27FC236}">
+                    <a16:creationId xmlns:a16="http://schemas.microsoft.com/office/drawing/2014/main" id="{682F7450-929B-983B-B17C-D842F34A4A09}"/>
+                  </a:ext>
+                </a:extLst>
+              </p:cNvPr>
+              <p:cNvSpPr txBox="1"/>
+              <p:nvPr/>
+            </p:nvSpPr>
+            <p:spPr>
+              <a:xfrm>
+                <a:off x="2497033" y="3048000"/>
+                <a:ext cx="7197933" cy="492443"/>
+              </a:xfrm>
+              <a:prstGeom prst="rect">
+                <a:avLst/>
+              </a:prstGeom>
+              <a:noFill/>
+            </p:spPr>
+            <p:txBody>
+              <a:bodyPr wrap="none" lIns="0" tIns="0" rIns="0" bIns="0" rtlCol="0">
+                <a:spAutoFit/>
+              </a:bodyPr>
+              <a:lstStyle/>
+              <a:p>
+                <a:pPr/>
+                <a14:m>
+                  <m:oMathPara xmlns:m="http://schemas.openxmlformats.org/officeDocument/2006/math">
+                    <m:oMathParaPr>
+                      <m:jc m:val="centerGroup"/>
+                    </m:oMathParaPr>
+                    <m:oMath xmlns:m="http://schemas.openxmlformats.org/officeDocument/2006/math">
+                      <m:func>
+                        <m:funcPr>
+                          <m:ctrlPr>
+                            <a:rPr lang="en-US" sz="3200" b="0" i="1" smtClean="0">
+                              <a:latin typeface="Cambria Math" panose="02040503050406030204" pitchFamily="18" charset="0"/>
+                            </a:rPr>
+                          </m:ctrlPr>
+                        </m:funcPr>
+                        <m:fName>
+                          <m:r>
+                            <m:rPr>
+                              <m:sty m:val="p"/>
+                            </m:rPr>
+                            <a:rPr lang="en-US" sz="3200" b="0" i="0" smtClean="0">
+                              <a:latin typeface="Cambria Math" panose="02040503050406030204" pitchFamily="18" charset="0"/>
+                            </a:rPr>
+                            <m:t>ln</m:t>
+                          </m:r>
+                        </m:fName>
+                        <m:e>
+                          <m:d>
+                            <m:dPr>
+                              <m:ctrlPr>
+                                <a:rPr lang="en-US" sz="3200" b="0" i="1" smtClean="0">
+                                  <a:latin typeface="Cambria Math" panose="02040503050406030204" pitchFamily="18" charset="0"/>
+                                </a:rPr>
+                              </m:ctrlPr>
+                            </m:dPr>
+                            <m:e>
+                              <m:sSub>
+                                <m:sSubPr>
+                                  <m:ctrlPr>
+                                    <a:rPr lang="en-US" sz="3200" b="0" i="1" smtClean="0">
+                                      <a:latin typeface="Cambria Math" panose="02040503050406030204" pitchFamily="18" charset="0"/>
+                                    </a:rPr>
+                                  </m:ctrlPr>
+                                </m:sSubPr>
+                                <m:e>
+                                  <m:r>
+                                    <a:rPr lang="en-US" sz="3200" b="0" i="1" smtClean="0">
+                                      <a:latin typeface="Cambria Math" panose="02040503050406030204" pitchFamily="18" charset="0"/>
+                                    </a:rPr>
+                                    <m:t>𝑃</m:t>
+                                  </m:r>
+                                </m:e>
+                                <m:sub>
+                                  <m:r>
+                                    <a:rPr lang="en-US" sz="3200" b="0" i="1" smtClean="0">
+                                      <a:latin typeface="Cambria Math" panose="02040503050406030204" pitchFamily="18" charset="0"/>
+                                    </a:rPr>
+                                    <m:t>𝑖</m:t>
+                                  </m:r>
+                                </m:sub>
+                              </m:sSub>
+                            </m:e>
+                          </m:d>
+                        </m:e>
+                      </m:func>
+                      <m:r>
+                        <a:rPr lang="en-US" sz="3200" b="0" i="1" smtClean="0">
+                          <a:latin typeface="Cambria Math" panose="02040503050406030204" pitchFamily="18" charset="0"/>
+                        </a:rPr>
+                        <m:t>=</m:t>
+                      </m:r>
+                      <m:r>
+                        <a:rPr lang="en-US" sz="3200" b="0" i="1" smtClean="0">
+                          <a:latin typeface="Cambria Math" panose="02040503050406030204" pitchFamily="18" charset="0"/>
+                        </a:rPr>
+                        <m:t>𝜌</m:t>
+                      </m:r>
+                      <m:sSub>
+                        <m:sSubPr>
+                          <m:ctrlPr>
+                            <a:rPr lang="en-US" sz="3200" b="0" i="1" smtClean="0">
+                              <a:latin typeface="Cambria Math" panose="02040503050406030204" pitchFamily="18" charset="0"/>
+                            </a:rPr>
+                          </m:ctrlPr>
+                        </m:sSubPr>
+                        <m:e>
+                          <m:r>
+                            <a:rPr lang="en-US" sz="3200" b="0" i="1" smtClean="0">
+                              <a:latin typeface="Cambria Math" panose="02040503050406030204" pitchFamily="18" charset="0"/>
+                            </a:rPr>
+                            <m:t>𝑊</m:t>
+                          </m:r>
+                        </m:e>
+                        <m:sub>
+                          <m:r>
+                            <a:rPr lang="en-US" sz="3200" b="0" i="1" smtClean="0">
+                              <a:latin typeface="Cambria Math" panose="02040503050406030204" pitchFamily="18" charset="0"/>
+                            </a:rPr>
+                            <m:t>1</m:t>
+                          </m:r>
+                        </m:sub>
+                      </m:sSub>
+                      <m:r>
+                        <a:rPr lang="en-US" sz="3200" b="0" i="1" smtClean="0">
+                          <a:latin typeface="Cambria Math" panose="02040503050406030204" pitchFamily="18" charset="0"/>
+                        </a:rPr>
+                        <m:t>𝑃</m:t>
+                      </m:r>
+                      <m:r>
+                        <a:rPr lang="en-US" sz="3200" b="0" i="1" smtClean="0">
+                          <a:latin typeface="Cambria Math" panose="02040503050406030204" pitchFamily="18" charset="0"/>
+                        </a:rPr>
+                        <m:t>+</m:t>
+                      </m:r>
+                      <m:sSub>
+                        <m:sSubPr>
+                          <m:ctrlPr>
+                            <a:rPr lang="en-US" sz="3200" b="0" i="1" smtClean="0">
+                              <a:latin typeface="Cambria Math" panose="02040503050406030204" pitchFamily="18" charset="0"/>
+                            </a:rPr>
+                          </m:ctrlPr>
+                        </m:sSubPr>
+                        <m:e>
+                          <m:r>
+                            <a:rPr lang="en-US" sz="3200" b="0" i="1" smtClean="0">
+                              <a:latin typeface="Cambria Math" panose="02040503050406030204" pitchFamily="18" charset="0"/>
+                            </a:rPr>
+                            <m:t>𝛽</m:t>
+                          </m:r>
+                        </m:e>
+                        <m:sub>
+                          <m:r>
+                            <a:rPr lang="en-US" sz="3200" b="0" i="1" smtClean="0">
+                              <a:latin typeface="Cambria Math" panose="02040503050406030204" pitchFamily="18" charset="0"/>
+                            </a:rPr>
+                            <m:t>0</m:t>
+                          </m:r>
+                        </m:sub>
+                      </m:sSub>
+                      <m:r>
+                        <a:rPr lang="en-US" sz="3200" b="0" i="1" smtClean="0">
+                          <a:latin typeface="Cambria Math" panose="02040503050406030204" pitchFamily="18" charset="0"/>
+                        </a:rPr>
+                        <m:t>+</m:t>
+                      </m:r>
+                      <m:sSub>
+                        <m:sSubPr>
+                          <m:ctrlPr>
+                            <a:rPr lang="en-US" sz="3200" b="0" i="1" smtClean="0">
+                              <a:latin typeface="Cambria Math" panose="02040503050406030204" pitchFamily="18" charset="0"/>
+                            </a:rPr>
+                          </m:ctrlPr>
+                        </m:sSubPr>
+                        <m:e>
+                          <m:sSub>
+                            <m:sSubPr>
+                              <m:ctrlPr>
+                                <a:rPr lang="en-US" sz="3200" b="0" i="1" smtClean="0">
+                                  <a:latin typeface="Cambria Math" panose="02040503050406030204" pitchFamily="18" charset="0"/>
+                                </a:rPr>
+                              </m:ctrlPr>
+                            </m:sSubPr>
+                            <m:e>
+                              <m:r>
+                                <a:rPr lang="en-US" sz="3200" b="0" i="1" smtClean="0">
+                                  <a:latin typeface="Cambria Math" panose="02040503050406030204" pitchFamily="18" charset="0"/>
+                                </a:rPr>
+                                <m:t>𝑋</m:t>
+                              </m:r>
+                            </m:e>
+                            <m:sub>
+                              <m:r>
+                                <a:rPr lang="en-US" sz="3200" b="0" i="1" smtClean="0">
+                                  <a:latin typeface="Cambria Math" panose="02040503050406030204" pitchFamily="18" charset="0"/>
+                                </a:rPr>
+                                <m:t>𝑖</m:t>
+                              </m:r>
+                            </m:sub>
+                          </m:sSub>
+                          <m:r>
+                            <a:rPr lang="en-US" sz="3200" b="0" i="1" smtClean="0">
+                              <a:latin typeface="Cambria Math" panose="02040503050406030204" pitchFamily="18" charset="0"/>
+                            </a:rPr>
+                            <m:t>𝛽</m:t>
+                          </m:r>
+                        </m:e>
+                        <m:sub>
+                          <m:r>
+                            <a:rPr lang="en-US" sz="3200" b="0" i="1" smtClean="0">
+                              <a:latin typeface="Cambria Math" panose="02040503050406030204" pitchFamily="18" charset="0"/>
+                            </a:rPr>
+                            <m:t>1</m:t>
+                          </m:r>
+                        </m:sub>
+                      </m:sSub>
+                      <m:r>
+                        <a:rPr lang="en-US" sz="3200" b="0" i="1" smtClean="0">
+                          <a:latin typeface="Cambria Math" panose="02040503050406030204" pitchFamily="18" charset="0"/>
+                        </a:rPr>
+                        <m:t>+</m:t>
+                      </m:r>
+                      <m:sSub>
+                        <m:sSubPr>
+                          <m:ctrlPr>
+                            <a:rPr lang="en-US" sz="3200" b="0" i="1" smtClean="0">
+                              <a:latin typeface="Cambria Math" panose="02040503050406030204" pitchFamily="18" charset="0"/>
+                            </a:rPr>
+                          </m:ctrlPr>
+                        </m:sSubPr>
+                        <m:e>
+                          <m:r>
+                            <a:rPr lang="en-US" sz="3200" b="0" i="1" smtClean="0">
+                              <a:latin typeface="Cambria Math" panose="02040503050406030204" pitchFamily="18" charset="0"/>
+                            </a:rPr>
+                            <m:t>𝑊</m:t>
+                          </m:r>
+                        </m:e>
+                        <m:sub>
+                          <m:r>
+                            <a:rPr lang="en-US" sz="3200" b="0" i="1" smtClean="0">
+                              <a:latin typeface="Cambria Math" panose="02040503050406030204" pitchFamily="18" charset="0"/>
+                            </a:rPr>
+                            <m:t>2</m:t>
+                          </m:r>
+                        </m:sub>
+                      </m:sSub>
+                      <m:r>
+                        <a:rPr lang="en-US" sz="3200" b="0" i="1" smtClean="0">
+                          <a:latin typeface="Cambria Math" panose="02040503050406030204" pitchFamily="18" charset="0"/>
+                        </a:rPr>
+                        <m:t>𝑋</m:t>
+                      </m:r>
+                      <m:r>
+                        <a:rPr lang="en-US" sz="3200" b="0" i="1" smtClean="0">
+                          <a:latin typeface="Cambria Math" panose="02040503050406030204" pitchFamily="18" charset="0"/>
+                        </a:rPr>
+                        <m:t>𝜃</m:t>
+                      </m:r>
+                      <m:r>
+                        <a:rPr lang="en-US" sz="3200" b="0" i="1" smtClean="0">
+                          <a:latin typeface="Cambria Math" panose="02040503050406030204" pitchFamily="18" charset="0"/>
+                        </a:rPr>
+                        <m:t>+</m:t>
+                      </m:r>
+                      <m:sSub>
+                        <m:sSubPr>
+                          <m:ctrlPr>
+                            <a:rPr lang="en-US" sz="3200" b="0" i="1" smtClean="0">
+                              <a:latin typeface="Cambria Math" panose="02040503050406030204" pitchFamily="18" charset="0"/>
+                            </a:rPr>
+                          </m:ctrlPr>
+                        </m:sSubPr>
+                        <m:e>
+                          <m:r>
+                            <a:rPr lang="en-US" sz="3200" b="0" i="1" smtClean="0">
+                              <a:latin typeface="Cambria Math" panose="02040503050406030204" pitchFamily="18" charset="0"/>
+                            </a:rPr>
+                            <m:t>𝜖</m:t>
+                          </m:r>
+                        </m:e>
+                        <m:sub>
+                          <m:r>
+                            <a:rPr lang="en-US" sz="3200" b="0" i="1" smtClean="0">
+                              <a:latin typeface="Cambria Math" panose="02040503050406030204" pitchFamily="18" charset="0"/>
+                            </a:rPr>
+                            <m:t>𝑖</m:t>
+                          </m:r>
+                        </m:sub>
+                      </m:sSub>
+                    </m:oMath>
+                  </m:oMathPara>
+                </a14:m>
+                <a:endParaRPr lang="en-US" sz="3200" dirty="0"/>
+              </a:p>
+            </p:txBody>
+          </p:sp>
+        </mc:Choice>
+        <mc:Fallback xmlns="">
+          <p:sp>
+            <p:nvSpPr>
+              <p:cNvPr id="4" name="TextBox 3">
+                <a:extLst>
+                  <a:ext uri="{FF2B5EF4-FFF2-40B4-BE49-F238E27FC236}">
+                    <a16:creationId xmlns:a16="http://schemas.microsoft.com/office/drawing/2014/main" id="{682F7450-929B-983B-B17C-D842F34A4A09}"/>
+                  </a:ext>
+                </a:extLst>
+              </p:cNvPr>
+              <p:cNvSpPr txBox="1">
+                <a:spLocks noRot="1" noChangeAspect="1" noMove="1" noResize="1" noEditPoints="1" noAdjustHandles="1" noChangeArrowheads="1" noChangeShapeType="1" noTextEdit="1"/>
+              </p:cNvSpPr>
+              <p:nvPr/>
+            </p:nvSpPr>
+            <p:spPr>
+              <a:xfrm>
+                <a:off x="2497033" y="3048000"/>
+                <a:ext cx="7197933" cy="492443"/>
+              </a:xfrm>
+              <a:prstGeom prst="rect">
+                <a:avLst/>
+              </a:prstGeom>
+              <a:blipFill>
+                <a:blip r:embed="rId3"/>
+                <a:stretch>
+                  <a:fillRect/>
+                </a:stretch>
+              </a:blipFill>
+            </p:spPr>
+            <p:txBody>
+              <a:bodyPr/>
+              <a:lstStyle/>
+              <a:p>
+                <a:r>
+                  <a:rPr lang="en-US">
+                    <a:noFill/>
+                  </a:rPr>
+                  <a:t> </a:t>
+                </a:r>
+              </a:p>
+            </p:txBody>
+          </p:sp>
+        </mc:Fallback>
+      </mc:AlternateContent>
+    </p:spTree>
+    <p:extLst>
+      <p:ext uri="{BB962C8B-B14F-4D97-AF65-F5344CB8AC3E}">
+        <p14:creationId xmlns:p14="http://schemas.microsoft.com/office/powerpoint/2010/main" val="3819212087"/>
+      </p:ext>
+    </p:extLst>
+  </p:cSld>
+  <p:clrMapOvr>
+    <a:masterClrMapping/>
+  </p:clrMapOvr>
+</p:sld>
+</file>
+
+<file path=ppt/slides/slide9.xml><?xml version="1.0" encoding="utf-8"?>
 <p:sld xmlns:a="http://schemas.openxmlformats.org/drawingml/2006/main" xmlns:r="http://schemas.openxmlformats.org/officeDocument/2006/relationships" xmlns:p="http://schemas.openxmlformats.org/presentationml/2006/main">
   <p:cSld>
     <p:spTree>
@@ -5013,2966 +8345,6 @@
       <p:bldP spid="31" grpId="0" animBg="1"/>
       <p:bldP spid="33" grpId="0" animBg="1"/>
       <p:bldP spid="35" grpId="0" animBg="1"/>
-    </p:bldLst>
-  </p:timing>
-</p:sld>
-</file>
-
-<file path=ppt/slides/slide11.xml><?xml version="1.0" encoding="utf-8"?>
-<p:sld xmlns:a="http://schemas.openxmlformats.org/drawingml/2006/main" xmlns:r="http://schemas.openxmlformats.org/officeDocument/2006/relationships" xmlns:p="http://schemas.openxmlformats.org/presentationml/2006/main">
-  <p:cSld>
-    <p:spTree>
-      <p:nvGrpSpPr>
-        <p:cNvPr id="1" name=""/>
-        <p:cNvGrpSpPr/>
-        <p:nvPr/>
-      </p:nvGrpSpPr>
-      <p:grpSpPr>
-        <a:xfrm>
-          <a:off x="0" y="0"/>
-          <a:ext cx="0" cy="0"/>
-          <a:chOff x="0" y="0"/>
-          <a:chExt cx="0" cy="0"/>
-        </a:xfrm>
-      </p:grpSpPr>
-      <p:sp>
-        <p:nvSpPr>
-          <p:cNvPr id="3" name="Title 2"/>
-          <p:cNvSpPr>
-            <a:spLocks noGrp="1"/>
-          </p:cNvSpPr>
-          <p:nvPr>
-            <p:ph type="title"/>
-          </p:nvPr>
-        </p:nvSpPr>
-        <p:spPr/>
-        <p:txBody>
-          <a:bodyPr/>
-          <a:lstStyle/>
-          <a:p>
-            <a:r>
-              <a:rPr lang="en-US" dirty="0"/>
-              <a:t>Methodology</a:t>
-            </a:r>
-          </a:p>
-        </p:txBody>
-      </p:sp>
-      <mc:AlternateContent xmlns:mc="http://schemas.openxmlformats.org/markup-compatibility/2006">
-        <mc:Choice xmlns:a14="http://schemas.microsoft.com/office/drawing/2010/main" Requires="a14">
-          <p:sp>
-            <p:nvSpPr>
-              <p:cNvPr id="2" name="Content Placeholder 1">
-                <a:extLst>
-                  <a:ext uri="{FF2B5EF4-FFF2-40B4-BE49-F238E27FC236}">
-                    <a16:creationId xmlns:a16="http://schemas.microsoft.com/office/drawing/2014/main" id="{87F57B80-B965-3B8F-DFC0-EACBADD3C374}"/>
-                  </a:ext>
-                </a:extLst>
-              </p:cNvPr>
-              <p:cNvSpPr>
-                <a:spLocks noGrp="1"/>
-              </p:cNvSpPr>
-              <p:nvPr>
-                <p:ph idx="1"/>
-              </p:nvPr>
-            </p:nvSpPr>
-            <p:spPr>
-              <a:xfrm>
-                <a:off x="609600" y="1371600"/>
-                <a:ext cx="10464800" cy="4648200"/>
-              </a:xfrm>
-            </p:spPr>
-            <p:txBody>
-              <a:bodyPr/>
-              <a:lstStyle/>
-              <a:p>
-                <a:r>
-                  <a:rPr lang="en-US" dirty="0"/>
-                  <a:t>The extremely large </a:t>
-                </a:r>
-                <a14:m>
-                  <m:oMath xmlns:m="http://schemas.openxmlformats.org/officeDocument/2006/math">
-                    <m:r>
-                      <a:rPr lang="en-US" b="0" i="1" smtClean="0">
-                        <a:latin typeface="Cambria Math" panose="02040503050406030204" pitchFamily="18" charset="0"/>
-                      </a:rPr>
-                      <m:t>𝜌</m:t>
-                    </m:r>
-                  </m:oMath>
-                </a14:m>
-                <a:r>
-                  <a:rPr lang="en-US" dirty="0"/>
-                  <a:t> seems to indicate an over-specification of the spatial weight matrix, mostly like due to ignorance of temporal factors (Pace, et. al.).</a:t>
-                </a:r>
-              </a:p>
-              <a:p>
-                <a:r>
-                  <a:rPr lang="en-US" dirty="0"/>
-                  <a:t>Two approaches:</a:t>
-                </a:r>
-              </a:p>
-              <a:p>
-                <a:pPr lvl="1"/>
-                <a:r>
-                  <a:rPr lang="en-US" sz="2400" dirty="0"/>
-                  <a:t>Pace, et. al. (2000): Decompose the </a:t>
-                </a:r>
-                <a14:m>
-                  <m:oMath xmlns:m="http://schemas.openxmlformats.org/officeDocument/2006/math">
-                    <m:r>
-                      <a:rPr lang="en-US" sz="2400" b="0" i="1" smtClean="0">
-                        <a:latin typeface="Cambria Math" panose="02040503050406030204" pitchFamily="18" charset="0"/>
-                      </a:rPr>
-                      <m:t>𝑊</m:t>
-                    </m:r>
-                  </m:oMath>
-                </a14:m>
-                <a:r>
-                  <a:rPr lang="en-US" sz="2400" dirty="0"/>
-                  <a:t> into </a:t>
-                </a:r>
-                <a14:m>
-                  <m:oMath xmlns:m="http://schemas.openxmlformats.org/officeDocument/2006/math">
-                    <m:r>
-                      <a:rPr lang="en-US" sz="2400" b="0" i="1" smtClean="0">
-                        <a:latin typeface="Cambria Math" panose="02040503050406030204" pitchFamily="18" charset="0"/>
-                      </a:rPr>
-                      <m:t>𝑆</m:t>
-                    </m:r>
-                    <m:r>
-                      <a:rPr lang="en-US" sz="2400" b="0" i="1" smtClean="0">
-                        <a:latin typeface="Cambria Math" panose="02040503050406030204" pitchFamily="18" charset="0"/>
-                      </a:rPr>
-                      <m:t>, </m:t>
-                    </m:r>
-                    <m:r>
-                      <a:rPr lang="en-US" sz="2400" b="0" i="1" smtClean="0">
-                        <a:latin typeface="Cambria Math" panose="02040503050406030204" pitchFamily="18" charset="0"/>
-                      </a:rPr>
-                      <m:t>𝑇</m:t>
-                    </m:r>
-                    <m:r>
-                      <a:rPr lang="en-US" sz="2400" b="0" i="1" smtClean="0">
-                        <a:latin typeface="Cambria Math" panose="02040503050406030204" pitchFamily="18" charset="0"/>
-                      </a:rPr>
-                      <m:t>, </m:t>
-                    </m:r>
-                    <m:r>
-                      <a:rPr lang="en-US" sz="2400" b="0" i="1" smtClean="0">
-                        <a:latin typeface="Cambria Math" panose="02040503050406030204" pitchFamily="18" charset="0"/>
-                      </a:rPr>
-                      <m:t>𝑆𝑇</m:t>
-                    </m:r>
-                    <m:r>
-                      <a:rPr lang="en-US" sz="2400" b="0" i="1" smtClean="0">
-                        <a:latin typeface="Cambria Math" panose="02040503050406030204" pitchFamily="18" charset="0"/>
-                      </a:rPr>
-                      <m:t>, </m:t>
-                    </m:r>
-                    <m:r>
-                      <a:rPr lang="en-US" sz="2400" b="0" i="1" smtClean="0">
-                        <a:latin typeface="Cambria Math" panose="02040503050406030204" pitchFamily="18" charset="0"/>
-                      </a:rPr>
-                      <m:t>𝑎𝑛𝑑</m:t>
-                    </m:r>
-                    <m:r>
-                      <a:rPr lang="en-US" sz="2400" b="0" i="1" smtClean="0">
-                        <a:latin typeface="Cambria Math" panose="02040503050406030204" pitchFamily="18" charset="0"/>
-                      </a:rPr>
-                      <m:t> </m:t>
-                    </m:r>
-                    <m:r>
-                      <a:rPr lang="en-US" sz="2400" b="0" i="1" smtClean="0">
-                        <a:latin typeface="Cambria Math" panose="02040503050406030204" pitchFamily="18" charset="0"/>
-                      </a:rPr>
-                      <m:t>𝑇𝑆</m:t>
-                    </m:r>
-                  </m:oMath>
-                </a14:m>
-                <a:r>
-                  <a:rPr lang="en-US" sz="2400" dirty="0"/>
-                  <a:t> after sorting observations by close date. </a:t>
-                </a:r>
-              </a:p>
-              <a:p>
-                <a:pPr lvl="1"/>
-                <a:r>
-                  <a:rPr lang="en-US" sz="2400" dirty="0"/>
-                  <a:t>Thanos, Dubé, </a:t>
-                </a:r>
-                <a:r>
-                  <a:rPr lang="en-US" sz="2400" dirty="0" err="1"/>
-                  <a:t>Legros</a:t>
-                </a:r>
-                <a:r>
-                  <a:rPr lang="en-US" sz="2400" dirty="0"/>
-                  <a:t>: Create separate </a:t>
-                </a:r>
-                <a14:m>
-                  <m:oMath xmlns:m="http://schemas.openxmlformats.org/officeDocument/2006/math">
-                    <m:r>
-                      <a:rPr lang="en-US" sz="2400" b="0" i="1" smtClean="0">
-                        <a:latin typeface="Cambria Math" panose="02040503050406030204" pitchFamily="18" charset="0"/>
-                      </a:rPr>
-                      <m:t>𝑆</m:t>
-                    </m:r>
-                    <m:r>
-                      <a:rPr lang="en-US" sz="2400" b="0" i="1" smtClean="0">
-                        <a:latin typeface="Cambria Math" panose="02040503050406030204" pitchFamily="18" charset="0"/>
-                      </a:rPr>
-                      <m:t> </m:t>
-                    </m:r>
-                    <m:r>
-                      <a:rPr lang="en-US" sz="2400" b="0" i="1" smtClean="0">
-                        <a:latin typeface="Cambria Math" panose="02040503050406030204" pitchFamily="18" charset="0"/>
-                      </a:rPr>
-                      <m:t>𝑎𝑛𝑑</m:t>
-                    </m:r>
-                    <m:r>
-                      <a:rPr lang="en-US" sz="2400" b="0" i="1" smtClean="0">
-                        <a:latin typeface="Cambria Math" panose="02040503050406030204" pitchFamily="18" charset="0"/>
-                      </a:rPr>
-                      <m:t> </m:t>
-                    </m:r>
-                    <m:r>
-                      <a:rPr lang="en-US" sz="2400" b="0" i="1" smtClean="0">
-                        <a:latin typeface="Cambria Math" panose="02040503050406030204" pitchFamily="18" charset="0"/>
-                      </a:rPr>
-                      <m:t>𝑇</m:t>
-                    </m:r>
-                  </m:oMath>
-                </a14:m>
-                <a:r>
-                  <a:rPr lang="en-US" sz="2400" dirty="0"/>
-                  <a:t> matrix and then use the </a:t>
-                </a:r>
-                <a:r>
-                  <a:rPr lang="en-US" sz="2400" dirty="0" err="1"/>
-                  <a:t>Haramand</a:t>
-                </a:r>
-                <a:r>
-                  <a:rPr lang="en-US" sz="2400" dirty="0"/>
-                  <a:t> Product to create a usable </a:t>
-                </a:r>
-                <a14:m>
-                  <m:oMath xmlns:m="http://schemas.openxmlformats.org/officeDocument/2006/math">
-                    <m:sSub>
-                      <m:sSubPr>
-                        <m:ctrlPr>
-                          <a:rPr lang="en-US" sz="2400" b="0" i="1" smtClean="0">
-                            <a:latin typeface="Cambria Math" panose="02040503050406030204" pitchFamily="18" charset="0"/>
-                          </a:rPr>
-                        </m:ctrlPr>
-                      </m:sSubPr>
-                      <m:e>
-                        <m:r>
-                          <a:rPr lang="en-US" sz="2400" b="0" i="1" smtClean="0">
-                            <a:latin typeface="Cambria Math" panose="02040503050406030204" pitchFamily="18" charset="0"/>
-                          </a:rPr>
-                          <m:t>𝑊</m:t>
-                        </m:r>
-                      </m:e>
-                      <m:sub>
-                        <m:r>
-                          <a:rPr lang="en-US" sz="2400" b="0" i="1" smtClean="0">
-                            <a:latin typeface="Cambria Math" panose="02040503050406030204" pitchFamily="18" charset="0"/>
-                          </a:rPr>
-                          <m:t>𝐻𝑃</m:t>
-                        </m:r>
-                      </m:sub>
-                    </m:sSub>
-                    <m:r>
-                      <a:rPr lang="en-US" sz="2400" b="0" i="1" smtClean="0">
-                        <a:latin typeface="Cambria Math" panose="02040503050406030204" pitchFamily="18" charset="0"/>
-                      </a:rPr>
-                      <m:t>=</m:t>
-                    </m:r>
-                    <m:r>
-                      <a:rPr lang="en-US" sz="2400" b="0" i="1" smtClean="0">
-                        <a:latin typeface="Cambria Math" panose="02040503050406030204" pitchFamily="18" charset="0"/>
-                      </a:rPr>
-                      <m:t>𝑆</m:t>
-                    </m:r>
-                    <m:r>
-                      <a:rPr lang="en-US" sz="2400" b="0" i="1" smtClean="0">
-                        <a:latin typeface="Cambria Math" panose="02040503050406030204" pitchFamily="18" charset="0"/>
-                        <a:ea typeface="Cambria Math" panose="02040503050406030204" pitchFamily="18" charset="0"/>
-                      </a:rPr>
-                      <m:t>⊙</m:t>
-                    </m:r>
-                    <m:r>
-                      <a:rPr lang="en-US" sz="2400" b="0" i="1" smtClean="0">
-                        <a:latin typeface="Cambria Math" panose="02040503050406030204" pitchFamily="18" charset="0"/>
-                      </a:rPr>
-                      <m:t>𝑇</m:t>
-                    </m:r>
-                  </m:oMath>
-                </a14:m>
-                <a:endParaRPr lang="en-US" sz="2400" dirty="0"/>
-              </a:p>
-              <a:p>
-                <a:endParaRPr lang="en-US" dirty="0"/>
-              </a:p>
-            </p:txBody>
-          </p:sp>
-        </mc:Choice>
-        <mc:Fallback>
-          <p:sp>
-            <p:nvSpPr>
-              <p:cNvPr id="2" name="Content Placeholder 1">
-                <a:extLst>
-                  <a:ext uri="{FF2B5EF4-FFF2-40B4-BE49-F238E27FC236}">
-                    <a16:creationId xmlns:a16="http://schemas.microsoft.com/office/drawing/2014/main" id="{87F57B80-B965-3B8F-DFC0-EACBADD3C374}"/>
-                  </a:ext>
-                </a:extLst>
-              </p:cNvPr>
-              <p:cNvSpPr>
-                <a:spLocks noGrp="1" noRot="1" noChangeAspect="1" noMove="1" noResize="1" noEditPoints="1" noAdjustHandles="1" noChangeArrowheads="1" noChangeShapeType="1" noTextEdit="1"/>
-              </p:cNvSpPr>
-              <p:nvPr>
-                <p:ph idx="1"/>
-              </p:nvPr>
-            </p:nvSpPr>
-            <p:spPr>
-              <a:xfrm>
-                <a:off x="609600" y="1371600"/>
-                <a:ext cx="10464800" cy="4648200"/>
-              </a:xfrm>
-              <a:blipFill>
-                <a:blip r:embed="rId2"/>
-                <a:stretch>
-                  <a:fillRect l="-1048" t="-1311"/>
-                </a:stretch>
-              </a:blipFill>
-            </p:spPr>
-            <p:txBody>
-              <a:bodyPr/>
-              <a:lstStyle/>
-              <a:p>
-                <a:r>
-                  <a:rPr lang="en-US">
-                    <a:noFill/>
-                  </a:rPr>
-                  <a:t> </a:t>
-                </a:r>
-              </a:p>
-            </p:txBody>
-          </p:sp>
-        </mc:Fallback>
-      </mc:AlternateContent>
-    </p:spTree>
-    <p:extLst>
-      <p:ext uri="{BB962C8B-B14F-4D97-AF65-F5344CB8AC3E}">
-        <p14:creationId xmlns:p14="http://schemas.microsoft.com/office/powerpoint/2010/main" val="1474635477"/>
-      </p:ext>
-    </p:extLst>
-  </p:cSld>
-  <p:clrMapOvr>
-    <a:masterClrMapping/>
-  </p:clrMapOvr>
-</p:sld>
-</file>
-
-<file path=ppt/slides/slide12.xml><?xml version="1.0" encoding="utf-8"?>
-<p:sld xmlns:a="http://schemas.openxmlformats.org/drawingml/2006/main" xmlns:r="http://schemas.openxmlformats.org/officeDocument/2006/relationships" xmlns:p="http://schemas.openxmlformats.org/presentationml/2006/main">
-  <p:cSld>
-    <p:spTree>
-      <p:nvGrpSpPr>
-        <p:cNvPr id="1" name=""/>
-        <p:cNvGrpSpPr/>
-        <p:nvPr/>
-      </p:nvGrpSpPr>
-      <p:grpSpPr>
-        <a:xfrm>
-          <a:off x="0" y="0"/>
-          <a:ext cx="0" cy="0"/>
-          <a:chOff x="0" y="0"/>
-          <a:chExt cx="0" cy="0"/>
-        </a:xfrm>
-      </p:grpSpPr>
-      <p:sp>
-        <p:nvSpPr>
-          <p:cNvPr id="2" name="Content Placeholder 1"/>
-          <p:cNvSpPr>
-            <a:spLocks noGrp="1"/>
-          </p:cNvSpPr>
-          <p:nvPr>
-            <p:ph idx="1"/>
-          </p:nvPr>
-        </p:nvSpPr>
-        <p:spPr/>
-        <p:txBody>
-          <a:bodyPr/>
-          <a:lstStyle/>
-          <a:p>
-            <a:r>
-              <a:rPr lang="en-US" dirty="0"/>
-              <a:t>Did the response to the Covid-19 Pandemic impact the value of residential property?</a:t>
-            </a:r>
-          </a:p>
-          <a:p>
-            <a:pPr marL="0" indent="0">
-              <a:buNone/>
-            </a:pPr>
-            <a:r>
-              <a:rPr lang="en-US" sz="3200" b="1" dirty="0"/>
-              <a:t>Yes, but….</a:t>
-            </a:r>
-          </a:p>
-          <a:p>
-            <a:pPr marL="0" indent="0">
-              <a:buNone/>
-            </a:pPr>
-            <a:endParaRPr lang="en-US" sz="3200" b="1" dirty="0"/>
-          </a:p>
-          <a:p>
-            <a:r>
-              <a:rPr lang="en-US" dirty="0"/>
-              <a:t>Was the consumer response to the Covid-19 Pandemic homogenous across residential property types?</a:t>
-            </a:r>
-          </a:p>
-          <a:p>
-            <a:pPr marL="0" indent="0">
-              <a:buNone/>
-            </a:pPr>
-            <a:r>
-              <a:rPr lang="en-US" sz="3200" b="1" dirty="0"/>
-              <a:t>No, Single Family homes seem to benefit while condos and townhomes saw no impact at all.</a:t>
-            </a:r>
-          </a:p>
-          <a:p>
-            <a:endParaRPr lang="en-US" dirty="0"/>
-          </a:p>
-        </p:txBody>
-      </p:sp>
-      <p:sp>
-        <p:nvSpPr>
-          <p:cNvPr id="3" name="Title 2"/>
-          <p:cNvSpPr>
-            <a:spLocks noGrp="1"/>
-          </p:cNvSpPr>
-          <p:nvPr>
-            <p:ph type="title"/>
-          </p:nvPr>
-        </p:nvSpPr>
-        <p:spPr/>
-        <p:txBody>
-          <a:bodyPr/>
-          <a:lstStyle/>
-          <a:p>
-            <a:r>
-              <a:rPr lang="en-US" dirty="0"/>
-              <a:t>Conclusions</a:t>
-            </a:r>
-          </a:p>
-        </p:txBody>
-      </p:sp>
-    </p:spTree>
-    <p:extLst>
-      <p:ext uri="{BB962C8B-B14F-4D97-AF65-F5344CB8AC3E}">
-        <p14:creationId xmlns:p14="http://schemas.microsoft.com/office/powerpoint/2010/main" val="2233658571"/>
-      </p:ext>
-    </p:extLst>
-  </p:cSld>
-  <p:clrMapOvr>
-    <a:masterClrMapping/>
-  </p:clrMapOvr>
-</p:sld>
-</file>
-
-<file path=ppt/slides/slide2.xml><?xml version="1.0" encoding="utf-8"?>
-<p:sld xmlns:a="http://schemas.openxmlformats.org/drawingml/2006/main" xmlns:r="http://schemas.openxmlformats.org/officeDocument/2006/relationships" xmlns:p="http://schemas.openxmlformats.org/presentationml/2006/main">
-  <p:cSld>
-    <p:spTree>
-      <p:nvGrpSpPr>
-        <p:cNvPr id="1" name=""/>
-        <p:cNvGrpSpPr/>
-        <p:nvPr/>
-      </p:nvGrpSpPr>
-      <p:grpSpPr>
-        <a:xfrm>
-          <a:off x="0" y="0"/>
-          <a:ext cx="0" cy="0"/>
-          <a:chOff x="0" y="0"/>
-          <a:chExt cx="0" cy="0"/>
-        </a:xfrm>
-      </p:grpSpPr>
-      <p:sp>
-        <p:nvSpPr>
-          <p:cNvPr id="2" name="Content Placeholder 1"/>
-          <p:cNvSpPr>
-            <a:spLocks noGrp="1"/>
-          </p:cNvSpPr>
-          <p:nvPr>
-            <p:ph idx="1"/>
-          </p:nvPr>
-        </p:nvSpPr>
-        <p:spPr/>
-        <p:txBody>
-          <a:bodyPr>
-            <a:normAutofit/>
-          </a:bodyPr>
-          <a:lstStyle/>
-          <a:p>
-            <a:r>
-              <a:rPr lang="en-US" dirty="0"/>
-              <a:t>How did the government response to the Covid-19 Pandemic impact the value of residential property?</a:t>
-            </a:r>
-          </a:p>
-          <a:p>
-            <a:pPr lvl="1"/>
-            <a:r>
-              <a:rPr lang="en-US" sz="2400" dirty="0"/>
-              <a:t>Interest rate changes</a:t>
-            </a:r>
-          </a:p>
-          <a:p>
-            <a:pPr lvl="1"/>
-            <a:r>
-              <a:rPr lang="en-US" sz="2400" dirty="0"/>
-              <a:t>“Free” money</a:t>
-            </a:r>
-          </a:p>
-          <a:p>
-            <a:r>
-              <a:rPr lang="en-US" dirty="0"/>
-              <a:t>How did any change in housing consumer preferences in response to the Covid-19 Pandemic impact the value of residential property?</a:t>
-            </a:r>
-          </a:p>
-          <a:p>
-            <a:pPr lvl="1"/>
-            <a:r>
-              <a:rPr lang="en-US" sz="2400" dirty="0"/>
-              <a:t>Working from home</a:t>
-            </a:r>
-          </a:p>
-          <a:p>
-            <a:pPr lvl="1"/>
-            <a:r>
-              <a:rPr lang="en-US" sz="2400" dirty="0"/>
-              <a:t>Having neighbors</a:t>
-            </a:r>
-          </a:p>
-          <a:p>
-            <a:endParaRPr lang="en-US" dirty="0"/>
-          </a:p>
-        </p:txBody>
-      </p:sp>
-      <p:sp>
-        <p:nvSpPr>
-          <p:cNvPr id="3" name="Title 2"/>
-          <p:cNvSpPr>
-            <a:spLocks noGrp="1"/>
-          </p:cNvSpPr>
-          <p:nvPr>
-            <p:ph type="title"/>
-          </p:nvPr>
-        </p:nvSpPr>
-        <p:spPr/>
-        <p:txBody>
-          <a:bodyPr/>
-          <a:lstStyle/>
-          <a:p>
-            <a:r>
-              <a:rPr lang="en-US" dirty="0"/>
-              <a:t>Key Questions</a:t>
-            </a:r>
-          </a:p>
-        </p:txBody>
-      </p:sp>
-    </p:spTree>
-    <p:extLst>
-      <p:ext uri="{BB962C8B-B14F-4D97-AF65-F5344CB8AC3E}">
-        <p14:creationId xmlns:p14="http://schemas.microsoft.com/office/powerpoint/2010/main" val="397412603"/>
-      </p:ext>
-    </p:extLst>
-  </p:cSld>
-  <p:clrMapOvr>
-    <a:masterClrMapping/>
-  </p:clrMapOvr>
-</p:sld>
-</file>
-
-<file path=ppt/slides/slide3.xml><?xml version="1.0" encoding="utf-8"?>
-<p:sld xmlns:a="http://schemas.openxmlformats.org/drawingml/2006/main" xmlns:r="http://schemas.openxmlformats.org/officeDocument/2006/relationships" xmlns:p="http://schemas.openxmlformats.org/presentationml/2006/main">
-  <p:cSld>
-    <p:spTree>
-      <p:nvGrpSpPr>
-        <p:cNvPr id="1" name=""/>
-        <p:cNvGrpSpPr/>
-        <p:nvPr/>
-      </p:nvGrpSpPr>
-      <p:grpSpPr>
-        <a:xfrm>
-          <a:off x="0" y="0"/>
-          <a:ext cx="0" cy="0"/>
-          <a:chOff x="0" y="0"/>
-          <a:chExt cx="0" cy="0"/>
-        </a:xfrm>
-      </p:grpSpPr>
-      <p:sp>
-        <p:nvSpPr>
-          <p:cNvPr id="6" name="TextBox 5">
-            <a:extLst>
-              <a:ext uri="{FF2B5EF4-FFF2-40B4-BE49-F238E27FC236}">
-                <a16:creationId xmlns:a16="http://schemas.microsoft.com/office/drawing/2014/main" id="{2DEFF975-3C08-E0FD-6D64-71139E26177E}"/>
-              </a:ext>
-            </a:extLst>
-          </p:cNvPr>
-          <p:cNvSpPr txBox="1"/>
-          <p:nvPr/>
-        </p:nvSpPr>
-        <p:spPr>
-          <a:xfrm>
-            <a:off x="6121400" y="2572315"/>
-            <a:ext cx="2971800" cy="3662541"/>
-          </a:xfrm>
-          <a:prstGeom prst="rect">
-            <a:avLst/>
-          </a:prstGeom>
-          <a:noFill/>
-        </p:spPr>
-        <p:txBody>
-          <a:bodyPr wrap="square" rtlCol="0">
-            <a:spAutoFit/>
-          </a:bodyPr>
-          <a:lstStyle/>
-          <a:p>
-            <a:pPr algn="ctr"/>
-            <a:r>
-              <a:rPr lang="en-US" sz="2400" b="1" dirty="0">
-                <a:effectLst>
-                  <a:outerShdw blurRad="38100" dist="38100" dir="2700000" algn="tl">
-                    <a:srgbClr val="000000">
-                      <a:alpha val="43137"/>
-                    </a:srgbClr>
-                  </a:outerShdw>
-                </a:effectLst>
-              </a:rPr>
-              <a:t>Positive Impact</a:t>
-            </a:r>
-          </a:p>
-          <a:p>
-            <a:pPr marL="457200" indent="-457200"/>
-            <a:r>
-              <a:rPr lang="en-US" sz="1600" dirty="0"/>
-              <a:t>Kadi, et. al. (2020): Austria (B&amp;B to Rental)</a:t>
-            </a:r>
-          </a:p>
-          <a:p>
-            <a:pPr marL="457200" indent="-457200"/>
-            <a:r>
-              <a:rPr lang="en-US" sz="1600" dirty="0"/>
-              <a:t>Verma &amp; Husain (2020): Canada</a:t>
-            </a:r>
-          </a:p>
-          <a:p>
-            <a:pPr marL="457200" indent="-457200"/>
-            <a:r>
-              <a:rPr lang="en-US" sz="1600" dirty="0" err="1"/>
-              <a:t>Arcaya</a:t>
-            </a:r>
-            <a:r>
-              <a:rPr lang="en-US" sz="1600" dirty="0"/>
-              <a:t>, et. al. (2020)</a:t>
-            </a:r>
-          </a:p>
-          <a:p>
-            <a:pPr marL="457200" indent="-457200"/>
-            <a:r>
-              <a:rPr lang="en-US" sz="1600" dirty="0"/>
-              <a:t>Yang &amp; Zhou (2021): China</a:t>
-            </a:r>
-          </a:p>
-          <a:p>
-            <a:pPr marL="457200" indent="-457200"/>
-            <a:endParaRPr lang="en-US" sz="1600" dirty="0"/>
-          </a:p>
-          <a:p>
-            <a:pPr marL="457200" indent="-457200"/>
-            <a:endParaRPr lang="en-US" sz="1600" dirty="0"/>
-          </a:p>
-          <a:p>
-            <a:pPr marL="457200" indent="-457200"/>
-            <a:endParaRPr lang="en-US" sz="1600" dirty="0"/>
-          </a:p>
-          <a:p>
-            <a:pPr marL="457200" indent="-457200"/>
-            <a:endParaRPr lang="en-US" sz="1600" dirty="0"/>
-          </a:p>
-          <a:p>
-            <a:pPr marL="457200" indent="-457200"/>
-            <a:endParaRPr lang="en-US" sz="1600" dirty="0"/>
-          </a:p>
-          <a:p>
-            <a:pPr marL="457200" indent="-457200"/>
-            <a:endParaRPr lang="en-US" sz="1600" dirty="0"/>
-          </a:p>
-          <a:p>
-            <a:pPr marL="457200" indent="-457200"/>
-            <a:endParaRPr lang="en-US" sz="1600" dirty="0"/>
-          </a:p>
-        </p:txBody>
-      </p:sp>
-      <p:sp>
-        <p:nvSpPr>
-          <p:cNvPr id="7" name="TextBox 6">
-            <a:extLst>
-              <a:ext uri="{FF2B5EF4-FFF2-40B4-BE49-F238E27FC236}">
-                <a16:creationId xmlns:a16="http://schemas.microsoft.com/office/drawing/2014/main" id="{7DBA8EA8-08D4-29A6-5B52-9C01D62EF540}"/>
-              </a:ext>
-            </a:extLst>
-          </p:cNvPr>
-          <p:cNvSpPr txBox="1"/>
-          <p:nvPr/>
-        </p:nvSpPr>
-        <p:spPr>
-          <a:xfrm>
-            <a:off x="9144000" y="2572315"/>
-            <a:ext cx="2971800" cy="3662541"/>
-          </a:xfrm>
-          <a:prstGeom prst="rect">
-            <a:avLst/>
-          </a:prstGeom>
-          <a:noFill/>
-        </p:spPr>
-        <p:txBody>
-          <a:bodyPr wrap="square" rtlCol="0">
-            <a:spAutoFit/>
-          </a:bodyPr>
-          <a:lstStyle/>
-          <a:p>
-            <a:pPr algn="ctr"/>
-            <a:r>
-              <a:rPr lang="en-US" sz="2400" b="1" dirty="0">
-                <a:effectLst>
-                  <a:outerShdw blurRad="38100" dist="38100" dir="2700000" algn="tl">
-                    <a:srgbClr val="000000">
-                      <a:alpha val="43137"/>
-                    </a:srgbClr>
-                  </a:outerShdw>
-                </a:effectLst>
-              </a:rPr>
-              <a:t>Mixed Impact</a:t>
-            </a:r>
-          </a:p>
-          <a:p>
-            <a:pPr marL="457200" indent="-457200"/>
-            <a:r>
-              <a:rPr lang="en-US" sz="1600" dirty="0"/>
-              <a:t>Li &amp; Zhang (2021): US (population density)</a:t>
-            </a:r>
-          </a:p>
-          <a:p>
-            <a:pPr marL="457200" indent="-457200"/>
-            <a:r>
-              <a:rPr lang="en-US" sz="1600" dirty="0"/>
-              <a:t>Wang (2021): US Metro (Houston, Santa Clara, Irvine, Des Moines increase; Honolulu decrease)</a:t>
-            </a:r>
-          </a:p>
-          <a:p>
-            <a:pPr marL="457200" indent="-457200"/>
-            <a:r>
-              <a:rPr lang="en-US" sz="1600" dirty="0"/>
-              <a:t>Gupta, et. al. (2022): US (city vs. suburban)</a:t>
-            </a:r>
-          </a:p>
-          <a:p>
-            <a:pPr marL="457200" indent="-457200"/>
-            <a:r>
-              <a:rPr lang="en-US" sz="1600" dirty="0" err="1"/>
-              <a:t>D’Lima</a:t>
-            </a:r>
-            <a:r>
-              <a:rPr lang="en-US" sz="1600" dirty="0"/>
-              <a:t>, et. al. (2022): US (population density)</a:t>
-            </a:r>
-          </a:p>
-          <a:p>
-            <a:pPr marL="457200" indent="-457200"/>
-            <a:r>
-              <a:rPr lang="en-US" sz="1600" dirty="0"/>
-              <a:t>Yang, et. al. (2023): China (low vs. high income housing)</a:t>
-            </a:r>
-          </a:p>
-        </p:txBody>
-      </p:sp>
-      <p:sp>
-        <p:nvSpPr>
-          <p:cNvPr id="2" name="Content Placeholder 1"/>
-          <p:cNvSpPr>
-            <a:spLocks noGrp="1"/>
-          </p:cNvSpPr>
-          <p:nvPr>
-            <p:ph idx="1"/>
-          </p:nvPr>
-        </p:nvSpPr>
-        <p:spPr/>
-        <p:txBody>
-          <a:bodyPr/>
-          <a:lstStyle/>
-          <a:p>
-            <a:r>
-              <a:rPr lang="en-US" dirty="0"/>
-              <a:t>Overall results are mixed, primarily due to the small window from which the data is drawn.</a:t>
-            </a:r>
-          </a:p>
-          <a:p>
-            <a:endParaRPr lang="en-US" dirty="0"/>
-          </a:p>
-        </p:txBody>
-      </p:sp>
-      <p:sp>
-        <p:nvSpPr>
-          <p:cNvPr id="3" name="Title 2"/>
-          <p:cNvSpPr>
-            <a:spLocks noGrp="1"/>
-          </p:cNvSpPr>
-          <p:nvPr>
-            <p:ph type="title"/>
-          </p:nvPr>
-        </p:nvSpPr>
-        <p:spPr/>
-        <p:txBody>
-          <a:bodyPr/>
-          <a:lstStyle/>
-          <a:p>
-            <a:r>
-              <a:rPr lang="en-US" dirty="0"/>
-              <a:t>Literature Review</a:t>
-            </a:r>
-          </a:p>
-        </p:txBody>
-      </p:sp>
-      <p:sp>
-        <p:nvSpPr>
-          <p:cNvPr id="4" name="TextBox 3">
-            <a:extLst>
-              <a:ext uri="{FF2B5EF4-FFF2-40B4-BE49-F238E27FC236}">
-                <a16:creationId xmlns:a16="http://schemas.microsoft.com/office/drawing/2014/main" id="{62563F27-CFD4-F67E-5B9B-D749C279EA4E}"/>
-              </a:ext>
-            </a:extLst>
-          </p:cNvPr>
-          <p:cNvSpPr txBox="1"/>
-          <p:nvPr/>
-        </p:nvSpPr>
-        <p:spPr>
-          <a:xfrm>
-            <a:off x="76200" y="2541537"/>
-            <a:ext cx="2971800" cy="3724096"/>
-          </a:xfrm>
-          <a:prstGeom prst="rect">
-            <a:avLst/>
-          </a:prstGeom>
-          <a:noFill/>
-        </p:spPr>
-        <p:txBody>
-          <a:bodyPr wrap="square" rtlCol="0">
-            <a:spAutoFit/>
-          </a:bodyPr>
-          <a:lstStyle/>
-          <a:p>
-            <a:pPr algn="ctr"/>
-            <a:r>
-              <a:rPr lang="en-US" sz="2400" b="1" dirty="0">
-                <a:effectLst>
-                  <a:outerShdw blurRad="38100" dist="38100" dir="2700000" algn="tl">
-                    <a:srgbClr val="000000">
-                      <a:alpha val="43137"/>
-                    </a:srgbClr>
-                  </a:outerShdw>
-                </a:effectLst>
-              </a:rPr>
-              <a:t>No Impact</a:t>
-            </a:r>
-          </a:p>
-          <a:p>
-            <a:pPr marL="457200" indent="-457200"/>
-            <a:r>
-              <a:rPr lang="en-US" sz="1600" dirty="0"/>
-              <a:t>Delgado &amp; </a:t>
-            </a:r>
-            <a:r>
-              <a:rPr lang="en-US" sz="1600" dirty="0" err="1"/>
-              <a:t>Katafuchi</a:t>
-            </a:r>
-            <a:r>
-              <a:rPr lang="en-US" sz="1600" dirty="0"/>
-              <a:t> (2020) - Japan</a:t>
-            </a:r>
-          </a:p>
-          <a:p>
-            <a:pPr marL="457200" indent="-457200"/>
-            <a:r>
-              <a:rPr lang="en-US" sz="1600" dirty="0" err="1"/>
-              <a:t>Yoruk</a:t>
-            </a:r>
-            <a:r>
-              <a:rPr lang="en-US" sz="1600" dirty="0"/>
-              <a:t>, B. K. (2022) – Metro Areas</a:t>
-            </a:r>
-          </a:p>
-          <a:p>
-            <a:pPr marL="457200" indent="-457200"/>
-            <a:r>
-              <a:rPr lang="en-US" sz="1600" dirty="0"/>
-              <a:t>Zeng &amp; Yi (2022) – Wuhan area</a:t>
-            </a:r>
-          </a:p>
-          <a:p>
-            <a:endParaRPr lang="en-US" sz="1600" dirty="0"/>
-          </a:p>
-          <a:p>
-            <a:r>
-              <a:rPr lang="en-US" dirty="0"/>
-              <a:t>Generally found decreases in volume but no discernable impact on price.</a:t>
-            </a:r>
-          </a:p>
-          <a:p>
-            <a:endParaRPr lang="en-US" sz="2000" dirty="0"/>
-          </a:p>
-        </p:txBody>
-      </p:sp>
-      <p:sp>
-        <p:nvSpPr>
-          <p:cNvPr id="5" name="TextBox 4">
-            <a:extLst>
-              <a:ext uri="{FF2B5EF4-FFF2-40B4-BE49-F238E27FC236}">
-                <a16:creationId xmlns:a16="http://schemas.microsoft.com/office/drawing/2014/main" id="{1C733D04-8BFF-EBBC-7A29-C9EACC10F9C9}"/>
-              </a:ext>
-            </a:extLst>
-          </p:cNvPr>
-          <p:cNvSpPr txBox="1"/>
-          <p:nvPr/>
-        </p:nvSpPr>
-        <p:spPr>
-          <a:xfrm>
-            <a:off x="3098800" y="2572315"/>
-            <a:ext cx="2971800" cy="3662541"/>
-          </a:xfrm>
-          <a:prstGeom prst="rect">
-            <a:avLst/>
-          </a:prstGeom>
-          <a:noFill/>
-        </p:spPr>
-        <p:txBody>
-          <a:bodyPr wrap="square" rtlCol="0">
-            <a:spAutoFit/>
-          </a:bodyPr>
-          <a:lstStyle/>
-          <a:p>
-            <a:pPr algn="ctr"/>
-            <a:r>
-              <a:rPr lang="en-US" sz="2400" b="1" dirty="0">
-                <a:effectLst>
-                  <a:outerShdw blurRad="38100" dist="38100" dir="2700000" algn="tl">
-                    <a:srgbClr val="000000">
-                      <a:alpha val="43137"/>
-                    </a:srgbClr>
-                  </a:outerShdw>
-                </a:effectLst>
-              </a:rPr>
-              <a:t>Negative Impact</a:t>
-            </a:r>
-          </a:p>
-          <a:p>
-            <a:pPr marL="457200" indent="-457200"/>
-            <a:r>
-              <a:rPr lang="en-US" sz="1600" dirty="0"/>
-              <a:t>Del Giudice, et. al. (2020): Italy (4.16%)</a:t>
-            </a:r>
-          </a:p>
-          <a:p>
-            <a:pPr marL="457200" indent="-457200"/>
-            <a:r>
-              <a:rPr lang="en-US" sz="1600" dirty="0"/>
-              <a:t>Hu, et. al. (2021) – Austrian (0.35 – 1.26%)</a:t>
-            </a:r>
-          </a:p>
-          <a:p>
-            <a:pPr marL="457200" indent="-457200"/>
-            <a:r>
-              <a:rPr lang="en-US" sz="1600" dirty="0"/>
-              <a:t>Qian, et. al. (2021): Ireland (2.47%)</a:t>
-            </a:r>
-          </a:p>
-          <a:p>
-            <a:pPr marL="457200" indent="-457200"/>
-            <a:r>
-              <a:rPr lang="en-US" sz="1600" dirty="0" err="1"/>
-              <a:t>Francke</a:t>
-            </a:r>
-            <a:r>
-              <a:rPr lang="en-US" sz="1600" dirty="0"/>
-              <a:t> &amp; </a:t>
-            </a:r>
-            <a:r>
-              <a:rPr lang="en-US" sz="1600" dirty="0" err="1"/>
-              <a:t>Korevaar</a:t>
-            </a:r>
-            <a:r>
-              <a:rPr lang="en-US" sz="1600" dirty="0"/>
-              <a:t> (2021): Amsterdam and Paris (risk premium </a:t>
-            </a:r>
-            <a:r>
-              <a:rPr lang="en-US" sz="1600" dirty="0">
-                <a:sym typeface="Symbol" panose="05050102010706020507" pitchFamily="18" charset="2"/>
-              </a:rPr>
-              <a:t></a:t>
-            </a:r>
-            <a:r>
-              <a:rPr lang="en-US" sz="1600" dirty="0"/>
-              <a:t>)</a:t>
-            </a:r>
-          </a:p>
-          <a:p>
-            <a:pPr marL="457200" indent="-457200"/>
-            <a:r>
-              <a:rPr lang="en-US" sz="1600" dirty="0"/>
-              <a:t>Liu &amp; Su (2021):  (shift by density)</a:t>
-            </a:r>
-          </a:p>
-          <a:p>
-            <a:pPr marL="457200" indent="-457200"/>
-            <a:endParaRPr lang="en-US" sz="1600" dirty="0"/>
-          </a:p>
-          <a:p>
-            <a:pPr marL="457200" indent="-457200"/>
-            <a:endParaRPr lang="en-US" sz="1600" dirty="0"/>
-          </a:p>
-        </p:txBody>
-      </p:sp>
-      <p:cxnSp>
-        <p:nvCxnSpPr>
-          <p:cNvPr id="9" name="Straight Connector 8">
-            <a:extLst>
-              <a:ext uri="{FF2B5EF4-FFF2-40B4-BE49-F238E27FC236}">
-                <a16:creationId xmlns:a16="http://schemas.microsoft.com/office/drawing/2014/main" id="{E972B0B3-B83F-2636-D6A1-7499915030FD}"/>
-              </a:ext>
-            </a:extLst>
-          </p:cNvPr>
-          <p:cNvCxnSpPr>
-            <a:cxnSpLocks/>
-          </p:cNvCxnSpPr>
-          <p:nvPr/>
-        </p:nvCxnSpPr>
-        <p:spPr>
-          <a:xfrm>
-            <a:off x="6096000" y="3184385"/>
-            <a:ext cx="0" cy="2438400"/>
-          </a:xfrm>
-          <a:prstGeom prst="line">
-            <a:avLst/>
-          </a:prstGeom>
-          <a:ln w="38100">
-            <a:solidFill>
-              <a:srgbClr val="C00000"/>
-            </a:solidFill>
-          </a:ln>
-        </p:spPr>
-        <p:style>
-          <a:lnRef idx="1">
-            <a:schemeClr val="accent1"/>
-          </a:lnRef>
-          <a:fillRef idx="0">
-            <a:schemeClr val="accent1"/>
-          </a:fillRef>
-          <a:effectRef idx="0">
-            <a:schemeClr val="accent1"/>
-          </a:effectRef>
-          <a:fontRef idx="minor">
-            <a:schemeClr val="tx1"/>
-          </a:fontRef>
-        </p:style>
-      </p:cxnSp>
-      <p:cxnSp>
-        <p:nvCxnSpPr>
-          <p:cNvPr id="10" name="Straight Connector 9">
-            <a:extLst>
-              <a:ext uri="{FF2B5EF4-FFF2-40B4-BE49-F238E27FC236}">
-                <a16:creationId xmlns:a16="http://schemas.microsoft.com/office/drawing/2014/main" id="{58B62021-8B83-DF9B-453A-F64840B25745}"/>
-              </a:ext>
-            </a:extLst>
-          </p:cNvPr>
-          <p:cNvCxnSpPr>
-            <a:cxnSpLocks/>
-          </p:cNvCxnSpPr>
-          <p:nvPr/>
-        </p:nvCxnSpPr>
-        <p:spPr>
-          <a:xfrm>
-            <a:off x="3073400" y="3184385"/>
-            <a:ext cx="0" cy="2438400"/>
-          </a:xfrm>
-          <a:prstGeom prst="line">
-            <a:avLst/>
-          </a:prstGeom>
-          <a:ln w="38100">
-            <a:solidFill>
-              <a:srgbClr val="C00000"/>
-            </a:solidFill>
-          </a:ln>
-        </p:spPr>
-        <p:style>
-          <a:lnRef idx="1">
-            <a:schemeClr val="accent1"/>
-          </a:lnRef>
-          <a:fillRef idx="0">
-            <a:schemeClr val="accent1"/>
-          </a:fillRef>
-          <a:effectRef idx="0">
-            <a:schemeClr val="accent1"/>
-          </a:effectRef>
-          <a:fontRef idx="minor">
-            <a:schemeClr val="tx1"/>
-          </a:fontRef>
-        </p:style>
-      </p:cxnSp>
-      <p:cxnSp>
-        <p:nvCxnSpPr>
-          <p:cNvPr id="11" name="Straight Connector 10">
-            <a:extLst>
-              <a:ext uri="{FF2B5EF4-FFF2-40B4-BE49-F238E27FC236}">
-                <a16:creationId xmlns:a16="http://schemas.microsoft.com/office/drawing/2014/main" id="{74C07D30-F776-BE65-BBBF-DCAD23E33F89}"/>
-              </a:ext>
-            </a:extLst>
-          </p:cNvPr>
-          <p:cNvCxnSpPr>
-            <a:cxnSpLocks/>
-          </p:cNvCxnSpPr>
-          <p:nvPr/>
-        </p:nvCxnSpPr>
-        <p:spPr>
-          <a:xfrm>
-            <a:off x="9118600" y="3184385"/>
-            <a:ext cx="0" cy="2438400"/>
-          </a:xfrm>
-          <a:prstGeom prst="line">
-            <a:avLst/>
-          </a:prstGeom>
-          <a:ln w="38100">
-            <a:solidFill>
-              <a:srgbClr val="C00000"/>
-            </a:solidFill>
-          </a:ln>
-        </p:spPr>
-        <p:style>
-          <a:lnRef idx="1">
-            <a:schemeClr val="accent1"/>
-          </a:lnRef>
-          <a:fillRef idx="0">
-            <a:schemeClr val="accent1"/>
-          </a:fillRef>
-          <a:effectRef idx="0">
-            <a:schemeClr val="accent1"/>
-          </a:effectRef>
-          <a:fontRef idx="minor">
-            <a:schemeClr val="tx1"/>
-          </a:fontRef>
-        </p:style>
-      </p:cxnSp>
-    </p:spTree>
-    <p:extLst>
-      <p:ext uri="{BB962C8B-B14F-4D97-AF65-F5344CB8AC3E}">
-        <p14:creationId xmlns:p14="http://schemas.microsoft.com/office/powerpoint/2010/main" val="711169945"/>
-      </p:ext>
-    </p:extLst>
-  </p:cSld>
-  <p:clrMapOvr>
-    <a:masterClrMapping/>
-  </p:clrMapOvr>
-  <p:timing>
-    <p:tnLst>
-      <p:par>
-        <p:cTn id="1" dur="indefinite" restart="never" nodeType="tmRoot">
-          <p:childTnLst>
-            <p:seq concurrent="1" nextAc="seek">
-              <p:cTn id="2" dur="indefinite" nodeType="mainSeq">
-                <p:childTnLst>
-                  <p:par>
-                    <p:cTn id="3" fill="hold">
-                      <p:stCondLst>
-                        <p:cond delay="indefinite"/>
-                      </p:stCondLst>
-                      <p:childTnLst>
-                        <p:par>
-                          <p:cTn id="4" fill="hold">
-                            <p:stCondLst>
-                              <p:cond delay="0"/>
-                            </p:stCondLst>
-                            <p:childTnLst>
-                              <p:par>
-                                <p:cTn id="5" presetID="15" presetClass="emph" presetSubtype="0" nodeType="clickEffect">
-                                  <p:stCondLst>
-                                    <p:cond delay="0"/>
-                                  </p:stCondLst>
-                                  <p:childTnLst>
-                                    <p:set>
-                                      <p:cBhvr override="childStyle">
-                                        <p:cTn id="6" dur="indefinite"/>
-                                        <p:tgtEl>
-                                          <p:spTgt spid="7">
-                                            <p:txEl>
-                                              <p:pRg st="2" end="2"/>
-                                            </p:txEl>
-                                          </p:spTgt>
-                                        </p:tgtEl>
-                                        <p:attrNameLst>
-                                          <p:attrName>style.fontWeight</p:attrName>
-                                        </p:attrNameLst>
-                                      </p:cBhvr>
-                                      <p:to>
-                                        <p:strVal val="bold"/>
-                                      </p:to>
-                                    </p:set>
-                                  </p:childTnLst>
-                                </p:cTn>
-                              </p:par>
-                            </p:childTnLst>
-                          </p:cTn>
-                        </p:par>
-                      </p:childTnLst>
-                    </p:cTn>
-                  </p:par>
-                  <p:par>
-                    <p:cTn id="7" fill="hold">
-                      <p:stCondLst>
-                        <p:cond delay="indefinite"/>
-                      </p:stCondLst>
-                      <p:childTnLst>
-                        <p:par>
-                          <p:cTn id="8" fill="hold">
-                            <p:stCondLst>
-                              <p:cond delay="0"/>
-                            </p:stCondLst>
-                            <p:childTnLst>
-                              <p:par>
-                                <p:cTn id="9" presetID="18" presetClass="emph" presetSubtype="0" fill="hold" nodeType="clickEffect">
-                                  <p:stCondLst>
-                                    <p:cond delay="0"/>
-                                  </p:stCondLst>
-                                  <p:childTnLst>
-                                    <p:set>
-                                      <p:cBhvr override="childStyle">
-                                        <p:cTn id="10" dur="500" fill="hold"/>
-                                        <p:tgtEl>
-                                          <p:spTgt spid="5">
-                                            <p:txEl>
-                                              <p:pRg st="5" end="5"/>
-                                            </p:txEl>
-                                          </p:spTgt>
-                                        </p:tgtEl>
-                                        <p:attrNameLst>
-                                          <p:attrName>style.textDecorationUnderline</p:attrName>
-                                        </p:attrNameLst>
-                                      </p:cBhvr>
-                                      <p:to>
-                                        <p:strVal val="true"/>
-                                      </p:to>
-                                    </p:set>
-                                  </p:childTnLst>
-                                </p:cTn>
-                              </p:par>
-                            </p:childTnLst>
-                          </p:cTn>
-                        </p:par>
-                        <p:par>
-                          <p:cTn id="11" fill="hold">
-                            <p:stCondLst>
-                              <p:cond delay="500"/>
-                            </p:stCondLst>
-                            <p:childTnLst>
-                              <p:par>
-                                <p:cTn id="12" presetID="18" presetClass="emph" presetSubtype="0" fill="hold" nodeType="afterEffect">
-                                  <p:stCondLst>
-                                    <p:cond delay="0"/>
-                                  </p:stCondLst>
-                                  <p:childTnLst>
-                                    <p:set>
-                                      <p:cBhvr override="childStyle">
-                                        <p:cTn id="13" dur="500" fill="hold"/>
-                                        <p:tgtEl>
-                                          <p:spTgt spid="7">
-                                            <p:txEl>
-                                              <p:pRg st="1" end="1"/>
-                                            </p:txEl>
-                                          </p:spTgt>
-                                        </p:tgtEl>
-                                        <p:attrNameLst>
-                                          <p:attrName>style.textDecorationUnderline</p:attrName>
-                                        </p:attrNameLst>
-                                      </p:cBhvr>
-                                      <p:to>
-                                        <p:strVal val="true"/>
-                                      </p:to>
-                                    </p:set>
-                                  </p:childTnLst>
-                                </p:cTn>
-                              </p:par>
-                            </p:childTnLst>
-                          </p:cTn>
-                        </p:par>
-                        <p:par>
-                          <p:cTn id="14" fill="hold">
-                            <p:stCondLst>
-                              <p:cond delay="1000"/>
-                            </p:stCondLst>
-                            <p:childTnLst>
-                              <p:par>
-                                <p:cTn id="15" presetID="18" presetClass="emph" presetSubtype="0" fill="hold" nodeType="afterEffect">
-                                  <p:stCondLst>
-                                    <p:cond delay="0"/>
-                                  </p:stCondLst>
-                                  <p:childTnLst>
-                                    <p:set>
-                                      <p:cBhvr override="childStyle">
-                                        <p:cTn id="16" dur="500" fill="hold"/>
-                                        <p:tgtEl>
-                                          <p:spTgt spid="7">
-                                            <p:txEl>
-                                              <p:pRg st="4" end="4"/>
-                                            </p:txEl>
-                                          </p:spTgt>
-                                        </p:tgtEl>
-                                        <p:attrNameLst>
-                                          <p:attrName>style.textDecorationUnderline</p:attrName>
-                                        </p:attrNameLst>
-                                      </p:cBhvr>
-                                      <p:to>
-                                        <p:strVal val="true"/>
-                                      </p:to>
-                                    </p:set>
-                                  </p:childTnLst>
-                                </p:cTn>
-                              </p:par>
-                            </p:childTnLst>
-                          </p:cTn>
-                        </p:par>
-                      </p:childTnLst>
-                    </p:cTn>
-                  </p:par>
-                </p:childTnLst>
-              </p:cTn>
-              <p:prevCondLst>
-                <p:cond evt="onPrev" delay="0">
-                  <p:tgtEl>
-                    <p:sldTgt/>
-                  </p:tgtEl>
-                </p:cond>
-              </p:prevCondLst>
-              <p:nextCondLst>
-                <p:cond evt="onNext" delay="0">
-                  <p:tgtEl>
-                    <p:sldTgt/>
-                  </p:tgtEl>
-                </p:cond>
-              </p:nextCondLst>
-            </p:seq>
-          </p:childTnLst>
-        </p:cTn>
-      </p:par>
-    </p:tnLst>
-  </p:timing>
-</p:sld>
-</file>
-
-<file path=ppt/slides/slide4.xml><?xml version="1.0" encoding="utf-8"?>
-<p:sld xmlns:a="http://schemas.openxmlformats.org/drawingml/2006/main" xmlns:r="http://schemas.openxmlformats.org/officeDocument/2006/relationships" xmlns:p="http://schemas.openxmlformats.org/presentationml/2006/main">
-  <p:cSld>
-    <p:spTree>
-      <p:nvGrpSpPr>
-        <p:cNvPr id="1" name=""/>
-        <p:cNvGrpSpPr/>
-        <p:nvPr/>
-      </p:nvGrpSpPr>
-      <p:grpSpPr>
-        <a:xfrm>
-          <a:off x="0" y="0"/>
-          <a:ext cx="0" cy="0"/>
-          <a:chOff x="0" y="0"/>
-          <a:chExt cx="0" cy="0"/>
-        </a:xfrm>
-      </p:grpSpPr>
-      <p:sp>
-        <p:nvSpPr>
-          <p:cNvPr id="3" name="Title 2"/>
-          <p:cNvSpPr>
-            <a:spLocks noGrp="1"/>
-          </p:cNvSpPr>
-          <p:nvPr>
-            <p:ph type="title"/>
-          </p:nvPr>
-        </p:nvSpPr>
-        <p:spPr/>
-        <p:txBody>
-          <a:bodyPr/>
-          <a:lstStyle/>
-          <a:p>
-            <a:r>
-              <a:rPr lang="en-US" dirty="0"/>
-              <a:t>Data</a:t>
-            </a:r>
-          </a:p>
-        </p:txBody>
-      </p:sp>
-      <p:pic>
-        <p:nvPicPr>
-          <p:cNvPr id="4" name="Picture 3" descr="A map of the state of hawaii&#10;&#10;Description automatically generated">
-            <a:extLst>
-              <a:ext uri="{FF2B5EF4-FFF2-40B4-BE49-F238E27FC236}">
-                <a16:creationId xmlns:a16="http://schemas.microsoft.com/office/drawing/2014/main" id="{4FB24684-EE92-F9A9-56FD-8FE0AAC40D03}"/>
-              </a:ext>
-            </a:extLst>
-          </p:cNvPr>
-          <p:cNvPicPr>
-            <a:picLocks noChangeAspect="1"/>
-          </p:cNvPicPr>
-          <p:nvPr/>
-        </p:nvPicPr>
-        <p:blipFill>
-          <a:blip r:embed="rId2">
-            <a:clrChange>
-              <a:clrFrom>
-                <a:srgbClr val="FFFFFF"/>
-              </a:clrFrom>
-              <a:clrTo>
-                <a:srgbClr val="FFFFFF">
-                  <a:alpha val="0"/>
-                </a:srgbClr>
-              </a:clrTo>
-            </a:clrChange>
-            <a:extLst>
-              <a:ext uri="{28A0092B-C50C-407E-A947-70E740481C1C}">
-                <a14:useLocalDpi xmlns:a14="http://schemas.microsoft.com/office/drawing/2010/main" val="0"/>
-              </a:ext>
-            </a:extLst>
-          </a:blip>
-          <a:stretch>
-            <a:fillRect/>
-          </a:stretch>
-        </p:blipFill>
-        <p:spPr>
-          <a:xfrm>
-            <a:off x="-762000" y="1066800"/>
-            <a:ext cx="7830643" cy="5353797"/>
-          </a:xfrm>
-          <a:prstGeom prst="rect">
-            <a:avLst/>
-          </a:prstGeom>
-        </p:spPr>
-      </p:pic>
-      <p:sp>
-        <p:nvSpPr>
-          <p:cNvPr id="5" name="Content Placeholder 1">
-            <a:extLst>
-              <a:ext uri="{FF2B5EF4-FFF2-40B4-BE49-F238E27FC236}">
-                <a16:creationId xmlns:a16="http://schemas.microsoft.com/office/drawing/2014/main" id="{E240644D-D762-9EA0-53A1-C661DAADE6F5}"/>
-              </a:ext>
-            </a:extLst>
-          </p:cNvPr>
-          <p:cNvSpPr>
-            <a:spLocks noGrp="1"/>
-          </p:cNvSpPr>
-          <p:nvPr>
-            <p:ph idx="1"/>
-          </p:nvPr>
-        </p:nvSpPr>
-        <p:spPr>
-          <a:xfrm>
-            <a:off x="6248400" y="1371600"/>
-            <a:ext cx="5715000" cy="4648200"/>
-          </a:xfrm>
-        </p:spPr>
-        <p:txBody>
-          <a:bodyPr>
-            <a:normAutofit/>
-          </a:bodyPr>
-          <a:lstStyle/>
-          <a:p>
-            <a:r>
-              <a:rPr lang="en-US" sz="2000" dirty="0"/>
-              <a:t>All arms-length transactions from Multiple Listing Service of HiCentral MLS, Ltd. (thank you Honolulu Board of REALTORS®)</a:t>
-            </a:r>
-          </a:p>
-          <a:p>
-            <a:r>
-              <a:rPr lang="en-US" sz="2000" dirty="0"/>
-              <a:t>Original data held 57,217 transactions for 51,239 unique units.</a:t>
-            </a:r>
-          </a:p>
-          <a:p>
-            <a:r>
-              <a:rPr lang="en-US" sz="2000" dirty="0"/>
-              <a:t>After cleaning data, we are left with 50,394 observations over 43,057 unique units.</a:t>
-            </a:r>
-          </a:p>
-          <a:p>
-            <a:endParaRPr lang="en-US" sz="2000" dirty="0"/>
-          </a:p>
-        </p:txBody>
-      </p:sp>
-      <p:graphicFrame>
-        <p:nvGraphicFramePr>
-          <p:cNvPr id="6" name="Table 6">
-            <a:extLst>
-              <a:ext uri="{FF2B5EF4-FFF2-40B4-BE49-F238E27FC236}">
-                <a16:creationId xmlns:a16="http://schemas.microsoft.com/office/drawing/2014/main" id="{D6DDF733-BABD-C2C2-F2D7-1E0ACB77F368}"/>
-              </a:ext>
-            </a:extLst>
-          </p:cNvPr>
-          <p:cNvGraphicFramePr>
-            <a:graphicFrameLocks noGrp="1"/>
-          </p:cNvGraphicFramePr>
-          <p:nvPr>
-            <p:extLst>
-              <p:ext uri="{D42A27DB-BD31-4B8C-83A1-F6EECF244321}">
-                <p14:modId xmlns:p14="http://schemas.microsoft.com/office/powerpoint/2010/main" val="1926649293"/>
-              </p:ext>
-            </p:extLst>
-          </p:nvPr>
-        </p:nvGraphicFramePr>
-        <p:xfrm>
-          <a:off x="6858000" y="4003040"/>
-          <a:ext cx="4953000" cy="1483360"/>
-        </p:xfrm>
-        <a:graphic>
-          <a:graphicData uri="http://schemas.openxmlformats.org/drawingml/2006/table">
-            <a:tbl>
-              <a:tblPr firstRow="1" bandRow="1">
-                <a:tableStyleId>{2D5ABB26-0587-4C30-8999-92F81FD0307C}</a:tableStyleId>
-              </a:tblPr>
-              <a:tblGrid>
-                <a:gridCol w="2971800">
-                  <a:extLst>
-                    <a:ext uri="{9D8B030D-6E8A-4147-A177-3AD203B41FA5}">
-                      <a16:colId xmlns:a16="http://schemas.microsoft.com/office/drawing/2014/main" val="3668304178"/>
-                    </a:ext>
-                  </a:extLst>
-                </a:gridCol>
-                <a:gridCol w="1981200">
-                  <a:extLst>
-                    <a:ext uri="{9D8B030D-6E8A-4147-A177-3AD203B41FA5}">
-                      <a16:colId xmlns:a16="http://schemas.microsoft.com/office/drawing/2014/main" val="2049066296"/>
-                    </a:ext>
-                  </a:extLst>
-                </a:gridCol>
-              </a:tblGrid>
-              <a:tr h="370840">
-                <a:tc>
-                  <a:txBody>
-                    <a:bodyPr/>
-                    <a:lstStyle/>
-                    <a:p>
-                      <a:r>
-                        <a:rPr lang="en-US" dirty="0"/>
-                        <a:t>Sold Once</a:t>
-                      </a:r>
-                    </a:p>
-                  </a:txBody>
-                  <a:tcPr/>
-                </a:tc>
-                <a:tc>
-                  <a:txBody>
-                    <a:bodyPr/>
-                    <a:lstStyle/>
-                    <a:p>
-                      <a:pPr algn="r"/>
-                      <a:r>
-                        <a:rPr lang="en-US" dirty="0"/>
-                        <a:t>36,367 units</a:t>
-                      </a:r>
-                    </a:p>
-                  </a:txBody>
-                  <a:tcPr/>
-                </a:tc>
-                <a:extLst>
-                  <a:ext uri="{0D108BD9-81ED-4DB2-BD59-A6C34878D82A}">
-                    <a16:rowId xmlns:a16="http://schemas.microsoft.com/office/drawing/2014/main" val="1041580620"/>
-                  </a:ext>
-                </a:extLst>
-              </a:tr>
-              <a:tr h="370840">
-                <a:tc>
-                  <a:txBody>
-                    <a:bodyPr/>
-                    <a:lstStyle/>
-                    <a:p>
-                      <a:r>
-                        <a:rPr lang="en-US" dirty="0"/>
-                        <a:t>Sold Twice</a:t>
-                      </a:r>
-                    </a:p>
-                  </a:txBody>
-                  <a:tcPr/>
-                </a:tc>
-                <a:tc>
-                  <a:txBody>
-                    <a:bodyPr/>
-                    <a:lstStyle/>
-                    <a:p>
-                      <a:pPr algn="r"/>
-                      <a:r>
-                        <a:rPr lang="en-US" dirty="0"/>
-                        <a:t>6,075 units</a:t>
-                      </a:r>
-                    </a:p>
-                  </a:txBody>
-                  <a:tcPr/>
-                </a:tc>
-                <a:extLst>
-                  <a:ext uri="{0D108BD9-81ED-4DB2-BD59-A6C34878D82A}">
-                    <a16:rowId xmlns:a16="http://schemas.microsoft.com/office/drawing/2014/main" val="1559968309"/>
-                  </a:ext>
-                </a:extLst>
-              </a:tr>
-              <a:tr h="370840">
-                <a:tc>
-                  <a:txBody>
-                    <a:bodyPr/>
-                    <a:lstStyle/>
-                    <a:p>
-                      <a:r>
-                        <a:rPr lang="en-US" dirty="0"/>
-                        <a:t>Sold Three Time</a:t>
-                      </a:r>
-                    </a:p>
-                  </a:txBody>
-                  <a:tcPr/>
-                </a:tc>
-                <a:tc>
-                  <a:txBody>
-                    <a:bodyPr/>
-                    <a:lstStyle/>
-                    <a:p>
-                      <a:pPr algn="r"/>
-                      <a:r>
-                        <a:rPr lang="en-US" dirty="0"/>
-                        <a:t>586 units</a:t>
-                      </a:r>
-                    </a:p>
-                  </a:txBody>
-                  <a:tcPr/>
-                </a:tc>
-                <a:extLst>
-                  <a:ext uri="{0D108BD9-81ED-4DB2-BD59-A6C34878D82A}">
-                    <a16:rowId xmlns:a16="http://schemas.microsoft.com/office/drawing/2014/main" val="3023302832"/>
-                  </a:ext>
-                </a:extLst>
-              </a:tr>
-              <a:tr h="370840">
-                <a:tc>
-                  <a:txBody>
-                    <a:bodyPr/>
-                    <a:lstStyle/>
-                    <a:p>
-                      <a:r>
-                        <a:rPr lang="en-US" dirty="0"/>
-                        <a:t>Sold Four or Five Times</a:t>
-                      </a:r>
-                    </a:p>
-                  </a:txBody>
-                  <a:tcPr/>
-                </a:tc>
-                <a:tc>
-                  <a:txBody>
-                    <a:bodyPr/>
-                    <a:lstStyle/>
-                    <a:p>
-                      <a:pPr algn="r"/>
-                      <a:r>
-                        <a:rPr lang="en-US" dirty="0"/>
-                        <a:t>29 units</a:t>
-                      </a:r>
-                    </a:p>
-                  </a:txBody>
-                  <a:tcPr/>
-                </a:tc>
-                <a:extLst>
-                  <a:ext uri="{0D108BD9-81ED-4DB2-BD59-A6C34878D82A}">
-                    <a16:rowId xmlns:a16="http://schemas.microsoft.com/office/drawing/2014/main" val="2161655977"/>
-                  </a:ext>
-                </a:extLst>
-              </a:tr>
-            </a:tbl>
-          </a:graphicData>
-        </a:graphic>
-      </p:graphicFrame>
-    </p:spTree>
-    <p:extLst>
-      <p:ext uri="{BB962C8B-B14F-4D97-AF65-F5344CB8AC3E}">
-        <p14:creationId xmlns:p14="http://schemas.microsoft.com/office/powerpoint/2010/main" val="4160459358"/>
-      </p:ext>
-    </p:extLst>
-  </p:cSld>
-  <p:clrMapOvr>
-    <a:masterClrMapping/>
-  </p:clrMapOvr>
-</p:sld>
-</file>
-
-<file path=ppt/slides/slide5.xml><?xml version="1.0" encoding="utf-8"?>
-<p:sld xmlns:a="http://schemas.openxmlformats.org/drawingml/2006/main" xmlns:r="http://schemas.openxmlformats.org/officeDocument/2006/relationships" xmlns:p="http://schemas.openxmlformats.org/presentationml/2006/main">
-  <p:cSld>
-    <p:spTree>
-      <p:nvGrpSpPr>
-        <p:cNvPr id="1" name=""/>
-        <p:cNvGrpSpPr/>
-        <p:nvPr/>
-      </p:nvGrpSpPr>
-      <p:grpSpPr>
-        <a:xfrm>
-          <a:off x="0" y="0"/>
-          <a:ext cx="0" cy="0"/>
-          <a:chOff x="0" y="0"/>
-          <a:chExt cx="0" cy="0"/>
-        </a:xfrm>
-      </p:grpSpPr>
-      <p:sp>
-        <p:nvSpPr>
-          <p:cNvPr id="3" name="Title 2"/>
-          <p:cNvSpPr>
-            <a:spLocks noGrp="1"/>
-          </p:cNvSpPr>
-          <p:nvPr>
-            <p:ph type="title"/>
-          </p:nvPr>
-        </p:nvSpPr>
-        <p:spPr/>
-        <p:txBody>
-          <a:bodyPr/>
-          <a:lstStyle/>
-          <a:p>
-            <a:r>
-              <a:rPr lang="en-US" dirty="0"/>
-              <a:t>Data</a:t>
-            </a:r>
-          </a:p>
-        </p:txBody>
-      </p:sp>
-      <p:pic>
-        <p:nvPicPr>
-          <p:cNvPr id="16" name="Picture 15">
-            <a:extLst>
-              <a:ext uri="{FF2B5EF4-FFF2-40B4-BE49-F238E27FC236}">
-                <a16:creationId xmlns:a16="http://schemas.microsoft.com/office/drawing/2014/main" id="{3BD76E3C-EA83-2E7C-1BD1-C1ED7A7F1503}"/>
-              </a:ext>
-            </a:extLst>
-          </p:cNvPr>
-          <p:cNvPicPr>
-            <a:picLocks noChangeAspect="1"/>
-          </p:cNvPicPr>
-          <p:nvPr/>
-        </p:nvPicPr>
-        <p:blipFill>
-          <a:blip r:embed="rId2"/>
-          <a:stretch>
-            <a:fillRect/>
-          </a:stretch>
-        </p:blipFill>
-        <p:spPr>
-          <a:xfrm>
-            <a:off x="76200" y="1524000"/>
-            <a:ext cx="11811000" cy="2218410"/>
-          </a:xfrm>
-          <a:prstGeom prst="rect">
-            <a:avLst/>
-          </a:prstGeom>
-        </p:spPr>
-      </p:pic>
-    </p:spTree>
-    <p:extLst>
-      <p:ext uri="{BB962C8B-B14F-4D97-AF65-F5344CB8AC3E}">
-        <p14:creationId xmlns:p14="http://schemas.microsoft.com/office/powerpoint/2010/main" val="39726009"/>
-      </p:ext>
-    </p:extLst>
-  </p:cSld>
-  <p:clrMapOvr>
-    <a:masterClrMapping/>
-  </p:clrMapOvr>
-</p:sld>
-</file>
-
-<file path=ppt/slides/slide6.xml><?xml version="1.0" encoding="utf-8"?>
-<p:sld xmlns:a="http://schemas.openxmlformats.org/drawingml/2006/main" xmlns:r="http://schemas.openxmlformats.org/officeDocument/2006/relationships" xmlns:p="http://schemas.openxmlformats.org/presentationml/2006/main">
-  <p:cSld>
-    <p:spTree>
-      <p:nvGrpSpPr>
-        <p:cNvPr id="1" name=""/>
-        <p:cNvGrpSpPr/>
-        <p:nvPr/>
-      </p:nvGrpSpPr>
-      <p:grpSpPr>
-        <a:xfrm>
-          <a:off x="0" y="0"/>
-          <a:ext cx="0" cy="0"/>
-          <a:chOff x="0" y="0"/>
-          <a:chExt cx="0" cy="0"/>
-        </a:xfrm>
-      </p:grpSpPr>
-      <p:sp>
-        <p:nvSpPr>
-          <p:cNvPr id="3" name="Title 2"/>
-          <p:cNvSpPr>
-            <a:spLocks noGrp="1"/>
-          </p:cNvSpPr>
-          <p:nvPr>
-            <p:ph type="title"/>
-          </p:nvPr>
-        </p:nvSpPr>
-        <p:spPr/>
-        <p:txBody>
-          <a:bodyPr/>
-          <a:lstStyle/>
-          <a:p>
-            <a:r>
-              <a:rPr lang="en-US" dirty="0"/>
-              <a:t>Data</a:t>
-            </a:r>
-          </a:p>
-        </p:txBody>
-      </p:sp>
-      <p:pic>
-        <p:nvPicPr>
-          <p:cNvPr id="20" name="Picture 19" descr="A graph of a number of blue and red lines&#10;&#10;Description automatically generated">
-            <a:extLst>
-              <a:ext uri="{FF2B5EF4-FFF2-40B4-BE49-F238E27FC236}">
-                <a16:creationId xmlns:a16="http://schemas.microsoft.com/office/drawing/2014/main" id="{76C9F6F2-C070-7734-57B9-5E9D30BA7AC7}"/>
-              </a:ext>
-            </a:extLst>
-          </p:cNvPr>
-          <p:cNvPicPr>
-            <a:picLocks noChangeAspect="1"/>
-          </p:cNvPicPr>
-          <p:nvPr/>
-        </p:nvPicPr>
-        <p:blipFill>
-          <a:blip r:embed="rId2">
-            <a:clrChange>
-              <a:clrFrom>
-                <a:srgbClr val="FFFFFF"/>
-              </a:clrFrom>
-              <a:clrTo>
-                <a:srgbClr val="FFFFFF">
-                  <a:alpha val="0"/>
-                </a:srgbClr>
-              </a:clrTo>
-            </a:clrChange>
-            <a:extLst>
-              <a:ext uri="{28A0092B-C50C-407E-A947-70E740481C1C}">
-                <a14:useLocalDpi xmlns:a14="http://schemas.microsoft.com/office/drawing/2010/main" val="0"/>
-              </a:ext>
-            </a:extLst>
-          </a:blip>
-          <a:stretch>
-            <a:fillRect/>
-          </a:stretch>
-        </p:blipFill>
-        <p:spPr>
-          <a:xfrm>
-            <a:off x="2057400" y="1264122"/>
-            <a:ext cx="8307129" cy="4984278"/>
-          </a:xfrm>
-          <a:prstGeom prst="rect">
-            <a:avLst/>
-          </a:prstGeom>
-        </p:spPr>
-      </p:pic>
-    </p:spTree>
-    <p:extLst>
-      <p:ext uri="{BB962C8B-B14F-4D97-AF65-F5344CB8AC3E}">
-        <p14:creationId xmlns:p14="http://schemas.microsoft.com/office/powerpoint/2010/main" val="3532298153"/>
-      </p:ext>
-    </p:extLst>
-  </p:cSld>
-  <p:clrMapOvr>
-    <a:masterClrMapping/>
-  </p:clrMapOvr>
-</p:sld>
-</file>
-
-<file path=ppt/slides/slide7.xml><?xml version="1.0" encoding="utf-8"?>
-<p:sld xmlns:a="http://schemas.openxmlformats.org/drawingml/2006/main" xmlns:r="http://schemas.openxmlformats.org/officeDocument/2006/relationships" xmlns:p="http://schemas.openxmlformats.org/presentationml/2006/main">
-  <p:cSld>
-    <p:spTree>
-      <p:nvGrpSpPr>
-        <p:cNvPr id="1" name=""/>
-        <p:cNvGrpSpPr/>
-        <p:nvPr/>
-      </p:nvGrpSpPr>
-      <p:grpSpPr>
-        <a:xfrm>
-          <a:off x="0" y="0"/>
-          <a:ext cx="0" cy="0"/>
-          <a:chOff x="0" y="0"/>
-          <a:chExt cx="0" cy="0"/>
-        </a:xfrm>
-      </p:grpSpPr>
-      <p:sp>
-        <p:nvSpPr>
-          <p:cNvPr id="3" name="Title 2"/>
-          <p:cNvSpPr>
-            <a:spLocks noGrp="1"/>
-          </p:cNvSpPr>
-          <p:nvPr>
-            <p:ph type="title"/>
-          </p:nvPr>
-        </p:nvSpPr>
-        <p:spPr/>
-        <p:txBody>
-          <a:bodyPr/>
-          <a:lstStyle/>
-          <a:p>
-            <a:r>
-              <a:rPr lang="en-US" dirty="0"/>
-              <a:t>Data</a:t>
-            </a:r>
-          </a:p>
-        </p:txBody>
-      </p:sp>
-      <p:pic>
-        <p:nvPicPr>
-          <p:cNvPr id="4" name="Picture 3" descr="A graph of sales&#10;&#10;Description automatically generated">
-            <a:extLst>
-              <a:ext uri="{FF2B5EF4-FFF2-40B4-BE49-F238E27FC236}">
-                <a16:creationId xmlns:a16="http://schemas.microsoft.com/office/drawing/2014/main" id="{306FF314-B743-D156-A905-A1D3F1DCEB3C}"/>
-              </a:ext>
-            </a:extLst>
-          </p:cNvPr>
-          <p:cNvPicPr>
-            <a:picLocks noChangeAspect="1"/>
-          </p:cNvPicPr>
-          <p:nvPr/>
-        </p:nvPicPr>
-        <p:blipFill>
-          <a:blip r:embed="rId2">
-            <a:clrChange>
-              <a:clrFrom>
-                <a:srgbClr val="FFFFFF"/>
-              </a:clrFrom>
-              <a:clrTo>
-                <a:srgbClr val="FFFFFF">
-                  <a:alpha val="0"/>
-                </a:srgbClr>
-              </a:clrTo>
-            </a:clrChange>
-            <a:extLst>
-              <a:ext uri="{28A0092B-C50C-407E-A947-70E740481C1C}">
-                <a14:useLocalDpi xmlns:a14="http://schemas.microsoft.com/office/drawing/2010/main" val="0"/>
-              </a:ext>
-            </a:extLst>
-          </a:blip>
-          <a:stretch>
-            <a:fillRect/>
-          </a:stretch>
-        </p:blipFill>
-        <p:spPr>
-          <a:xfrm>
-            <a:off x="1981201" y="1219200"/>
-            <a:ext cx="8305799" cy="4983480"/>
-          </a:xfrm>
-          <a:prstGeom prst="rect">
-            <a:avLst/>
-          </a:prstGeom>
-        </p:spPr>
-      </p:pic>
-    </p:spTree>
-    <p:extLst>
-      <p:ext uri="{BB962C8B-B14F-4D97-AF65-F5344CB8AC3E}">
-        <p14:creationId xmlns:p14="http://schemas.microsoft.com/office/powerpoint/2010/main" val="441155326"/>
-      </p:ext>
-    </p:extLst>
-  </p:cSld>
-  <p:clrMapOvr>
-    <a:masterClrMapping/>
-  </p:clrMapOvr>
-</p:sld>
-</file>
-
-<file path=ppt/slides/slide8.xml><?xml version="1.0" encoding="utf-8"?>
-<p:sld xmlns:a="http://schemas.openxmlformats.org/drawingml/2006/main" xmlns:r="http://schemas.openxmlformats.org/officeDocument/2006/relationships" xmlns:p="http://schemas.openxmlformats.org/presentationml/2006/main">
-  <p:cSld>
-    <p:spTree>
-      <p:nvGrpSpPr>
-        <p:cNvPr id="1" name=""/>
-        <p:cNvGrpSpPr/>
-        <p:nvPr/>
-      </p:nvGrpSpPr>
-      <p:grpSpPr>
-        <a:xfrm>
-          <a:off x="0" y="0"/>
-          <a:ext cx="0" cy="0"/>
-          <a:chOff x="0" y="0"/>
-          <a:chExt cx="0" cy="0"/>
-        </a:xfrm>
-      </p:grpSpPr>
-      <p:sp>
-        <p:nvSpPr>
-          <p:cNvPr id="3" name="Title 2"/>
-          <p:cNvSpPr>
-            <a:spLocks noGrp="1"/>
-          </p:cNvSpPr>
-          <p:nvPr>
-            <p:ph type="title"/>
-          </p:nvPr>
-        </p:nvSpPr>
-        <p:spPr/>
-        <p:txBody>
-          <a:bodyPr/>
-          <a:lstStyle/>
-          <a:p>
-            <a:r>
-              <a:rPr lang="en-US" dirty="0"/>
-              <a:t>Methodology</a:t>
-            </a:r>
-          </a:p>
-        </p:txBody>
-      </p:sp>
-      <mc:AlternateContent xmlns:mc="http://schemas.openxmlformats.org/markup-compatibility/2006">
-        <mc:Choice xmlns:a14="http://schemas.microsoft.com/office/drawing/2010/main" Requires="a14">
-          <p:sp>
-            <p:nvSpPr>
-              <p:cNvPr id="2" name="Content Placeholder 1">
-                <a:extLst>
-                  <a:ext uri="{FF2B5EF4-FFF2-40B4-BE49-F238E27FC236}">
-                    <a16:creationId xmlns:a16="http://schemas.microsoft.com/office/drawing/2014/main" id="{87F57B80-B965-3B8F-DFC0-EACBADD3C374}"/>
-                  </a:ext>
-                </a:extLst>
-              </p:cNvPr>
-              <p:cNvSpPr>
-                <a:spLocks noGrp="1"/>
-              </p:cNvSpPr>
-              <p:nvPr>
-                <p:ph idx="1"/>
-              </p:nvPr>
-            </p:nvSpPr>
-            <p:spPr>
-              <a:xfrm>
-                <a:off x="609600" y="1371600"/>
-                <a:ext cx="10464800" cy="4648200"/>
-              </a:xfrm>
-            </p:spPr>
-            <p:txBody>
-              <a:bodyPr/>
-              <a:lstStyle/>
-              <a:p>
-                <a:r>
-                  <a:rPr lang="en-US" dirty="0"/>
-                  <a:t>Estimate a Hedonic Regressions using both OLS and Spatial Techniques</a:t>
-                </a:r>
-              </a:p>
-              <a:p>
-                <a:r>
-                  <a:rPr lang="en-US" dirty="0"/>
-                  <a:t>Spatially we estimate a Spatial Durbin Model</a:t>
-                </a:r>
-              </a:p>
-              <a:p>
-                <a:endParaRPr lang="en-US" dirty="0"/>
-              </a:p>
-              <a:p>
-                <a:endParaRPr lang="en-US" dirty="0"/>
-              </a:p>
-              <a:p>
-                <a:r>
-                  <a:rPr lang="en-US" dirty="0"/>
-                  <a:t>We assume that </a:t>
-                </a:r>
-                <a14:m>
-                  <m:oMath xmlns:m="http://schemas.openxmlformats.org/officeDocument/2006/math">
-                    <m:sSub>
-                      <m:sSubPr>
-                        <m:ctrlPr>
-                          <a:rPr lang="en-US" b="0" i="1" smtClean="0">
-                            <a:latin typeface="Cambria Math" panose="02040503050406030204" pitchFamily="18" charset="0"/>
-                          </a:rPr>
-                        </m:ctrlPr>
-                      </m:sSubPr>
-                      <m:e>
-                        <m:r>
-                          <a:rPr lang="en-US" b="0" i="1" smtClean="0">
-                            <a:latin typeface="Cambria Math" panose="02040503050406030204" pitchFamily="18" charset="0"/>
-                          </a:rPr>
-                          <m:t>𝑊</m:t>
-                        </m:r>
-                      </m:e>
-                      <m:sub>
-                        <m:r>
-                          <a:rPr lang="en-US" b="0" i="1" smtClean="0">
-                            <a:latin typeface="Cambria Math" panose="02040503050406030204" pitchFamily="18" charset="0"/>
-                          </a:rPr>
-                          <m:t>1</m:t>
-                        </m:r>
-                      </m:sub>
-                    </m:sSub>
-                    <m:r>
-                      <a:rPr lang="en-US" b="0" i="1" smtClean="0">
-                        <a:latin typeface="Cambria Math" panose="02040503050406030204" pitchFamily="18" charset="0"/>
-                      </a:rPr>
-                      <m:t>=</m:t>
-                    </m:r>
-                    <m:sSub>
-                      <m:sSubPr>
-                        <m:ctrlPr>
-                          <a:rPr lang="en-US" b="0" i="1" smtClean="0">
-                            <a:latin typeface="Cambria Math" panose="02040503050406030204" pitchFamily="18" charset="0"/>
-                          </a:rPr>
-                        </m:ctrlPr>
-                      </m:sSubPr>
-                      <m:e>
-                        <m:r>
-                          <a:rPr lang="en-US" b="0" i="1" smtClean="0">
-                            <a:latin typeface="Cambria Math" panose="02040503050406030204" pitchFamily="18" charset="0"/>
-                          </a:rPr>
-                          <m:t>𝑊</m:t>
-                        </m:r>
-                      </m:e>
-                      <m:sub>
-                        <m:r>
-                          <a:rPr lang="en-US" b="0" i="1" smtClean="0">
-                            <a:latin typeface="Cambria Math" panose="02040503050406030204" pitchFamily="18" charset="0"/>
-                          </a:rPr>
-                          <m:t>2</m:t>
-                        </m:r>
-                      </m:sub>
-                    </m:sSub>
-                  </m:oMath>
-                </a14:m>
-                <a:r>
-                  <a:rPr lang="en-US" dirty="0"/>
-                  <a:t> and is row normalized</a:t>
-                </a:r>
-              </a:p>
-              <a:p>
-                <a:r>
-                  <a:rPr lang="en-US" dirty="0"/>
-                  <a:t>Originally, </a:t>
-                </a:r>
-                <a14:m>
-                  <m:oMath xmlns:m="http://schemas.openxmlformats.org/officeDocument/2006/math">
-                    <m:r>
-                      <a:rPr lang="en-US" b="0" i="1" smtClean="0">
-                        <a:latin typeface="Cambria Math" panose="02040503050406030204" pitchFamily="18" charset="0"/>
-                      </a:rPr>
-                      <m:t>𝑊</m:t>
-                    </m:r>
-                  </m:oMath>
-                </a14:m>
-                <a:r>
-                  <a:rPr lang="en-US" dirty="0"/>
-                  <a:t> is created without respect to temporal factors except that we remove repeated sales keeping either first or most recent sale.</a:t>
-                </a:r>
-              </a:p>
-              <a:p>
-                <a:endParaRPr lang="en-US" dirty="0"/>
-              </a:p>
-            </p:txBody>
-          </p:sp>
-        </mc:Choice>
-        <mc:Fallback>
-          <p:sp>
-            <p:nvSpPr>
-              <p:cNvPr id="2" name="Content Placeholder 1">
-                <a:extLst>
-                  <a:ext uri="{FF2B5EF4-FFF2-40B4-BE49-F238E27FC236}">
-                    <a16:creationId xmlns:a16="http://schemas.microsoft.com/office/drawing/2014/main" id="{87F57B80-B965-3B8F-DFC0-EACBADD3C374}"/>
-                  </a:ext>
-                </a:extLst>
-              </p:cNvPr>
-              <p:cNvSpPr>
-                <a:spLocks noGrp="1" noRot="1" noChangeAspect="1" noMove="1" noResize="1" noEditPoints="1" noAdjustHandles="1" noChangeArrowheads="1" noChangeShapeType="1" noTextEdit="1"/>
-              </p:cNvSpPr>
-              <p:nvPr>
-                <p:ph idx="1"/>
-              </p:nvPr>
-            </p:nvSpPr>
-            <p:spPr>
-              <a:xfrm>
-                <a:off x="609600" y="1371600"/>
-                <a:ext cx="10464800" cy="4648200"/>
-              </a:xfrm>
-              <a:blipFill>
-                <a:blip r:embed="rId2"/>
-                <a:stretch>
-                  <a:fillRect l="-1048" t="-1311"/>
-                </a:stretch>
-              </a:blipFill>
-            </p:spPr>
-            <p:txBody>
-              <a:bodyPr/>
-              <a:lstStyle/>
-              <a:p>
-                <a:r>
-                  <a:rPr lang="en-US">
-                    <a:noFill/>
-                  </a:rPr>
-                  <a:t> </a:t>
-                </a:r>
-              </a:p>
-            </p:txBody>
-          </p:sp>
-        </mc:Fallback>
-      </mc:AlternateContent>
-      <mc:AlternateContent xmlns:mc="http://schemas.openxmlformats.org/markup-compatibility/2006" xmlns:a14="http://schemas.microsoft.com/office/drawing/2010/main">
-        <mc:Choice Requires="a14">
-          <p:sp>
-            <p:nvSpPr>
-              <p:cNvPr id="4" name="TextBox 3">
-                <a:extLst>
-                  <a:ext uri="{FF2B5EF4-FFF2-40B4-BE49-F238E27FC236}">
-                    <a16:creationId xmlns:a16="http://schemas.microsoft.com/office/drawing/2014/main" id="{682F7450-929B-983B-B17C-D842F34A4A09}"/>
-                  </a:ext>
-                </a:extLst>
-              </p:cNvPr>
-              <p:cNvSpPr txBox="1"/>
-              <p:nvPr/>
-            </p:nvSpPr>
-            <p:spPr>
-              <a:xfrm>
-                <a:off x="2497033" y="3048000"/>
-                <a:ext cx="7197933" cy="492443"/>
-              </a:xfrm>
-              <a:prstGeom prst="rect">
-                <a:avLst/>
-              </a:prstGeom>
-              <a:noFill/>
-            </p:spPr>
-            <p:txBody>
-              <a:bodyPr wrap="none" lIns="0" tIns="0" rIns="0" bIns="0" rtlCol="0">
-                <a:spAutoFit/>
-              </a:bodyPr>
-              <a:lstStyle/>
-              <a:p>
-                <a:pPr/>
-                <a14:m>
-                  <m:oMathPara xmlns:m="http://schemas.openxmlformats.org/officeDocument/2006/math">
-                    <m:oMathParaPr>
-                      <m:jc m:val="centerGroup"/>
-                    </m:oMathParaPr>
-                    <m:oMath xmlns:m="http://schemas.openxmlformats.org/officeDocument/2006/math">
-                      <m:func>
-                        <m:funcPr>
-                          <m:ctrlPr>
-                            <a:rPr lang="en-US" sz="3200" b="0" i="1" smtClean="0">
-                              <a:latin typeface="Cambria Math" panose="02040503050406030204" pitchFamily="18" charset="0"/>
-                            </a:rPr>
-                          </m:ctrlPr>
-                        </m:funcPr>
-                        <m:fName>
-                          <m:r>
-                            <m:rPr>
-                              <m:sty m:val="p"/>
-                            </m:rPr>
-                            <a:rPr lang="en-US" sz="3200" b="0" i="0" smtClean="0">
-                              <a:latin typeface="Cambria Math" panose="02040503050406030204" pitchFamily="18" charset="0"/>
-                            </a:rPr>
-                            <m:t>ln</m:t>
-                          </m:r>
-                        </m:fName>
-                        <m:e>
-                          <m:d>
-                            <m:dPr>
-                              <m:ctrlPr>
-                                <a:rPr lang="en-US" sz="3200" b="0" i="1" smtClean="0">
-                                  <a:latin typeface="Cambria Math" panose="02040503050406030204" pitchFamily="18" charset="0"/>
-                                </a:rPr>
-                              </m:ctrlPr>
-                            </m:dPr>
-                            <m:e>
-                              <m:sSub>
-                                <m:sSubPr>
-                                  <m:ctrlPr>
-                                    <a:rPr lang="en-US" sz="3200" b="0" i="1" smtClean="0">
-                                      <a:latin typeface="Cambria Math" panose="02040503050406030204" pitchFamily="18" charset="0"/>
-                                    </a:rPr>
-                                  </m:ctrlPr>
-                                </m:sSubPr>
-                                <m:e>
-                                  <m:r>
-                                    <a:rPr lang="en-US" sz="3200" b="0" i="1" smtClean="0">
-                                      <a:latin typeface="Cambria Math" panose="02040503050406030204" pitchFamily="18" charset="0"/>
-                                    </a:rPr>
-                                    <m:t>𝑃</m:t>
-                                  </m:r>
-                                </m:e>
-                                <m:sub>
-                                  <m:r>
-                                    <a:rPr lang="en-US" sz="3200" b="0" i="1" smtClean="0">
-                                      <a:latin typeface="Cambria Math" panose="02040503050406030204" pitchFamily="18" charset="0"/>
-                                    </a:rPr>
-                                    <m:t>𝑖</m:t>
-                                  </m:r>
-                                </m:sub>
-                              </m:sSub>
-                            </m:e>
-                          </m:d>
-                        </m:e>
-                      </m:func>
-                      <m:r>
-                        <a:rPr lang="en-US" sz="3200" b="0" i="1" smtClean="0">
-                          <a:latin typeface="Cambria Math" panose="02040503050406030204" pitchFamily="18" charset="0"/>
-                        </a:rPr>
-                        <m:t>=</m:t>
-                      </m:r>
-                      <m:r>
-                        <a:rPr lang="en-US" sz="3200" b="0" i="1" smtClean="0">
-                          <a:latin typeface="Cambria Math" panose="02040503050406030204" pitchFamily="18" charset="0"/>
-                        </a:rPr>
-                        <m:t>𝜌</m:t>
-                      </m:r>
-                      <m:sSub>
-                        <m:sSubPr>
-                          <m:ctrlPr>
-                            <a:rPr lang="en-US" sz="3200" b="0" i="1" smtClean="0">
-                              <a:latin typeface="Cambria Math" panose="02040503050406030204" pitchFamily="18" charset="0"/>
-                            </a:rPr>
-                          </m:ctrlPr>
-                        </m:sSubPr>
-                        <m:e>
-                          <m:r>
-                            <a:rPr lang="en-US" sz="3200" b="0" i="1" smtClean="0">
-                              <a:latin typeface="Cambria Math" panose="02040503050406030204" pitchFamily="18" charset="0"/>
-                            </a:rPr>
-                            <m:t>𝑊</m:t>
-                          </m:r>
-                        </m:e>
-                        <m:sub>
-                          <m:r>
-                            <a:rPr lang="en-US" sz="3200" b="0" i="1" smtClean="0">
-                              <a:latin typeface="Cambria Math" panose="02040503050406030204" pitchFamily="18" charset="0"/>
-                            </a:rPr>
-                            <m:t>1</m:t>
-                          </m:r>
-                        </m:sub>
-                      </m:sSub>
-                      <m:r>
-                        <a:rPr lang="en-US" sz="3200" b="0" i="1" smtClean="0">
-                          <a:latin typeface="Cambria Math" panose="02040503050406030204" pitchFamily="18" charset="0"/>
-                        </a:rPr>
-                        <m:t>𝑃</m:t>
-                      </m:r>
-                      <m:r>
-                        <a:rPr lang="en-US" sz="3200" b="0" i="1" smtClean="0">
-                          <a:latin typeface="Cambria Math" panose="02040503050406030204" pitchFamily="18" charset="0"/>
-                        </a:rPr>
-                        <m:t>+</m:t>
-                      </m:r>
-                      <m:sSub>
-                        <m:sSubPr>
-                          <m:ctrlPr>
-                            <a:rPr lang="en-US" sz="3200" b="0" i="1" smtClean="0">
-                              <a:latin typeface="Cambria Math" panose="02040503050406030204" pitchFamily="18" charset="0"/>
-                            </a:rPr>
-                          </m:ctrlPr>
-                        </m:sSubPr>
-                        <m:e>
-                          <m:r>
-                            <a:rPr lang="en-US" sz="3200" b="0" i="1" smtClean="0">
-                              <a:latin typeface="Cambria Math" panose="02040503050406030204" pitchFamily="18" charset="0"/>
-                            </a:rPr>
-                            <m:t>𝛽</m:t>
-                          </m:r>
-                        </m:e>
-                        <m:sub>
-                          <m:r>
-                            <a:rPr lang="en-US" sz="3200" b="0" i="1" smtClean="0">
-                              <a:latin typeface="Cambria Math" panose="02040503050406030204" pitchFamily="18" charset="0"/>
-                            </a:rPr>
-                            <m:t>0</m:t>
-                          </m:r>
-                        </m:sub>
-                      </m:sSub>
-                      <m:r>
-                        <a:rPr lang="en-US" sz="3200" b="0" i="1" smtClean="0">
-                          <a:latin typeface="Cambria Math" panose="02040503050406030204" pitchFamily="18" charset="0"/>
-                        </a:rPr>
-                        <m:t>+</m:t>
-                      </m:r>
-                      <m:sSub>
-                        <m:sSubPr>
-                          <m:ctrlPr>
-                            <a:rPr lang="en-US" sz="3200" b="0" i="1" smtClean="0">
-                              <a:latin typeface="Cambria Math" panose="02040503050406030204" pitchFamily="18" charset="0"/>
-                            </a:rPr>
-                          </m:ctrlPr>
-                        </m:sSubPr>
-                        <m:e>
-                          <m:sSub>
-                            <m:sSubPr>
-                              <m:ctrlPr>
-                                <a:rPr lang="en-US" sz="3200" b="0" i="1" smtClean="0">
-                                  <a:latin typeface="Cambria Math" panose="02040503050406030204" pitchFamily="18" charset="0"/>
-                                </a:rPr>
-                              </m:ctrlPr>
-                            </m:sSubPr>
-                            <m:e>
-                              <m:r>
-                                <a:rPr lang="en-US" sz="3200" b="0" i="1" smtClean="0">
-                                  <a:latin typeface="Cambria Math" panose="02040503050406030204" pitchFamily="18" charset="0"/>
-                                </a:rPr>
-                                <m:t>𝑋</m:t>
-                              </m:r>
-                            </m:e>
-                            <m:sub>
-                              <m:r>
-                                <a:rPr lang="en-US" sz="3200" b="0" i="1" smtClean="0">
-                                  <a:latin typeface="Cambria Math" panose="02040503050406030204" pitchFamily="18" charset="0"/>
-                                </a:rPr>
-                                <m:t>𝑖</m:t>
-                              </m:r>
-                            </m:sub>
-                          </m:sSub>
-                          <m:r>
-                            <a:rPr lang="en-US" sz="3200" b="0" i="1" smtClean="0">
-                              <a:latin typeface="Cambria Math" panose="02040503050406030204" pitchFamily="18" charset="0"/>
-                            </a:rPr>
-                            <m:t>𝛽</m:t>
-                          </m:r>
-                        </m:e>
-                        <m:sub>
-                          <m:r>
-                            <a:rPr lang="en-US" sz="3200" b="0" i="1" smtClean="0">
-                              <a:latin typeface="Cambria Math" panose="02040503050406030204" pitchFamily="18" charset="0"/>
-                            </a:rPr>
-                            <m:t>1</m:t>
-                          </m:r>
-                        </m:sub>
-                      </m:sSub>
-                      <m:r>
-                        <a:rPr lang="en-US" sz="3200" b="0" i="1" smtClean="0">
-                          <a:latin typeface="Cambria Math" panose="02040503050406030204" pitchFamily="18" charset="0"/>
-                        </a:rPr>
-                        <m:t>+</m:t>
-                      </m:r>
-                      <m:sSub>
-                        <m:sSubPr>
-                          <m:ctrlPr>
-                            <a:rPr lang="en-US" sz="3200" b="0" i="1" smtClean="0">
-                              <a:latin typeface="Cambria Math" panose="02040503050406030204" pitchFamily="18" charset="0"/>
-                            </a:rPr>
-                          </m:ctrlPr>
-                        </m:sSubPr>
-                        <m:e>
-                          <m:r>
-                            <a:rPr lang="en-US" sz="3200" b="0" i="1" smtClean="0">
-                              <a:latin typeface="Cambria Math" panose="02040503050406030204" pitchFamily="18" charset="0"/>
-                            </a:rPr>
-                            <m:t>𝑊</m:t>
-                          </m:r>
-                        </m:e>
-                        <m:sub>
-                          <m:r>
-                            <a:rPr lang="en-US" sz="3200" b="0" i="1" smtClean="0">
-                              <a:latin typeface="Cambria Math" panose="02040503050406030204" pitchFamily="18" charset="0"/>
-                            </a:rPr>
-                            <m:t>2</m:t>
-                          </m:r>
-                        </m:sub>
-                      </m:sSub>
-                      <m:r>
-                        <a:rPr lang="en-US" sz="3200" b="0" i="1" smtClean="0">
-                          <a:latin typeface="Cambria Math" panose="02040503050406030204" pitchFamily="18" charset="0"/>
-                        </a:rPr>
-                        <m:t>𝑋</m:t>
-                      </m:r>
-                      <m:r>
-                        <a:rPr lang="en-US" sz="3200" b="0" i="1" smtClean="0">
-                          <a:latin typeface="Cambria Math" panose="02040503050406030204" pitchFamily="18" charset="0"/>
-                        </a:rPr>
-                        <m:t>𝜃</m:t>
-                      </m:r>
-                      <m:r>
-                        <a:rPr lang="en-US" sz="3200" b="0" i="1" smtClean="0">
-                          <a:latin typeface="Cambria Math" panose="02040503050406030204" pitchFamily="18" charset="0"/>
-                        </a:rPr>
-                        <m:t>+</m:t>
-                      </m:r>
-                      <m:sSub>
-                        <m:sSubPr>
-                          <m:ctrlPr>
-                            <a:rPr lang="en-US" sz="3200" b="0" i="1" smtClean="0">
-                              <a:latin typeface="Cambria Math" panose="02040503050406030204" pitchFamily="18" charset="0"/>
-                            </a:rPr>
-                          </m:ctrlPr>
-                        </m:sSubPr>
-                        <m:e>
-                          <m:r>
-                            <a:rPr lang="en-US" sz="3200" b="0" i="1" smtClean="0">
-                              <a:latin typeface="Cambria Math" panose="02040503050406030204" pitchFamily="18" charset="0"/>
-                            </a:rPr>
-                            <m:t>𝜖</m:t>
-                          </m:r>
-                        </m:e>
-                        <m:sub>
-                          <m:r>
-                            <a:rPr lang="en-US" sz="3200" b="0" i="1" smtClean="0">
-                              <a:latin typeface="Cambria Math" panose="02040503050406030204" pitchFamily="18" charset="0"/>
-                            </a:rPr>
-                            <m:t>𝑖</m:t>
-                          </m:r>
-                        </m:sub>
-                      </m:sSub>
-                    </m:oMath>
-                  </m:oMathPara>
-                </a14:m>
-                <a:endParaRPr lang="en-US" sz="3200" dirty="0"/>
-              </a:p>
-            </p:txBody>
-          </p:sp>
-        </mc:Choice>
-        <mc:Fallback xmlns="">
-          <p:sp>
-            <p:nvSpPr>
-              <p:cNvPr id="4" name="TextBox 3">
-                <a:extLst>
-                  <a:ext uri="{FF2B5EF4-FFF2-40B4-BE49-F238E27FC236}">
-                    <a16:creationId xmlns:a16="http://schemas.microsoft.com/office/drawing/2014/main" id="{682F7450-929B-983B-B17C-D842F34A4A09}"/>
-                  </a:ext>
-                </a:extLst>
-              </p:cNvPr>
-              <p:cNvSpPr txBox="1">
-                <a:spLocks noRot="1" noChangeAspect="1" noMove="1" noResize="1" noEditPoints="1" noAdjustHandles="1" noChangeArrowheads="1" noChangeShapeType="1" noTextEdit="1"/>
-              </p:cNvSpPr>
-              <p:nvPr/>
-            </p:nvSpPr>
-            <p:spPr>
-              <a:xfrm>
-                <a:off x="2497033" y="3048000"/>
-                <a:ext cx="7197933" cy="492443"/>
-              </a:xfrm>
-              <a:prstGeom prst="rect">
-                <a:avLst/>
-              </a:prstGeom>
-              <a:blipFill>
-                <a:blip r:embed="rId3"/>
-                <a:stretch>
-                  <a:fillRect/>
-                </a:stretch>
-              </a:blipFill>
-            </p:spPr>
-            <p:txBody>
-              <a:bodyPr/>
-              <a:lstStyle/>
-              <a:p>
-                <a:r>
-                  <a:rPr lang="en-US">
-                    <a:noFill/>
-                  </a:rPr>
-                  <a:t> </a:t>
-                </a:r>
-              </a:p>
-            </p:txBody>
-          </p:sp>
-        </mc:Fallback>
-      </mc:AlternateContent>
-    </p:spTree>
-    <p:extLst>
-      <p:ext uri="{BB962C8B-B14F-4D97-AF65-F5344CB8AC3E}">
-        <p14:creationId xmlns:p14="http://schemas.microsoft.com/office/powerpoint/2010/main" val="3819212087"/>
-      </p:ext>
-    </p:extLst>
-  </p:cSld>
-  <p:clrMapOvr>
-    <a:masterClrMapping/>
-  </p:clrMapOvr>
-</p:sld>
-</file>
-
-<file path=ppt/slides/slide9.xml><?xml version="1.0" encoding="utf-8"?>
-<p:sld xmlns:a="http://schemas.openxmlformats.org/drawingml/2006/main" xmlns:r="http://schemas.openxmlformats.org/officeDocument/2006/relationships" xmlns:p="http://schemas.openxmlformats.org/presentationml/2006/main">
-  <p:cSld>
-    <p:spTree>
-      <p:nvGrpSpPr>
-        <p:cNvPr id="1" name=""/>
-        <p:cNvGrpSpPr/>
-        <p:nvPr/>
-      </p:nvGrpSpPr>
-      <p:grpSpPr>
-        <a:xfrm>
-          <a:off x="0" y="0"/>
-          <a:ext cx="0" cy="0"/>
-          <a:chOff x="0" y="0"/>
-          <a:chExt cx="0" cy="0"/>
-        </a:xfrm>
-      </p:grpSpPr>
-      <p:sp>
-        <p:nvSpPr>
-          <p:cNvPr id="3" name="Title 2"/>
-          <p:cNvSpPr>
-            <a:spLocks noGrp="1"/>
-          </p:cNvSpPr>
-          <p:nvPr>
-            <p:ph type="title"/>
-          </p:nvPr>
-        </p:nvSpPr>
-        <p:spPr/>
-        <p:txBody>
-          <a:bodyPr/>
-          <a:lstStyle/>
-          <a:p>
-            <a:r>
-              <a:rPr lang="en-US" dirty="0"/>
-              <a:t>Results</a:t>
-            </a:r>
-          </a:p>
-        </p:txBody>
-      </p:sp>
-      <p:pic>
-        <p:nvPicPr>
-          <p:cNvPr id="12" name="Picture 11">
-            <a:extLst>
-              <a:ext uri="{FF2B5EF4-FFF2-40B4-BE49-F238E27FC236}">
-                <a16:creationId xmlns:a16="http://schemas.microsoft.com/office/drawing/2014/main" id="{4BADE673-E0DB-A518-D2B8-B55E22064AC5}"/>
-              </a:ext>
-            </a:extLst>
-          </p:cNvPr>
-          <p:cNvPicPr>
-            <a:picLocks noChangeAspect="1"/>
-          </p:cNvPicPr>
-          <p:nvPr/>
-        </p:nvPicPr>
-        <p:blipFill>
-          <a:blip r:embed="rId2"/>
-          <a:stretch>
-            <a:fillRect/>
-          </a:stretch>
-        </p:blipFill>
-        <p:spPr>
-          <a:xfrm>
-            <a:off x="266700" y="1447800"/>
-            <a:ext cx="11658600" cy="3486116"/>
-          </a:xfrm>
-          <a:prstGeom prst="rect">
-            <a:avLst/>
-          </a:prstGeom>
-        </p:spPr>
-      </p:pic>
-      <p:sp>
-        <p:nvSpPr>
-          <p:cNvPr id="13" name="Rectangle 12">
-            <a:extLst>
-              <a:ext uri="{FF2B5EF4-FFF2-40B4-BE49-F238E27FC236}">
-                <a16:creationId xmlns:a16="http://schemas.microsoft.com/office/drawing/2014/main" id="{3C04EDC1-541C-6DEF-5181-C37E2622D997}"/>
-              </a:ext>
-            </a:extLst>
-          </p:cNvPr>
-          <p:cNvSpPr/>
-          <p:nvPr/>
-        </p:nvSpPr>
-        <p:spPr>
-          <a:xfrm>
-            <a:off x="3340895" y="2369343"/>
-            <a:ext cx="2438400" cy="152400"/>
-          </a:xfrm>
-          <a:prstGeom prst="rect">
-            <a:avLst/>
-          </a:prstGeom>
-          <a:solidFill>
-            <a:srgbClr val="4F81BD">
-              <a:alpha val="25098"/>
-            </a:srgbClr>
-          </a:solidFill>
-          <a:ln>
-            <a:noFill/>
-          </a:ln>
-        </p:spPr>
-        <p:style>
-          <a:lnRef idx="2">
-            <a:schemeClr val="accent1">
-              <a:shade val="15000"/>
-            </a:schemeClr>
-          </a:lnRef>
-          <a:fillRef idx="1">
-            <a:schemeClr val="accent1"/>
-          </a:fillRef>
-          <a:effectRef idx="0">
-            <a:schemeClr val="accent1"/>
-          </a:effectRef>
-          <a:fontRef idx="minor">
-            <a:schemeClr val="lt1"/>
-          </a:fontRef>
-        </p:style>
-        <p:txBody>
-          <a:bodyPr rtlCol="0" anchor="ctr"/>
-          <a:lstStyle/>
-          <a:p>
-            <a:pPr algn="ctr"/>
-            <a:endParaRPr lang="en-US"/>
-          </a:p>
-        </p:txBody>
-      </p:sp>
-      <p:sp>
-        <p:nvSpPr>
-          <p:cNvPr id="15" name="Rectangle 14">
-            <a:extLst>
-              <a:ext uri="{FF2B5EF4-FFF2-40B4-BE49-F238E27FC236}">
-                <a16:creationId xmlns:a16="http://schemas.microsoft.com/office/drawing/2014/main" id="{74C4ED8E-9BBE-B629-64AE-9604C0C688B6}"/>
-              </a:ext>
-            </a:extLst>
-          </p:cNvPr>
-          <p:cNvSpPr/>
-          <p:nvPr/>
-        </p:nvSpPr>
-        <p:spPr>
-          <a:xfrm>
-            <a:off x="6118860" y="2752725"/>
-            <a:ext cx="5806440" cy="152400"/>
-          </a:xfrm>
-          <a:prstGeom prst="rect">
-            <a:avLst/>
-          </a:prstGeom>
-          <a:solidFill>
-            <a:srgbClr val="4F81BD">
-              <a:alpha val="25098"/>
-            </a:srgbClr>
-          </a:solidFill>
-          <a:ln>
-            <a:noFill/>
-          </a:ln>
-        </p:spPr>
-        <p:style>
-          <a:lnRef idx="2">
-            <a:schemeClr val="accent1">
-              <a:shade val="15000"/>
-            </a:schemeClr>
-          </a:lnRef>
-          <a:fillRef idx="1">
-            <a:schemeClr val="accent1"/>
-          </a:fillRef>
-          <a:effectRef idx="0">
-            <a:schemeClr val="accent1"/>
-          </a:effectRef>
-          <a:fontRef idx="minor">
-            <a:schemeClr val="lt1"/>
-          </a:fontRef>
-        </p:style>
-        <p:txBody>
-          <a:bodyPr rtlCol="0" anchor="ctr"/>
-          <a:lstStyle/>
-          <a:p>
-            <a:pPr algn="ctr"/>
-            <a:endParaRPr lang="en-US"/>
-          </a:p>
-        </p:txBody>
-      </p:sp>
-      <p:sp>
-        <p:nvSpPr>
-          <p:cNvPr id="17" name="Rectangle 16">
-            <a:extLst>
-              <a:ext uri="{FF2B5EF4-FFF2-40B4-BE49-F238E27FC236}">
-                <a16:creationId xmlns:a16="http://schemas.microsoft.com/office/drawing/2014/main" id="{A3979193-860A-64E8-C21E-BE0F86A7B962}"/>
-              </a:ext>
-            </a:extLst>
-          </p:cNvPr>
-          <p:cNvSpPr/>
-          <p:nvPr/>
-        </p:nvSpPr>
-        <p:spPr>
-          <a:xfrm>
-            <a:off x="9458325" y="3902075"/>
-            <a:ext cx="2438400" cy="152400"/>
-          </a:xfrm>
-          <a:prstGeom prst="rect">
-            <a:avLst/>
-          </a:prstGeom>
-          <a:solidFill>
-            <a:srgbClr val="4F81BD">
-              <a:alpha val="25098"/>
-            </a:srgbClr>
-          </a:solidFill>
-          <a:ln>
-            <a:noFill/>
-          </a:ln>
-        </p:spPr>
-        <p:style>
-          <a:lnRef idx="2">
-            <a:schemeClr val="accent1">
-              <a:shade val="15000"/>
-            </a:schemeClr>
-          </a:lnRef>
-          <a:fillRef idx="1">
-            <a:schemeClr val="accent1"/>
-          </a:fillRef>
-          <a:effectRef idx="0">
-            <a:schemeClr val="accent1"/>
-          </a:effectRef>
-          <a:fontRef idx="minor">
-            <a:schemeClr val="lt1"/>
-          </a:fontRef>
-        </p:style>
-        <p:txBody>
-          <a:bodyPr rtlCol="0" anchor="ctr"/>
-          <a:lstStyle/>
-          <a:p>
-            <a:pPr algn="ctr"/>
-            <a:endParaRPr lang="en-US"/>
-          </a:p>
-        </p:txBody>
-      </p:sp>
-    </p:spTree>
-    <p:extLst>
-      <p:ext uri="{BB962C8B-B14F-4D97-AF65-F5344CB8AC3E}">
-        <p14:creationId xmlns:p14="http://schemas.microsoft.com/office/powerpoint/2010/main" val="2968739365"/>
-      </p:ext>
-    </p:extLst>
-  </p:cSld>
-  <p:clrMapOvr>
-    <a:masterClrMapping/>
-  </p:clrMapOvr>
-  <p:timing>
-    <p:tnLst>
-      <p:par>
-        <p:cTn id="1" dur="indefinite" restart="never" nodeType="tmRoot">
-          <p:childTnLst>
-            <p:seq concurrent="1" nextAc="seek">
-              <p:cTn id="2" dur="indefinite" nodeType="mainSeq">
-                <p:childTnLst>
-                  <p:par>
-                    <p:cTn id="3" fill="hold">
-                      <p:stCondLst>
-                        <p:cond delay="indefinite"/>
-                      </p:stCondLst>
-                      <p:childTnLst>
-                        <p:par>
-                          <p:cTn id="4" fill="hold">
-                            <p:stCondLst>
-                              <p:cond delay="0"/>
-                            </p:stCondLst>
-                            <p:childTnLst>
-                              <p:par>
-                                <p:cTn id="5" presetID="10" presetClass="entr" presetSubtype="0" fill="hold" grpId="0" nodeType="clickEffect">
-                                  <p:stCondLst>
-                                    <p:cond delay="0"/>
-                                  </p:stCondLst>
-                                  <p:childTnLst>
-                                    <p:set>
-                                      <p:cBhvr>
-                                        <p:cTn id="6" dur="1" fill="hold">
-                                          <p:stCondLst>
-                                            <p:cond delay="0"/>
-                                          </p:stCondLst>
-                                        </p:cTn>
-                                        <p:tgtEl>
-                                          <p:spTgt spid="13"/>
-                                        </p:tgtEl>
-                                        <p:attrNameLst>
-                                          <p:attrName>style.visibility</p:attrName>
-                                        </p:attrNameLst>
-                                      </p:cBhvr>
-                                      <p:to>
-                                        <p:strVal val="visible"/>
-                                      </p:to>
-                                    </p:set>
-                                    <p:animEffect transition="in" filter="fade">
-                                      <p:cBhvr>
-                                        <p:cTn id="7" dur="500"/>
-                                        <p:tgtEl>
-                                          <p:spTgt spid="13"/>
-                                        </p:tgtEl>
-                                      </p:cBhvr>
-                                    </p:animEffect>
-                                  </p:childTnLst>
-                                </p:cTn>
-                              </p:par>
-                              <p:par>
-                                <p:cTn id="8" presetID="10" presetClass="entr" presetSubtype="0" fill="hold" grpId="0" nodeType="withEffect">
-                                  <p:stCondLst>
-                                    <p:cond delay="0"/>
-                                  </p:stCondLst>
-                                  <p:childTnLst>
-                                    <p:set>
-                                      <p:cBhvr>
-                                        <p:cTn id="9" dur="1" fill="hold">
-                                          <p:stCondLst>
-                                            <p:cond delay="0"/>
-                                          </p:stCondLst>
-                                        </p:cTn>
-                                        <p:tgtEl>
-                                          <p:spTgt spid="15"/>
-                                        </p:tgtEl>
-                                        <p:attrNameLst>
-                                          <p:attrName>style.visibility</p:attrName>
-                                        </p:attrNameLst>
-                                      </p:cBhvr>
-                                      <p:to>
-                                        <p:strVal val="visible"/>
-                                      </p:to>
-                                    </p:set>
-                                    <p:animEffect transition="in" filter="fade">
-                                      <p:cBhvr>
-                                        <p:cTn id="10" dur="500"/>
-                                        <p:tgtEl>
-                                          <p:spTgt spid="15"/>
-                                        </p:tgtEl>
-                                      </p:cBhvr>
-                                    </p:animEffect>
-                                  </p:childTnLst>
-                                </p:cTn>
-                              </p:par>
-                              <p:par>
-                                <p:cTn id="11" presetID="10" presetClass="entr" presetSubtype="0" fill="hold" grpId="0" nodeType="withEffect">
-                                  <p:stCondLst>
-                                    <p:cond delay="0"/>
-                                  </p:stCondLst>
-                                  <p:childTnLst>
-                                    <p:set>
-                                      <p:cBhvr>
-                                        <p:cTn id="12" dur="1" fill="hold">
-                                          <p:stCondLst>
-                                            <p:cond delay="0"/>
-                                          </p:stCondLst>
-                                        </p:cTn>
-                                        <p:tgtEl>
-                                          <p:spTgt spid="17"/>
-                                        </p:tgtEl>
-                                        <p:attrNameLst>
-                                          <p:attrName>style.visibility</p:attrName>
-                                        </p:attrNameLst>
-                                      </p:cBhvr>
-                                      <p:to>
-                                        <p:strVal val="visible"/>
-                                      </p:to>
-                                    </p:set>
-                                    <p:animEffect transition="in" filter="fade">
-                                      <p:cBhvr>
-                                        <p:cTn id="13" dur="500"/>
-                                        <p:tgtEl>
-                                          <p:spTgt spid="17"/>
-                                        </p:tgtEl>
-                                      </p:cBhvr>
-                                    </p:animEffect>
-                                  </p:childTnLst>
-                                </p:cTn>
-                              </p:par>
-                            </p:childTnLst>
-                          </p:cTn>
-                        </p:par>
-                      </p:childTnLst>
-                    </p:cTn>
-                  </p:par>
-                </p:childTnLst>
-              </p:cTn>
-              <p:prevCondLst>
-                <p:cond evt="onPrev" delay="0">
-                  <p:tgtEl>
-                    <p:sldTgt/>
-                  </p:tgtEl>
-                </p:cond>
-              </p:prevCondLst>
-              <p:nextCondLst>
-                <p:cond evt="onNext" delay="0">
-                  <p:tgtEl>
-                    <p:sldTgt/>
-                  </p:tgtEl>
-                </p:cond>
-              </p:nextCondLst>
-            </p:seq>
-          </p:childTnLst>
-        </p:cTn>
-      </p:par>
-    </p:tnLst>
-    <p:bldLst>
-      <p:bldP spid="13" grpId="0" animBg="1"/>
-      <p:bldP spid="15" grpId="0" animBg="1"/>
-      <p:bldP spid="17" grpId="0" animBg="1"/>
     </p:bldLst>
   </p:timing>
 </p:sld>
